--- a/Cloud Control Poster.pptx
+++ b/Cloud Control Poster.pptx
@@ -419,14 +419,14 @@
           </a:ln>
           <a:extLst>
             <a:ext uri="{909E8E84-426E-40dd-AFC4-6F175D3DCCD1}">
-              <a14:hiddenFill xmlns="" xmlns:a14="http://schemas.microsoft.com/office/drawing/2010/main">
+              <a14:hiddenFill xmlns:a14="http://schemas.microsoft.com/office/drawing/2010/main" xmlns="">
                 <a:solidFill>
                   <a:srgbClr val="FFFFFF"/>
                 </a:solidFill>
               </a14:hiddenFill>
             </a:ext>
             <a:ext uri="{FAA26D3D-D897-4be2-8F04-BA451C77F1D7}">
-              <ma14:placeholderFlag xmlns="" xmlns:ma14="http://schemas.microsoft.com/office/mac/drawingml/2011/main" val="1"/>
+              <ma14:placeholderFlag xmlns:ma14="http://schemas.microsoft.com/office/mac/drawingml/2011/main" xmlns="" val="1"/>
             </a:ext>
           </a:extLst>
         </p:spPr>
@@ -774,14 +774,14 @@
           <a:ln/>
           <a:extLst>
             <a:ext uri="{909E8E84-426E-40dd-AFC4-6F175D3DCCD1}">
-              <a14:hiddenFill xmlns="" xmlns:a14="http://schemas.microsoft.com/office/drawing/2010/main">
+              <a14:hiddenFill xmlns:a14="http://schemas.microsoft.com/office/drawing/2010/main" xmlns="">
                 <a:solidFill>
                   <a:srgbClr val="FFFFFF"/>
                 </a:solidFill>
               </a14:hiddenFill>
             </a:ext>
             <a:ext uri="{91240B29-F687-4f45-9708-019B960494DF}">
-              <a14:hiddenLine xmlns="" xmlns:a14="http://schemas.microsoft.com/office/drawing/2010/main" w="9525">
+              <a14:hiddenLine xmlns:a14="http://schemas.microsoft.com/office/drawing/2010/main" xmlns="" w="9525">
                 <a:solidFill>
                   <a:srgbClr val="000000"/>
                 </a:solidFill>
@@ -973,14 +973,14 @@
           <a:ln/>
           <a:extLst>
             <a:ext uri="{909E8E84-426E-40dd-AFC4-6F175D3DCCD1}">
-              <a14:hiddenFill xmlns="" xmlns:a14="http://schemas.microsoft.com/office/drawing/2010/main">
+              <a14:hiddenFill xmlns:a14="http://schemas.microsoft.com/office/drawing/2010/main" xmlns="">
                 <a:solidFill>
                   <a:srgbClr val="FFFFFF"/>
                 </a:solidFill>
               </a14:hiddenFill>
             </a:ext>
             <a:ext uri="{91240B29-F687-4f45-9708-019B960494DF}">
-              <a14:hiddenLine xmlns="" xmlns:a14="http://schemas.microsoft.com/office/drawing/2010/main" w="9525">
+              <a14:hiddenLine xmlns:a14="http://schemas.microsoft.com/office/drawing/2010/main" xmlns="" w="9525">
                 <a:solidFill>
                   <a:srgbClr val="000000"/>
                 </a:solidFill>
@@ -4016,14 +4016,14 @@
           </a:ln>
           <a:extLst>
             <a:ext uri="{909E8E84-426E-40dd-AFC4-6F175D3DCCD1}">
-              <a14:hiddenFill xmlns="" xmlns:a14="http://schemas.microsoft.com/office/drawing/2010/main">
+              <a14:hiddenFill xmlns:a14="http://schemas.microsoft.com/office/drawing/2010/main" xmlns="">
                 <a:solidFill>
                   <a:srgbClr val="FFFFFF"/>
                 </a:solidFill>
               </a14:hiddenFill>
             </a:ext>
             <a:ext uri="{91240B29-F687-4f45-9708-019B960494DF}">
-              <a14:hiddenLine xmlns="" xmlns:a14="http://schemas.microsoft.com/office/drawing/2010/main" w="9525">
+              <a14:hiddenLine xmlns:a14="http://schemas.microsoft.com/office/drawing/2010/main" xmlns="" w="9525">
                 <a:solidFill>
                   <a:srgbClr val="000000"/>
                 </a:solidFill>
@@ -4033,7 +4033,7 @@
               </a14:hiddenLine>
             </a:ext>
             <a:ext uri="{FAA26D3D-D897-4be2-8F04-BA451C77F1D7}">
-              <ma14:placeholderFlag xmlns="" xmlns:ma14="http://schemas.microsoft.com/office/mac/drawingml/2011/main" val="1"/>
+              <ma14:placeholderFlag xmlns:ma14="http://schemas.microsoft.com/office/mac/drawingml/2011/main" xmlns="" val="1"/>
             </a:ext>
           </a:extLst>
         </p:spPr>
@@ -4077,14 +4077,14 @@
           </a:ln>
           <a:extLst>
             <a:ext uri="{909E8E84-426E-40dd-AFC4-6F175D3DCCD1}">
-              <a14:hiddenFill xmlns="" xmlns:a14="http://schemas.microsoft.com/office/drawing/2010/main">
+              <a14:hiddenFill xmlns:a14="http://schemas.microsoft.com/office/drawing/2010/main" xmlns="">
                 <a:solidFill>
                   <a:srgbClr val="FFFFFF"/>
                 </a:solidFill>
               </a14:hiddenFill>
             </a:ext>
             <a:ext uri="{91240B29-F687-4f45-9708-019B960494DF}">
-              <a14:hiddenLine xmlns="" xmlns:a14="http://schemas.microsoft.com/office/drawing/2010/main" w="9525">
+              <a14:hiddenLine xmlns:a14="http://schemas.microsoft.com/office/drawing/2010/main" xmlns="" w="9525">
                 <a:solidFill>
                   <a:srgbClr val="000000"/>
                 </a:solidFill>
@@ -4094,7 +4094,7 @@
               </a14:hiddenLine>
             </a:ext>
             <a:ext uri="{FAA26D3D-D897-4be2-8F04-BA451C77F1D7}">
-              <ma14:placeholderFlag xmlns="" xmlns:ma14="http://schemas.microsoft.com/office/mac/drawingml/2011/main" val="1"/>
+              <ma14:placeholderFlag xmlns:ma14="http://schemas.microsoft.com/office/mac/drawingml/2011/main" xmlns="" val="1"/>
             </a:ext>
           </a:extLst>
         </p:spPr>
@@ -4875,7 +4875,7 @@
         <p:spPr bwMode="auto">
           <a:xfrm>
             <a:off x="457200" y="6400800"/>
-            <a:ext cx="13716000" cy="1679553"/>
+            <a:ext cx="13716000" cy="8345994"/>
           </a:xfrm>
           <a:prstGeom prst="rect">
             <a:avLst/>
@@ -4886,14 +4886,14 @@
           </a:ln>
           <a:extLst>
             <a:ext uri="{909E8E84-426E-40dd-AFC4-6F175D3DCCD1}">
-              <a14:hiddenFill xmlns="" xmlns:a14="http://schemas.microsoft.com/office/drawing/2010/main">
+              <a14:hiddenFill xmlns:a14="http://schemas.microsoft.com/office/drawing/2010/main" xmlns="">
                 <a:solidFill>
                   <a:srgbClr val="FFFFFF"/>
                 </a:solidFill>
               </a14:hiddenFill>
             </a:ext>
             <a:ext uri="{91240B29-F687-4f45-9708-019B960494DF}">
-              <a14:hiddenLine xmlns="" xmlns:a14="http://schemas.microsoft.com/office/drawing/2010/main" w="9525">
+              <a14:hiddenLine xmlns:a14="http://schemas.microsoft.com/office/drawing/2010/main" xmlns="" w="9525">
                 <a:solidFill>
                   <a:srgbClr val="000000"/>
                 </a:solidFill>
@@ -5049,16 +5049,60 @@
             </a:lvl9pPr>
           </a:lstStyle>
           <a:p>
-            <a:pPr algn="just" eaLnBrk="1" hangingPunct="1">
-              <a:spcBef>
-                <a:spcPct val="0"/>
-              </a:spcBef>
-              <a:buFontTx/>
+            <a:pPr>
               <a:buNone/>
             </a:pPr>
             <a:r>
-              <a:rPr lang="en-US" sz="4000" dirty="0"/>
-              <a:t>Insert background info about your project, motivation, etc. Include a figure if applicable</a:t>
+              <a:rPr lang="en-US" sz="4000" b="1" dirty="0"/>
+              <a:t>Communicating with groups of people during an emergency situation is an extremely important and challenging task. The Cloud Control project aims to relay messages from a ground control system to a target audience under a drone without being physically present.</a:t>
+            </a:r>
+          </a:p>
+          <a:p>
+            <a:pPr marL="571500" indent="-571500"/>
+            <a:r>
+              <a:rPr lang="en-US" sz="4000" b="1" dirty="0"/>
+              <a:t>Ground Control System:</a:t>
+            </a:r>
+          </a:p>
+          <a:p>
+            <a:pPr marL="1314450" lvl="1" indent="-571500"/>
+            <a:r>
+              <a:rPr lang="en-US" sz="4000" b="1" dirty="0"/>
+              <a:t>User interface running on Raspberry Pi touch screen with a </a:t>
+            </a:r>
+            <a:r>
+              <a:rPr lang="en-US" sz="4000" b="1" dirty="0" err="1"/>
+              <a:t>micrphone</a:t>
+            </a:r>
+            <a:endParaRPr lang="en-US" sz="4000" b="1" dirty="0"/>
+          </a:p>
+          <a:p>
+            <a:pPr marL="1314450" lvl="1" indent="-571500"/>
+            <a:r>
+              <a:rPr lang="en-US" sz="100" b="1" dirty="0"/>
+              <a:t>f</a:t>
+            </a:r>
+          </a:p>
+          <a:p>
+            <a:pPr marL="571500" indent="-571500"/>
+            <a:r>
+              <a:rPr lang="en-US" sz="4000" b="1" dirty="0"/>
+              <a:t>Drone Module:</a:t>
+            </a:r>
+          </a:p>
+          <a:p>
+            <a:pPr marL="1314450" lvl="1" indent="-571500"/>
+            <a:r>
+              <a:rPr lang="en-US" sz="4000" b="1" dirty="0"/>
+              <a:t>PCB with speaker system mounted on </a:t>
+            </a:r>
+            <a:r>
+              <a:rPr lang="en-US" sz="4000" b="1" dirty="0" err="1"/>
+              <a:t>hexacopter</a:t>
+            </a:r>
+            <a:r>
+              <a:rPr lang="en-US" sz="4000" b="1" dirty="0"/>
+              <a:t> drone</a:t>
             </a:r>
           </a:p>
         </p:txBody>
@@ -5273,7 +5317,7 @@
             <a:pPr algn="ctr"/>
             <a:r>
               <a:rPr lang="en-US" sz="6600" b="1" u="sng" dirty="0"/>
-              <a:t>Final Design / Product Name </a:t>
+              <a:t>PCB Design</a:t>
             </a:r>
           </a:p>
         </p:txBody>
@@ -5384,7 +5428,7 @@
             <a:pPr algn="ctr"/>
             <a:r>
               <a:rPr lang="en-US" sz="6600" b="1" u="sng" dirty="0"/>
-              <a:t>Hardware / Key Components</a:t>
+              <a:t>Critical Hardware Components</a:t>
             </a:r>
           </a:p>
         </p:txBody>
@@ -5606,7 +5650,7 @@
         </p:nvSpPr>
         <p:spPr bwMode="auto">
           <a:xfrm>
-            <a:off x="457200" y="13027048"/>
+            <a:off x="489857" y="16372972"/>
             <a:ext cx="13716000" cy="1679553"/>
           </a:xfrm>
           <a:prstGeom prst="rect">
@@ -5618,14 +5662,14 @@
           </a:ln>
           <a:extLst>
             <a:ext uri="{909E8E84-426E-40dd-AFC4-6F175D3DCCD1}">
-              <a14:hiddenFill xmlns="" xmlns:a14="http://schemas.microsoft.com/office/drawing/2010/main">
+              <a14:hiddenFill xmlns:a14="http://schemas.microsoft.com/office/drawing/2010/main" xmlns="">
                 <a:solidFill>
                   <a:srgbClr val="FFFFFF"/>
                 </a:solidFill>
               </a14:hiddenFill>
             </a:ext>
             <a:ext uri="{91240B29-F687-4f45-9708-019B960494DF}">
-              <a14:hiddenLine xmlns="" xmlns:a14="http://schemas.microsoft.com/office/drawing/2010/main" w="9525">
+              <a14:hiddenLine xmlns:a14="http://schemas.microsoft.com/office/drawing/2010/main" xmlns="" w="9525">
                 <a:solidFill>
                   <a:srgbClr val="000000"/>
                 </a:solidFill>
@@ -5808,7 +5852,7 @@
         </p:nvSpPr>
         <p:spPr>
           <a:xfrm>
-            <a:off x="457200" y="11842852"/>
+            <a:off x="457200" y="14997525"/>
             <a:ext cx="13716000" cy="1107996"/>
           </a:xfrm>
           <a:prstGeom prst="rect">
@@ -5833,69 +5877,6 @@
             <a:r>
               <a:rPr lang="en-US" sz="6600" b="1" u="sng" dirty="0"/>
               <a:t>Overview / Design Specs</a:t>
-            </a:r>
-          </a:p>
-        </p:txBody>
-      </p:sp>
-      <p:sp>
-        <p:nvSpPr>
-          <p:cNvPr id="41" name="Rectangle 15" descr="30%"/>
-          <p:cNvSpPr>
-            <a:spLocks noChangeArrowheads="1"/>
-          </p:cNvSpPr>
-          <p:nvPr/>
-        </p:nvSpPr>
-        <p:spPr bwMode="auto">
-          <a:xfrm>
-            <a:off x="15235054" y="18145255"/>
-            <a:ext cx="3586348" cy="2502899"/>
-          </a:xfrm>
-          <a:prstGeom prst="rect">
-            <a:avLst/>
-          </a:prstGeom>
-          <a:solidFill>
-            <a:schemeClr val="accent5">
-              <a:lumMod val="75000"/>
-            </a:schemeClr>
-          </a:solidFill>
-          <a:ln w="9525">
-            <a:solidFill>
-              <a:schemeClr val="tx1"/>
-            </a:solidFill>
-            <a:miter lim="800000"/>
-            <a:headEnd/>
-            <a:tailEnd/>
-          </a:ln>
-          <a:effectLst>
-            <a:outerShdw blurRad="50800" dist="101600" dir="2700000" algn="tl" rotWithShape="0">
-              <a:prstClr val="black">
-                <a:alpha val="40000"/>
-              </a:prstClr>
-            </a:outerShdw>
-          </a:effectLst>
-        </p:spPr>
-        <p:txBody>
-          <a:bodyPr wrap="none" lIns="69832" tIns="34916" rIns="69832" bIns="34916" anchor="ctr"/>
-          <a:lstStyle/>
-          <a:p>
-            <a:pPr algn="ctr" defTabSz="698472"/>
-            <a:r>
-              <a:rPr lang="en-US" sz="4400" b="1" dirty="0"/>
-              <a:t>Picture: </a:t>
-            </a:r>
-          </a:p>
-          <a:p>
-            <a:pPr algn="ctr" defTabSz="698472"/>
-            <a:r>
-              <a:rPr lang="en-US" sz="4400" b="1" dirty="0"/>
-              <a:t>Key </a:t>
-            </a:r>
-          </a:p>
-          <a:p>
-            <a:pPr algn="ctr" defTabSz="698472"/>
-            <a:r>
-              <a:rPr lang="en-US" sz="4400" b="1" dirty="0"/>
-              <a:t>Comp #1</a:t>
             </a:r>
           </a:p>
         </p:txBody>
@@ -5922,14 +5903,14 @@
           </a:ln>
           <a:extLst>
             <a:ext uri="{909E8E84-426E-40dd-AFC4-6F175D3DCCD1}">
-              <a14:hiddenFill xmlns="" xmlns:a14="http://schemas.microsoft.com/office/drawing/2010/main">
+              <a14:hiddenFill xmlns:a14="http://schemas.microsoft.com/office/drawing/2010/main" xmlns="">
                 <a:solidFill>
                   <a:srgbClr val="FFFFFF"/>
                 </a:solidFill>
               </a14:hiddenFill>
             </a:ext>
             <a:ext uri="{91240B29-F687-4f45-9708-019B960494DF}">
-              <a14:hiddenLine xmlns="" xmlns:a14="http://schemas.microsoft.com/office/drawing/2010/main" w="9525">
+              <a14:hiddenLine xmlns:a14="http://schemas.microsoft.com/office/drawing/2010/main" xmlns="" w="9525">
                 <a:solidFill>
                   <a:srgbClr val="000000"/>
                 </a:solidFill>
@@ -6094,7 +6075,7 @@
             </a:pPr>
             <a:r>
               <a:rPr lang="en-US" sz="4000" b="1" dirty="0"/>
-              <a:t>Label</a:t>
+              <a:t>Raspberry Pi Ground Control System</a:t>
             </a:r>
           </a:p>
           <a:p>
@@ -6108,69 +6089,6 @@
             <a:r>
               <a:rPr lang="en-US" sz="4000" dirty="0"/>
               <a:t>Describe key component #1, including applicable specs</a:t>
-            </a:r>
-          </a:p>
-        </p:txBody>
-      </p:sp>
-      <p:sp>
-        <p:nvSpPr>
-          <p:cNvPr id="43" name="Rectangle 15" descr="30%"/>
-          <p:cNvSpPr>
-            <a:spLocks noChangeArrowheads="1"/>
-          </p:cNvSpPr>
-          <p:nvPr/>
-        </p:nvSpPr>
-        <p:spPr bwMode="auto">
-          <a:xfrm>
-            <a:off x="15240000" y="21740403"/>
-            <a:ext cx="3586348" cy="2502899"/>
-          </a:xfrm>
-          <a:prstGeom prst="rect">
-            <a:avLst/>
-          </a:prstGeom>
-          <a:solidFill>
-            <a:schemeClr val="accent5">
-              <a:lumMod val="75000"/>
-            </a:schemeClr>
-          </a:solidFill>
-          <a:ln w="9525">
-            <a:solidFill>
-              <a:schemeClr val="tx1"/>
-            </a:solidFill>
-            <a:miter lim="800000"/>
-            <a:headEnd/>
-            <a:tailEnd/>
-          </a:ln>
-          <a:effectLst>
-            <a:outerShdw blurRad="50800" dist="101600" dir="2700000" algn="tl" rotWithShape="0">
-              <a:prstClr val="black">
-                <a:alpha val="40000"/>
-              </a:prstClr>
-            </a:outerShdw>
-          </a:effectLst>
-        </p:spPr>
-        <p:txBody>
-          <a:bodyPr wrap="none" lIns="69832" tIns="34916" rIns="69832" bIns="34916" anchor="ctr"/>
-          <a:lstStyle/>
-          <a:p>
-            <a:pPr algn="ctr" defTabSz="698472"/>
-            <a:r>
-              <a:rPr lang="en-US" sz="4400" b="1" dirty="0"/>
-              <a:t>Picture: </a:t>
-            </a:r>
-          </a:p>
-          <a:p>
-            <a:pPr algn="ctr" defTabSz="698472"/>
-            <a:r>
-              <a:rPr lang="en-US" sz="4400" b="1" dirty="0"/>
-              <a:t>Key </a:t>
-            </a:r>
-          </a:p>
-          <a:p>
-            <a:pPr algn="ctr" defTabSz="698472"/>
-            <a:r>
-              <a:rPr lang="en-US" sz="4400" b="1" dirty="0"/>
-              <a:t>Comp #2</a:t>
             </a:r>
           </a:p>
         </p:txBody>
@@ -6197,14 +6115,14 @@
           </a:ln>
           <a:extLst>
             <a:ext uri="{909E8E84-426E-40dd-AFC4-6F175D3DCCD1}">
-              <a14:hiddenFill xmlns="" xmlns:a14="http://schemas.microsoft.com/office/drawing/2010/main">
+              <a14:hiddenFill xmlns:a14="http://schemas.microsoft.com/office/drawing/2010/main" xmlns="">
                 <a:solidFill>
                   <a:srgbClr val="FFFFFF"/>
                 </a:solidFill>
               </a14:hiddenFill>
             </a:ext>
             <a:ext uri="{91240B29-F687-4f45-9708-019B960494DF}">
-              <a14:hiddenLine xmlns="" xmlns:a14="http://schemas.microsoft.com/office/drawing/2010/main" w="9525">
+              <a14:hiddenLine xmlns:a14="http://schemas.microsoft.com/office/drawing/2010/main" xmlns="" w="9525">
                 <a:solidFill>
                   <a:srgbClr val="000000"/>
                 </a:solidFill>
@@ -6369,7 +6287,7 @@
             </a:pPr>
             <a:r>
               <a:rPr lang="en-US" sz="4000" b="1" dirty="0"/>
-              <a:t>Label</a:t>
+              <a:t>LPC4088 Microcontroller</a:t>
             </a:r>
           </a:p>
           <a:p>
@@ -6383,69 +6301,6 @@
             <a:r>
               <a:rPr lang="en-US" sz="4000" dirty="0"/>
               <a:t>Describe key component #2, including applicable specs</a:t>
-            </a:r>
-          </a:p>
-        </p:txBody>
-      </p:sp>
-      <p:sp>
-        <p:nvSpPr>
-          <p:cNvPr id="45" name="Rectangle 15" descr="30%"/>
-          <p:cNvSpPr>
-            <a:spLocks noChangeArrowheads="1"/>
-          </p:cNvSpPr>
-          <p:nvPr/>
-        </p:nvSpPr>
-        <p:spPr bwMode="auto">
-          <a:xfrm>
-            <a:off x="15235968" y="25310102"/>
-            <a:ext cx="3586348" cy="2502899"/>
-          </a:xfrm>
-          <a:prstGeom prst="rect">
-            <a:avLst/>
-          </a:prstGeom>
-          <a:solidFill>
-            <a:schemeClr val="accent5">
-              <a:lumMod val="75000"/>
-            </a:schemeClr>
-          </a:solidFill>
-          <a:ln w="9525">
-            <a:solidFill>
-              <a:schemeClr val="tx1"/>
-            </a:solidFill>
-            <a:miter lim="800000"/>
-            <a:headEnd/>
-            <a:tailEnd/>
-          </a:ln>
-          <a:effectLst>
-            <a:outerShdw blurRad="50800" dist="101600" dir="2700000" algn="tl" rotWithShape="0">
-              <a:prstClr val="black">
-                <a:alpha val="40000"/>
-              </a:prstClr>
-            </a:outerShdw>
-          </a:effectLst>
-        </p:spPr>
-        <p:txBody>
-          <a:bodyPr wrap="none" lIns="69832" tIns="34916" rIns="69832" bIns="34916" anchor="ctr"/>
-          <a:lstStyle/>
-          <a:p>
-            <a:pPr algn="ctr" defTabSz="698472"/>
-            <a:r>
-              <a:rPr lang="en-US" sz="4400" b="1" dirty="0"/>
-              <a:t>Picture: </a:t>
-            </a:r>
-          </a:p>
-          <a:p>
-            <a:pPr algn="ctr" defTabSz="698472"/>
-            <a:r>
-              <a:rPr lang="en-US" sz="4400" b="1" dirty="0"/>
-              <a:t>Key </a:t>
-            </a:r>
-          </a:p>
-          <a:p>
-            <a:pPr algn="ctr" defTabSz="698472"/>
-            <a:r>
-              <a:rPr lang="en-US" sz="4400" b="1" dirty="0"/>
-              <a:t>Comp #3</a:t>
             </a:r>
           </a:p>
         </p:txBody>
@@ -6472,14 +6327,14 @@
           </a:ln>
           <a:extLst>
             <a:ext uri="{909E8E84-426E-40dd-AFC4-6F175D3DCCD1}">
-              <a14:hiddenFill xmlns="" xmlns:a14="http://schemas.microsoft.com/office/drawing/2010/main">
+              <a14:hiddenFill xmlns:a14="http://schemas.microsoft.com/office/drawing/2010/main" xmlns="">
                 <a:solidFill>
                   <a:srgbClr val="FFFFFF"/>
                 </a:solidFill>
               </a14:hiddenFill>
             </a:ext>
             <a:ext uri="{91240B29-F687-4f45-9708-019B960494DF}">
-              <a14:hiddenLine xmlns="" xmlns:a14="http://schemas.microsoft.com/office/drawing/2010/main" w="9525">
+              <a14:hiddenLine xmlns:a14="http://schemas.microsoft.com/office/drawing/2010/main" xmlns="" w="9525">
                 <a:solidFill>
                   <a:srgbClr val="000000"/>
                 </a:solidFill>
@@ -6644,7 +6499,7 @@
             </a:pPr>
             <a:r>
               <a:rPr lang="en-US" sz="4000" b="1" dirty="0"/>
-              <a:t>Label</a:t>
+              <a:t>NRF24 Wireless Module</a:t>
             </a:r>
           </a:p>
           <a:p>
@@ -6843,7 +6698,7 @@
             <a:pPr algn="ctr" defTabSz="698472"/>
             <a:r>
               <a:rPr lang="en-US" sz="7333" b="1" dirty="0"/>
-              <a:t>final product</a:t>
+              <a:t>PCB</a:t>
             </a:r>
           </a:p>
         </p:txBody>
@@ -6938,6 +6793,114 @@
           <a:xfrm>
             <a:off x="446314" y="30470503"/>
             <a:ext cx="4136570" cy="2123107"/>
+          </a:xfrm>
+          <a:prstGeom prst="rect">
+            <a:avLst/>
+          </a:prstGeom>
+        </p:spPr>
+      </p:pic>
+      <p:pic>
+        <p:nvPicPr>
+          <p:cNvPr id="4" name="Picture 3">
+            <a:extLst>
+              <a:ext uri="{FF2B5EF4-FFF2-40B4-BE49-F238E27FC236}">
+                <a16:creationId xmlns:a16="http://schemas.microsoft.com/office/drawing/2014/main" id="{15A82823-9A46-E34E-B405-D8DA7CC5C4D2}"/>
+              </a:ext>
+            </a:extLst>
+          </p:cNvPr>
+          <p:cNvPicPr>
+            <a:picLocks noChangeAspect="1"/>
+          </p:cNvPicPr>
+          <p:nvPr/>
+        </p:nvPicPr>
+        <p:blipFill>
+          <a:blip r:embed="rId6">
+            <a:extLst>
+              <a:ext uri="{28A0092B-C50C-407E-A947-70E740481C1C}">
+                <a14:useLocalDpi xmlns:a14="http://schemas.microsoft.com/office/drawing/2010/main" val="0"/>
+              </a:ext>
+            </a:extLst>
+          </a:blip>
+          <a:stretch>
+            <a:fillRect/>
+          </a:stretch>
+        </p:blipFill>
+        <p:spPr>
+          <a:xfrm>
+            <a:off x="15435944" y="17938133"/>
+            <a:ext cx="3353711" cy="3259388"/>
+          </a:xfrm>
+          <a:prstGeom prst="rect">
+            <a:avLst/>
+          </a:prstGeom>
+        </p:spPr>
+      </p:pic>
+      <p:pic>
+        <p:nvPicPr>
+          <p:cNvPr id="6" name="Picture 5">
+            <a:extLst>
+              <a:ext uri="{FF2B5EF4-FFF2-40B4-BE49-F238E27FC236}">
+                <a16:creationId xmlns:a16="http://schemas.microsoft.com/office/drawing/2014/main" id="{4276BBB4-BF93-0144-A4E5-E6FD72F598BF}"/>
+              </a:ext>
+            </a:extLst>
+          </p:cNvPr>
+          <p:cNvPicPr>
+            <a:picLocks noChangeAspect="1"/>
+          </p:cNvPicPr>
+          <p:nvPr/>
+        </p:nvPicPr>
+        <p:blipFill>
+          <a:blip r:embed="rId7">
+            <a:extLst>
+              <a:ext uri="{28A0092B-C50C-407E-A947-70E740481C1C}">
+                <a14:useLocalDpi xmlns:a14="http://schemas.microsoft.com/office/drawing/2010/main" val="0"/>
+              </a:ext>
+            </a:extLst>
+          </a:blip>
+          <a:stretch>
+            <a:fillRect/>
+          </a:stretch>
+        </p:blipFill>
+        <p:spPr>
+          <a:xfrm>
+            <a:off x="15352289" y="21579454"/>
+            <a:ext cx="3353705" cy="3353705"/>
+          </a:xfrm>
+          <a:prstGeom prst="rect">
+            <a:avLst/>
+          </a:prstGeom>
+        </p:spPr>
+      </p:pic>
+      <p:pic>
+        <p:nvPicPr>
+          <p:cNvPr id="15" name="Picture 14">
+            <a:extLst>
+              <a:ext uri="{FF2B5EF4-FFF2-40B4-BE49-F238E27FC236}">
+                <a16:creationId xmlns:a16="http://schemas.microsoft.com/office/drawing/2014/main" id="{D98ED0DE-4B23-8F4F-97E1-634AD84876F0}"/>
+              </a:ext>
+            </a:extLst>
+          </p:cNvPr>
+          <p:cNvPicPr>
+            <a:picLocks noChangeAspect="1"/>
+          </p:cNvPicPr>
+          <p:nvPr/>
+        </p:nvPicPr>
+        <p:blipFill>
+          <a:blip r:embed="rId8">
+            <a:extLst>
+              <a:ext uri="{28A0092B-C50C-407E-A947-70E740481C1C}">
+                <a14:useLocalDpi xmlns:a14="http://schemas.microsoft.com/office/drawing/2010/main" val="0"/>
+              </a:ext>
+            </a:extLst>
+          </a:blip>
+          <a:stretch>
+            <a:fillRect/>
+          </a:stretch>
+        </p:blipFill>
+        <p:spPr>
+          <a:xfrm>
+            <a:off x="15352289" y="25406238"/>
+            <a:ext cx="3353703" cy="3353704"/>
           </a:xfrm>
           <a:prstGeom prst="rect">
             <a:avLst/>

--- a/Cloud Control Poster.pptx
+++ b/Cloud Control Poster.pptx
@@ -2,7 +2,7 @@
 <file path=ppt/presentation.xml><?xml version="1.0" encoding="utf-8"?>
 <p:presentation xmlns:a="http://schemas.openxmlformats.org/drawingml/2006/main" xmlns:r="http://schemas.openxmlformats.org/officeDocument/2006/relationships" xmlns:p="http://schemas.openxmlformats.org/presentationml/2006/main" saveSubsetFonts="1">
   <p:sldMasterIdLst>
-    <p:sldMasterId id="2147483648" r:id="rId1"/>
+    <p:sldMasterId id="2147483661" r:id="rId1"/>
   </p:sldMasterIdLst>
   <p:notesMasterIdLst>
     <p:notesMasterId r:id="rId3"/>
@@ -16,124 +16,94 @@
     <a:defPPr>
       <a:defRPr lang="en-US"/>
     </a:defPPr>
-    <a:lvl1pPr algn="l" rtl="0" eaLnBrk="0" fontAlgn="base" hangingPunct="0">
-      <a:spcBef>
-        <a:spcPct val="0"/>
-      </a:spcBef>
-      <a:spcAft>
-        <a:spcPct val="0"/>
-      </a:spcAft>
-      <a:defRPr sz="8800" kern="1200">
+    <a:lvl1pPr marL="0" algn="l" defTabSz="914400" rtl="0" eaLnBrk="1" latinLnBrk="0" hangingPunct="1">
+      <a:defRPr sz="1800" kern="1200">
         <a:solidFill>
           <a:schemeClr val="tx1"/>
         </a:solidFill>
-        <a:latin typeface="Arial" charset="0"/>
-        <a:ea typeface="Arial" charset="0"/>
-        <a:cs typeface="Arial" charset="0"/>
+        <a:latin typeface="+mn-lt"/>
+        <a:ea typeface="+mn-ea"/>
+        <a:cs typeface="+mn-cs"/>
       </a:defRPr>
     </a:lvl1pPr>
-    <a:lvl2pPr marL="457182" algn="l" rtl="0" eaLnBrk="0" fontAlgn="base" hangingPunct="0">
-      <a:spcBef>
-        <a:spcPct val="0"/>
-      </a:spcBef>
-      <a:spcAft>
-        <a:spcPct val="0"/>
-      </a:spcAft>
-      <a:defRPr sz="8800" kern="1200">
+    <a:lvl2pPr marL="457200" algn="l" defTabSz="914400" rtl="0" eaLnBrk="1" latinLnBrk="0" hangingPunct="1">
+      <a:defRPr sz="1800" kern="1200">
         <a:solidFill>
           <a:schemeClr val="tx1"/>
         </a:solidFill>
-        <a:latin typeface="Arial" charset="0"/>
-        <a:ea typeface="Arial" charset="0"/>
-        <a:cs typeface="Arial" charset="0"/>
+        <a:latin typeface="+mn-lt"/>
+        <a:ea typeface="+mn-ea"/>
+        <a:cs typeface="+mn-cs"/>
       </a:defRPr>
     </a:lvl2pPr>
-    <a:lvl3pPr marL="914364" algn="l" rtl="0" eaLnBrk="0" fontAlgn="base" hangingPunct="0">
-      <a:spcBef>
-        <a:spcPct val="0"/>
-      </a:spcBef>
-      <a:spcAft>
-        <a:spcPct val="0"/>
-      </a:spcAft>
-      <a:defRPr sz="8800" kern="1200">
+    <a:lvl3pPr marL="914400" algn="l" defTabSz="914400" rtl="0" eaLnBrk="1" latinLnBrk="0" hangingPunct="1">
+      <a:defRPr sz="1800" kern="1200">
         <a:solidFill>
           <a:schemeClr val="tx1"/>
         </a:solidFill>
-        <a:latin typeface="Arial" charset="0"/>
-        <a:ea typeface="Arial" charset="0"/>
-        <a:cs typeface="Arial" charset="0"/>
+        <a:latin typeface="+mn-lt"/>
+        <a:ea typeface="+mn-ea"/>
+        <a:cs typeface="+mn-cs"/>
       </a:defRPr>
     </a:lvl3pPr>
-    <a:lvl4pPr marL="1371545" algn="l" rtl="0" eaLnBrk="0" fontAlgn="base" hangingPunct="0">
-      <a:spcBef>
-        <a:spcPct val="0"/>
-      </a:spcBef>
-      <a:spcAft>
-        <a:spcPct val="0"/>
-      </a:spcAft>
-      <a:defRPr sz="8800" kern="1200">
+    <a:lvl4pPr marL="1371600" algn="l" defTabSz="914400" rtl="0" eaLnBrk="1" latinLnBrk="0" hangingPunct="1">
+      <a:defRPr sz="1800" kern="1200">
         <a:solidFill>
           <a:schemeClr val="tx1"/>
         </a:solidFill>
-        <a:latin typeface="Arial" charset="0"/>
-        <a:ea typeface="Arial" charset="0"/>
-        <a:cs typeface="Arial" charset="0"/>
+        <a:latin typeface="+mn-lt"/>
+        <a:ea typeface="+mn-ea"/>
+        <a:cs typeface="+mn-cs"/>
       </a:defRPr>
     </a:lvl4pPr>
-    <a:lvl5pPr marL="1828727" algn="l" rtl="0" eaLnBrk="0" fontAlgn="base" hangingPunct="0">
-      <a:spcBef>
-        <a:spcPct val="0"/>
-      </a:spcBef>
-      <a:spcAft>
-        <a:spcPct val="0"/>
-      </a:spcAft>
-      <a:defRPr sz="8800" kern="1200">
+    <a:lvl5pPr marL="1828800" algn="l" defTabSz="914400" rtl="0" eaLnBrk="1" latinLnBrk="0" hangingPunct="1">
+      <a:defRPr sz="1800" kern="1200">
         <a:solidFill>
           <a:schemeClr val="tx1"/>
         </a:solidFill>
-        <a:latin typeface="Arial" charset="0"/>
-        <a:ea typeface="Arial" charset="0"/>
-        <a:cs typeface="Arial" charset="0"/>
+        <a:latin typeface="+mn-lt"/>
+        <a:ea typeface="+mn-ea"/>
+        <a:cs typeface="+mn-cs"/>
       </a:defRPr>
     </a:lvl5pPr>
-    <a:lvl6pPr marL="2285909" algn="l" defTabSz="914364" rtl="0" eaLnBrk="1" latinLnBrk="0" hangingPunct="1">
-      <a:defRPr sz="8800" kern="1200">
+    <a:lvl6pPr marL="2286000" algn="l" defTabSz="914400" rtl="0" eaLnBrk="1" latinLnBrk="0" hangingPunct="1">
+      <a:defRPr sz="1800" kern="1200">
         <a:solidFill>
           <a:schemeClr val="tx1"/>
         </a:solidFill>
-        <a:latin typeface="Arial" charset="0"/>
-        <a:ea typeface="Arial" charset="0"/>
-        <a:cs typeface="Arial" charset="0"/>
+        <a:latin typeface="+mn-lt"/>
+        <a:ea typeface="+mn-ea"/>
+        <a:cs typeface="+mn-cs"/>
       </a:defRPr>
     </a:lvl6pPr>
-    <a:lvl7pPr marL="2743091" algn="l" defTabSz="914364" rtl="0" eaLnBrk="1" latinLnBrk="0" hangingPunct="1">
-      <a:defRPr sz="8800" kern="1200">
+    <a:lvl7pPr marL="2743200" algn="l" defTabSz="914400" rtl="0" eaLnBrk="1" latinLnBrk="0" hangingPunct="1">
+      <a:defRPr sz="1800" kern="1200">
         <a:solidFill>
           <a:schemeClr val="tx1"/>
         </a:solidFill>
-        <a:latin typeface="Arial" charset="0"/>
-        <a:ea typeface="Arial" charset="0"/>
-        <a:cs typeface="Arial" charset="0"/>
+        <a:latin typeface="+mn-lt"/>
+        <a:ea typeface="+mn-ea"/>
+        <a:cs typeface="+mn-cs"/>
       </a:defRPr>
     </a:lvl7pPr>
-    <a:lvl8pPr marL="3200272" algn="l" defTabSz="914364" rtl="0" eaLnBrk="1" latinLnBrk="0" hangingPunct="1">
-      <a:defRPr sz="8800" kern="1200">
+    <a:lvl8pPr marL="3200400" algn="l" defTabSz="914400" rtl="0" eaLnBrk="1" latinLnBrk="0" hangingPunct="1">
+      <a:defRPr sz="1800" kern="1200">
         <a:solidFill>
           <a:schemeClr val="tx1"/>
         </a:solidFill>
-        <a:latin typeface="Arial" charset="0"/>
-        <a:ea typeface="Arial" charset="0"/>
-        <a:cs typeface="Arial" charset="0"/>
+        <a:latin typeface="+mn-lt"/>
+        <a:ea typeface="+mn-ea"/>
+        <a:cs typeface="+mn-cs"/>
       </a:defRPr>
     </a:lvl8pPr>
-    <a:lvl9pPr marL="3657454" algn="l" defTabSz="914364" rtl="0" eaLnBrk="1" latinLnBrk="0" hangingPunct="1">
-      <a:defRPr sz="8800" kern="1200">
+    <a:lvl9pPr marL="3657600" algn="l" defTabSz="914400" rtl="0" eaLnBrk="1" latinLnBrk="0" hangingPunct="1">
+      <a:defRPr sz="1800" kern="1200">
         <a:solidFill>
           <a:schemeClr val="tx1"/>
         </a:solidFill>
-        <a:latin typeface="Arial" charset="0"/>
-        <a:ea typeface="Arial" charset="0"/>
-        <a:cs typeface="Arial" charset="0"/>
+        <a:latin typeface="+mn-lt"/>
+        <a:ea typeface="+mn-ea"/>
+        <a:cs typeface="+mn-cs"/>
       </a:defRPr>
     </a:lvl9pPr>
   </p:defaultTextStyle>
@@ -161,12 +131,12 @@
   <pc:docChgLst>
     <pc:chgData name="Andrew Thompson" userId="873d15e0a62056a2" providerId="LiveId" clId="{95DCC3C7-08A7-D64D-8571-D306E718D3B3}"/>
     <pc:docChg chg="undo custSel modSld">
-      <pc:chgData name="Andrew Thompson" userId="873d15e0a62056a2" providerId="LiveId" clId="{95DCC3C7-08A7-D64D-8571-D306E718D3B3}" dt="2019-04-15T21:49:28.274" v="150" actId="1076"/>
+      <pc:chgData name="Andrew Thompson" userId="873d15e0a62056a2" providerId="LiveId" clId="{95DCC3C7-08A7-D64D-8571-D306E718D3B3}" dt="2019-04-17T20:00:03.398" v="457" actId="1076"/>
       <pc:docMkLst>
         <pc:docMk/>
       </pc:docMkLst>
-      <pc:sldChg chg="addSp delSp modSp">
-        <pc:chgData name="Andrew Thompson" userId="873d15e0a62056a2" providerId="LiveId" clId="{95DCC3C7-08A7-D64D-8571-D306E718D3B3}" dt="2019-04-15T21:49:28.274" v="150" actId="1076"/>
+      <pc:sldChg chg="addSp delSp modSp setBg">
+        <pc:chgData name="Andrew Thompson" userId="873d15e0a62056a2" providerId="LiveId" clId="{95DCC3C7-08A7-D64D-8571-D306E718D3B3}" dt="2019-04-17T20:00:03.398" v="457" actId="1076"/>
         <pc:sldMkLst>
           <pc:docMk/>
           <pc:sldMk cId="0" sldId="256"/>
@@ -180,11 +150,35 @@
           </ac:spMkLst>
         </pc:spChg>
         <pc:spChg chg="add del mod">
+          <ac:chgData name="Andrew Thompson" userId="873d15e0a62056a2" providerId="LiveId" clId="{95DCC3C7-08A7-D64D-8571-D306E718D3B3}" dt="2019-04-17T19:42:50.670" v="153" actId="767"/>
+          <ac:spMkLst>
+            <pc:docMk/>
+            <pc:sldMk cId="0" sldId="256"/>
+            <ac:spMk id="2" creationId="{DF197F2F-9F6C-274B-9E3D-33B78C692252}"/>
+          </ac:spMkLst>
+        </pc:spChg>
+        <pc:spChg chg="add del mod">
+          <ac:chgData name="Andrew Thompson" userId="873d15e0a62056a2" providerId="LiveId" clId="{95DCC3C7-08A7-D64D-8571-D306E718D3B3}" dt="2019-04-17T19:43:39.482" v="155" actId="767"/>
+          <ac:spMkLst>
+            <pc:docMk/>
+            <pc:sldMk cId="0" sldId="256"/>
+            <ac:spMk id="5" creationId="{26AC5FEF-6223-D241-BA3C-40B3D6535112}"/>
+          </ac:spMkLst>
+        </pc:spChg>
+        <pc:spChg chg="add del mod">
           <ac:chgData name="Andrew Thompson" userId="873d15e0a62056a2" providerId="LiveId" clId="{95DCC3C7-08A7-D64D-8571-D306E718D3B3}" dt="2019-04-15T21:43:48.027" v="19" actId="767"/>
           <ac:spMkLst>
             <pc:docMk/>
             <pc:sldMk cId="0" sldId="256"/>
             <ac:spMk id="7" creationId="{DB6883DB-438A-014E-AB75-1AC154F0D295}"/>
+          </ac:spMkLst>
+        </pc:spChg>
+        <pc:spChg chg="mod">
+          <ac:chgData name="Andrew Thompson" userId="873d15e0a62056a2" providerId="LiveId" clId="{95DCC3C7-08A7-D64D-8571-D306E718D3B3}" dt="2019-04-17T19:54:34.839" v="349" actId="1076"/>
+          <ac:spMkLst>
+            <pc:docMk/>
+            <pc:sldMk cId="0" sldId="256"/>
+            <ac:spMk id="12" creationId="{00000000-0000-0000-0000-000000000000}"/>
           </ac:spMkLst>
         </pc:spChg>
         <pc:spChg chg="add del mod">
@@ -211,12 +205,156 @@
             <ac:spMk id="17" creationId="{00000000-0000-0000-0000-000000000000}"/>
           </ac:spMkLst>
         </pc:spChg>
+        <pc:spChg chg="del">
+          <ac:chgData name="Andrew Thompson" userId="873d15e0a62056a2" providerId="LiveId" clId="{95DCC3C7-08A7-D64D-8571-D306E718D3B3}" dt="2019-04-17T19:52:33.520" v="330" actId="478"/>
+          <ac:spMkLst>
+            <pc:docMk/>
+            <pc:sldMk cId="0" sldId="256"/>
+            <ac:spMk id="21" creationId="{00000000-0000-0000-0000-000000000000}"/>
+          </ac:spMkLst>
+        </pc:spChg>
+        <pc:spChg chg="mod">
+          <ac:chgData name="Andrew Thompson" userId="873d15e0a62056a2" providerId="LiveId" clId="{95DCC3C7-08A7-D64D-8571-D306E718D3B3}" dt="2019-04-17T19:55:17.076" v="353" actId="1076"/>
+          <ac:spMkLst>
+            <pc:docMk/>
+            <pc:sldMk cId="0" sldId="256"/>
+            <ac:spMk id="30" creationId="{00000000-0000-0000-0000-000000000000}"/>
+          </ac:spMkLst>
+        </pc:spChg>
+        <pc:spChg chg="mod">
+          <ac:chgData name="Andrew Thompson" userId="873d15e0a62056a2" providerId="LiveId" clId="{95DCC3C7-08A7-D64D-8571-D306E718D3B3}" dt="2019-04-17T19:59:35.535" v="431" actId="20577"/>
+          <ac:spMkLst>
+            <pc:docMk/>
+            <pc:sldMk cId="0" sldId="256"/>
+            <ac:spMk id="33" creationId="{00000000-0000-0000-0000-000000000000}"/>
+          </ac:spMkLst>
+        </pc:spChg>
+        <pc:spChg chg="mod">
+          <ac:chgData name="Andrew Thompson" userId="873d15e0a62056a2" providerId="LiveId" clId="{95DCC3C7-08A7-D64D-8571-D306E718D3B3}" dt="2019-04-17T19:54:09.251" v="347" actId="1076"/>
+          <ac:spMkLst>
+            <pc:docMk/>
+            <pc:sldMk cId="0" sldId="256"/>
+            <ac:spMk id="35" creationId="{00000000-0000-0000-0000-000000000000}"/>
+          </ac:spMkLst>
+        </pc:spChg>
+        <pc:spChg chg="mod">
+          <ac:chgData name="Andrew Thompson" userId="873d15e0a62056a2" providerId="LiveId" clId="{95DCC3C7-08A7-D64D-8571-D306E718D3B3}" dt="2019-04-17T19:59:44.939" v="453" actId="20577"/>
+          <ac:spMkLst>
+            <pc:docMk/>
+            <pc:sldMk cId="0" sldId="256"/>
+            <ac:spMk id="37" creationId="{00000000-0000-0000-0000-000000000000}"/>
+          </ac:spMkLst>
+        </pc:spChg>
+        <pc:spChg chg="add mod">
+          <ac:chgData name="Andrew Thompson" userId="873d15e0a62056a2" providerId="LiveId" clId="{95DCC3C7-08A7-D64D-8571-D306E718D3B3}" dt="2019-04-17T19:57:34.384" v="414" actId="1076"/>
+          <ac:spMkLst>
+            <pc:docMk/>
+            <pc:sldMk cId="0" sldId="256"/>
+            <ac:spMk id="38" creationId="{E74EA2DD-8F50-B64A-A174-434F2BB08ED7}"/>
+          </ac:spMkLst>
+        </pc:spChg>
+        <pc:spChg chg="mod">
+          <ac:chgData name="Andrew Thompson" userId="873d15e0a62056a2" providerId="LiveId" clId="{95DCC3C7-08A7-D64D-8571-D306E718D3B3}" dt="2019-04-17T19:55:05.958" v="352" actId="1076"/>
+          <ac:spMkLst>
+            <pc:docMk/>
+            <pc:sldMk cId="0" sldId="256"/>
+            <ac:spMk id="39" creationId="{00000000-0000-0000-0000-000000000000}"/>
+          </ac:spMkLst>
+        </pc:spChg>
+        <pc:spChg chg="mod">
+          <ac:chgData name="Andrew Thompson" userId="873d15e0a62056a2" providerId="LiveId" clId="{95DCC3C7-08A7-D64D-8571-D306E718D3B3}" dt="2019-04-17T19:54:53.854" v="350" actId="1076"/>
+          <ac:spMkLst>
+            <pc:docMk/>
+            <pc:sldMk cId="0" sldId="256"/>
+            <ac:spMk id="40" creationId="{00000000-0000-0000-0000-000000000000}"/>
+          </ac:spMkLst>
+        </pc:spChg>
+        <pc:spChg chg="add mod">
+          <ac:chgData name="Andrew Thompson" userId="873d15e0a62056a2" providerId="LiveId" clId="{95DCC3C7-08A7-D64D-8571-D306E718D3B3}" dt="2019-04-17T19:57:38.241" v="415" actId="1076"/>
+          <ac:spMkLst>
+            <pc:docMk/>
+            <pc:sldMk cId="0" sldId="256"/>
+            <ac:spMk id="41" creationId="{706611C6-9E08-EF45-A6EE-390C461A16D9}"/>
+          </ac:spMkLst>
+        </pc:spChg>
+        <pc:spChg chg="mod">
+          <ac:chgData name="Andrew Thompson" userId="873d15e0a62056a2" providerId="LiveId" clId="{95DCC3C7-08A7-D64D-8571-D306E718D3B3}" dt="2019-04-17T19:55:26.976" v="355" actId="1076"/>
+          <ac:spMkLst>
+            <pc:docMk/>
+            <pc:sldMk cId="0" sldId="256"/>
+            <ac:spMk id="42" creationId="{00000000-0000-0000-0000-000000000000}"/>
+          </ac:spMkLst>
+        </pc:spChg>
+        <pc:spChg chg="mod">
+          <ac:chgData name="Andrew Thompson" userId="873d15e0a62056a2" providerId="LiveId" clId="{95DCC3C7-08A7-D64D-8571-D306E718D3B3}" dt="2019-04-17T19:55:35.170" v="357" actId="1076"/>
+          <ac:spMkLst>
+            <pc:docMk/>
+            <pc:sldMk cId="0" sldId="256"/>
+            <ac:spMk id="44" creationId="{00000000-0000-0000-0000-000000000000}"/>
+          </ac:spMkLst>
+        </pc:spChg>
+        <pc:spChg chg="mod">
+          <ac:chgData name="Andrew Thompson" userId="873d15e0a62056a2" providerId="LiveId" clId="{95DCC3C7-08A7-D64D-8571-D306E718D3B3}" dt="2019-04-17T19:55:58.054" v="359" actId="1076"/>
+          <ac:spMkLst>
+            <pc:docMk/>
+            <pc:sldMk cId="0" sldId="256"/>
+            <ac:spMk id="46" creationId="{00000000-0000-0000-0000-000000000000}"/>
+          </ac:spMkLst>
+        </pc:spChg>
+        <pc:spChg chg="add mod">
+          <ac:chgData name="Andrew Thompson" userId="873d15e0a62056a2" providerId="LiveId" clId="{95DCC3C7-08A7-D64D-8571-D306E718D3B3}" dt="2019-04-17T20:00:03.398" v="457" actId="1076"/>
+          <ac:spMkLst>
+            <pc:docMk/>
+            <pc:sldMk cId="0" sldId="256"/>
+            <ac:spMk id="47" creationId="{1A7C3F5A-0D12-C64E-95D3-BB85001AA4D2}"/>
+          </ac:spMkLst>
+        </pc:spChg>
+        <pc:spChg chg="mod">
+          <ac:chgData name="Andrew Thompson" userId="873d15e0a62056a2" providerId="LiveId" clId="{95DCC3C7-08A7-D64D-8571-D306E718D3B3}" dt="2019-04-17T19:54:21.145" v="348" actId="1076"/>
+          <ac:spMkLst>
+            <pc:docMk/>
+            <pc:sldMk cId="0" sldId="256"/>
+            <ac:spMk id="49" creationId="{00000000-0000-0000-0000-000000000000}"/>
+          </ac:spMkLst>
+        </pc:spChg>
+        <pc:spChg chg="del">
+          <ac:chgData name="Andrew Thompson" userId="873d15e0a62056a2" providerId="LiveId" clId="{95DCC3C7-08A7-D64D-8571-D306E718D3B3}" dt="2019-04-17T19:52:31.090" v="329" actId="478"/>
+          <ac:spMkLst>
+            <pc:docMk/>
+            <pc:sldMk cId="0" sldId="256"/>
+            <ac:spMk id="50" creationId="{00000000-0000-0000-0000-000000000000}"/>
+          </ac:spMkLst>
+        </pc:spChg>
+        <pc:spChg chg="del">
+          <ac:chgData name="Andrew Thompson" userId="873d15e0a62056a2" providerId="LiveId" clId="{95DCC3C7-08A7-D64D-8571-D306E718D3B3}" dt="2019-04-17T19:52:28.791" v="328" actId="478"/>
+          <ac:spMkLst>
+            <pc:docMk/>
+            <pc:sldMk cId="0" sldId="256"/>
+            <ac:spMk id="51" creationId="{00000000-0000-0000-0000-000000000000}"/>
+          </ac:spMkLst>
+        </pc:spChg>
+        <pc:picChg chg="mod">
+          <ac:chgData name="Andrew Thompson" userId="873d15e0a62056a2" providerId="LiveId" clId="{95DCC3C7-08A7-D64D-8571-D306E718D3B3}" dt="2019-04-17T19:55:21.758" v="354" actId="1076"/>
+          <ac:picMkLst>
+            <pc:docMk/>
+            <pc:sldMk cId="0" sldId="256"/>
+            <ac:picMk id="4" creationId="{15A82823-9A46-E34E-B405-D8DA7CC5C4D2}"/>
+          </ac:picMkLst>
+        </pc:picChg>
         <pc:picChg chg="add del mod">
           <ac:chgData name="Andrew Thompson" userId="873d15e0a62056a2" providerId="LiveId" clId="{95DCC3C7-08A7-D64D-8571-D306E718D3B3}" dt="2019-04-15T21:41:19.662" v="13" actId="478"/>
           <ac:picMkLst>
             <pc:docMk/>
             <pc:sldMk cId="0" sldId="256"/>
             <ac:picMk id="5" creationId="{5EAF8A6B-90FB-6942-B070-F00E7722A0A0}"/>
+          </ac:picMkLst>
+        </pc:picChg>
+        <pc:picChg chg="mod">
+          <ac:chgData name="Andrew Thompson" userId="873d15e0a62056a2" providerId="LiveId" clId="{95DCC3C7-08A7-D64D-8571-D306E718D3B3}" dt="2019-04-17T19:55:30.112" v="356" actId="1076"/>
+          <ac:picMkLst>
+            <pc:docMk/>
+            <pc:sldMk cId="0" sldId="256"/>
+            <ac:picMk id="6" creationId="{4276BBB4-BF93-0144-A4E5-E6FD72F598BF}"/>
           </ac:picMkLst>
         </pc:picChg>
         <pc:picChg chg="add del mod">
@@ -235,6 +373,14 @@
             <ac:picMk id="11" creationId="{10C37BB3-1D9C-F24E-A872-DA1FD1095942}"/>
           </ac:picMkLst>
         </pc:picChg>
+        <pc:picChg chg="mod">
+          <ac:chgData name="Andrew Thompson" userId="873d15e0a62056a2" providerId="LiveId" clId="{95DCC3C7-08A7-D64D-8571-D306E718D3B3}" dt="2019-04-17T19:55:40.587" v="358" actId="1076"/>
+          <ac:picMkLst>
+            <pc:docMk/>
+            <pc:sldMk cId="0" sldId="256"/>
+            <ac:picMk id="15" creationId="{D98ED0DE-4B23-8F4F-97E1-634AD84876F0}"/>
+          </ac:picMkLst>
+        </pc:picChg>
         <pc:picChg chg="add mod">
           <ac:chgData name="Andrew Thompson" userId="873d15e0a62056a2" providerId="LiveId" clId="{95DCC3C7-08A7-D64D-8571-D306E718D3B3}" dt="2019-04-15T21:47:00.318" v="48" actId="1076"/>
           <ac:picMkLst>
@@ -249,6 +395,22 @@
             <pc:docMk/>
             <pc:sldMk cId="0" sldId="256"/>
             <ac:picMk id="34" creationId="{00000000-0000-0000-0000-000000000000}"/>
+          </ac:picMkLst>
+        </pc:picChg>
+        <pc:picChg chg="add mod">
+          <ac:chgData name="Andrew Thompson" userId="873d15e0a62056a2" providerId="LiveId" clId="{95DCC3C7-08A7-D64D-8571-D306E718D3B3}" dt="2019-04-17T19:57:17.933" v="411" actId="1076"/>
+          <ac:picMkLst>
+            <pc:docMk/>
+            <pc:sldMk cId="0" sldId="256"/>
+            <ac:picMk id="43" creationId="{603A31BD-592A-EC42-A407-038F8EB5326F}"/>
+          </ac:picMkLst>
+        </pc:picChg>
+        <pc:picChg chg="add mod">
+          <ac:chgData name="Andrew Thompson" userId="873d15e0a62056a2" providerId="LiveId" clId="{95DCC3C7-08A7-D64D-8571-D306E718D3B3}" dt="2019-04-17T19:57:24.268" v="413" actId="1076"/>
+          <ac:picMkLst>
+            <pc:docMk/>
+            <pc:sldMk cId="0" sldId="256"/>
+            <ac:picMk id="45" creationId="{1DF8F5DD-35FE-9543-92A5-75A5FCCE46F3}"/>
           </ac:picMkLst>
         </pc:picChg>
         <pc:cxnChg chg="mod">
@@ -1036,7 +1198,13 @@
       </p:grpSpPr>
       <p:sp>
         <p:nvSpPr>
-          <p:cNvPr id="2" name="Title 1"/>
+          <p:cNvPr id="2" name="Title 1">
+            <a:extLst>
+              <a:ext uri="{FF2B5EF4-FFF2-40B4-BE49-F238E27FC236}">
+                <a16:creationId xmlns:a16="http://schemas.microsoft.com/office/drawing/2014/main" id="{03060D09-17D4-084E-AD56-4CAFA89CBBAC}"/>
+              </a:ext>
+            </a:extLst>
+          </p:cNvPr>
           <p:cNvSpPr>
             <a:spLocks noGrp="1"/>
           </p:cNvSpPr>
@@ -1046,13 +1214,17 @@
         </p:nvSpPr>
         <p:spPr>
           <a:xfrm>
-            <a:off x="3292475" y="10226762"/>
-            <a:ext cx="37306250" cy="7055708"/>
+            <a:off x="5486400" y="5387342"/>
+            <a:ext cx="32918400" cy="11460480"/>
           </a:xfrm>
         </p:spPr>
         <p:txBody>
-          <a:bodyPr/>
-          <a:lstStyle/>
+          <a:bodyPr anchor="b"/>
+          <a:lstStyle>
+            <a:lvl1pPr algn="ctr">
+              <a:defRPr sz="21600"/>
+            </a:lvl1pPr>
+          </a:lstStyle>
           <a:p>
             <a:r>
               <a:rPr lang="en-US"/>
@@ -1063,7 +1235,13 @@
       </p:sp>
       <p:sp>
         <p:nvSpPr>
-          <p:cNvPr id="3" name="Subtitle 2"/>
+          <p:cNvPr id="3" name="Subtitle 2">
+            <a:extLst>
+              <a:ext uri="{FF2B5EF4-FFF2-40B4-BE49-F238E27FC236}">
+                <a16:creationId xmlns:a16="http://schemas.microsoft.com/office/drawing/2014/main" id="{740D6D04-E443-1D4A-A876-5D4AD563F416}"/>
+              </a:ext>
+            </a:extLst>
+          </p:cNvPr>
           <p:cNvSpPr>
             <a:spLocks noGrp="1"/>
           </p:cNvSpPr>
@@ -1073,8 +1251,8 @@
         </p:nvSpPr>
         <p:spPr>
           <a:xfrm>
-            <a:off x="6583364" y="18654070"/>
-            <a:ext cx="30724475" cy="8411862"/>
+            <a:off x="5486400" y="17289782"/>
+            <a:ext cx="32918400" cy="7947658"/>
           </a:xfrm>
         </p:spPr>
         <p:txBody>
@@ -1082,39 +1260,39 @@
           <a:lstStyle>
             <a:lvl1pPr marL="0" indent="0" algn="ctr">
               <a:buNone/>
-              <a:defRPr/>
+              <a:defRPr sz="8640"/>
             </a:lvl1pPr>
-            <a:lvl2pPr marL="457182" indent="0" algn="ctr">
+            <a:lvl2pPr marL="1645920" indent="0" algn="ctr">
               <a:buNone/>
-              <a:defRPr/>
+              <a:defRPr sz="7200"/>
             </a:lvl2pPr>
-            <a:lvl3pPr marL="914364" indent="0" algn="ctr">
+            <a:lvl3pPr marL="3291840" indent="0" algn="ctr">
               <a:buNone/>
-              <a:defRPr/>
+              <a:defRPr sz="6480"/>
             </a:lvl3pPr>
-            <a:lvl4pPr marL="1371545" indent="0" algn="ctr">
+            <a:lvl4pPr marL="4937760" indent="0" algn="ctr">
               <a:buNone/>
-              <a:defRPr/>
+              <a:defRPr sz="5760"/>
             </a:lvl4pPr>
-            <a:lvl5pPr marL="1828727" indent="0" algn="ctr">
+            <a:lvl5pPr marL="6583680" indent="0" algn="ctr">
               <a:buNone/>
-              <a:defRPr/>
+              <a:defRPr sz="5760"/>
             </a:lvl5pPr>
-            <a:lvl6pPr marL="2285909" indent="0" algn="ctr">
+            <a:lvl6pPr marL="8229600" indent="0" algn="ctr">
               <a:buNone/>
-              <a:defRPr/>
+              <a:defRPr sz="5760"/>
             </a:lvl6pPr>
-            <a:lvl7pPr marL="2743091" indent="0" algn="ctr">
+            <a:lvl7pPr marL="9875520" indent="0" algn="ctr">
               <a:buNone/>
-              <a:defRPr/>
+              <a:defRPr sz="5760"/>
             </a:lvl7pPr>
-            <a:lvl8pPr marL="3200272" indent="0" algn="ctr">
+            <a:lvl8pPr marL="11521440" indent="0" algn="ctr">
               <a:buNone/>
-              <a:defRPr/>
+              <a:defRPr sz="5760"/>
             </a:lvl8pPr>
-            <a:lvl9pPr marL="3657454" indent="0" algn="ctr">
+            <a:lvl9pPr marL="13167360" indent="0" algn="ctr">
               <a:buNone/>
-              <a:defRPr/>
+              <a:defRPr sz="5760"/>
             </a:lvl9pPr>
           </a:lstStyle>
           <a:p>
@@ -1127,24 +1305,24 @@
       </p:sp>
       <p:sp>
         <p:nvSpPr>
-          <p:cNvPr id="4" name="Rectangle 4"/>
-          <p:cNvSpPr>
-            <a:spLocks noGrp="1" noChangeArrowheads="1"/>
+          <p:cNvPr id="4" name="Date Placeholder 3">
+            <a:extLst>
+              <a:ext uri="{FF2B5EF4-FFF2-40B4-BE49-F238E27FC236}">
+                <a16:creationId xmlns:a16="http://schemas.microsoft.com/office/drawing/2014/main" id="{68957F10-CA41-FE4F-8344-16EBB4C625DF}"/>
+              </a:ext>
+            </a:extLst>
+          </p:cNvPr>
+          <p:cNvSpPr>
+            <a:spLocks noGrp="1"/>
           </p:cNvSpPr>
           <p:nvPr>
             <p:ph type="dt" sz="half" idx="10"/>
           </p:nvPr>
         </p:nvSpPr>
-        <p:spPr>
-          <a:ln/>
-        </p:spPr>
+        <p:spPr/>
         <p:txBody>
           <a:bodyPr/>
-          <a:lstStyle>
-            <a:lvl1pPr>
-              <a:defRPr/>
-            </a:lvl1pPr>
-          </a:lstStyle>
+          <a:lstStyle/>
           <a:p>
             <a:pPr>
               <a:defRPr/>
@@ -1155,24 +1333,24 @@
       </p:sp>
       <p:sp>
         <p:nvSpPr>
-          <p:cNvPr id="5" name="Rectangle 5"/>
-          <p:cNvSpPr>
-            <a:spLocks noGrp="1" noChangeArrowheads="1"/>
+          <p:cNvPr id="5" name="Footer Placeholder 4">
+            <a:extLst>
+              <a:ext uri="{FF2B5EF4-FFF2-40B4-BE49-F238E27FC236}">
+                <a16:creationId xmlns:a16="http://schemas.microsoft.com/office/drawing/2014/main" id="{693B79AA-BCCE-5342-AE29-C83B57FDBA40}"/>
+              </a:ext>
+            </a:extLst>
+          </p:cNvPr>
+          <p:cNvSpPr>
+            <a:spLocks noGrp="1"/>
           </p:cNvSpPr>
           <p:nvPr>
             <p:ph type="ftr" sz="quarter" idx="11"/>
           </p:nvPr>
         </p:nvSpPr>
-        <p:spPr>
-          <a:ln/>
-        </p:spPr>
+        <p:spPr/>
         <p:txBody>
           <a:bodyPr/>
-          <a:lstStyle>
-            <a:lvl1pPr>
-              <a:defRPr/>
-            </a:lvl1pPr>
-          </a:lstStyle>
+          <a:lstStyle/>
           <a:p>
             <a:pPr>
               <a:defRPr/>
@@ -1183,30 +1361,30 @@
       </p:sp>
       <p:sp>
         <p:nvSpPr>
-          <p:cNvPr id="6" name="Rectangle 6"/>
-          <p:cNvSpPr>
-            <a:spLocks noGrp="1" noChangeArrowheads="1"/>
+          <p:cNvPr id="6" name="Slide Number Placeholder 5">
+            <a:extLst>
+              <a:ext uri="{FF2B5EF4-FFF2-40B4-BE49-F238E27FC236}">
+                <a16:creationId xmlns:a16="http://schemas.microsoft.com/office/drawing/2014/main" id="{EEBE0892-FAAD-1743-BC4F-67C42699443E}"/>
+              </a:ext>
+            </a:extLst>
+          </p:cNvPr>
+          <p:cNvSpPr>
+            <a:spLocks noGrp="1"/>
           </p:cNvSpPr>
           <p:nvPr>
             <p:ph type="sldNum" sz="quarter" idx="12"/>
           </p:nvPr>
         </p:nvSpPr>
-        <p:spPr>
-          <a:ln/>
-        </p:spPr>
+        <p:spPr/>
         <p:txBody>
           <a:bodyPr/>
-          <a:lstStyle>
-            <a:lvl1pPr>
-              <a:defRPr/>
-            </a:lvl1pPr>
-          </a:lstStyle>
+          <a:lstStyle/>
           <a:p>
             <a:pPr>
               <a:defRPr/>
             </a:pPr>
             <a:fld id="{B5FB9CFB-A45D-0444-B1F6-EA022671A8BD}" type="slidenum">
-              <a:rPr lang="en-US" altLang="en-US"/>
+              <a:rPr lang="en-US" altLang="en-US" smtClean="0"/>
               <a:pPr>
                 <a:defRPr/>
               </a:pPr>
@@ -1219,7 +1397,7 @@
     </p:spTree>
     <p:extLst>
       <p:ext uri="{BB962C8B-B14F-4D97-AF65-F5344CB8AC3E}">
-        <p14:creationId xmlns:p14="http://schemas.microsoft.com/office/powerpoint/2010/main" val="1540941292"/>
+        <p14:creationId xmlns:p14="http://schemas.microsoft.com/office/powerpoint/2010/main" val="1724534008"/>
       </p:ext>
     </p:extLst>
   </p:cSld>
@@ -1248,7 +1426,13 @@
       </p:grpSpPr>
       <p:sp>
         <p:nvSpPr>
-          <p:cNvPr id="2" name="Title 1"/>
+          <p:cNvPr id="2" name="Title 1">
+            <a:extLst>
+              <a:ext uri="{FF2B5EF4-FFF2-40B4-BE49-F238E27FC236}">
+                <a16:creationId xmlns:a16="http://schemas.microsoft.com/office/drawing/2014/main" id="{7EC1A824-9E33-2C42-B26B-46F3DB153926}"/>
+              </a:ext>
+            </a:extLst>
+          </p:cNvPr>
           <p:cNvSpPr>
             <a:spLocks noGrp="1"/>
           </p:cNvSpPr>
@@ -1270,7 +1454,13 @@
       </p:sp>
       <p:sp>
         <p:nvSpPr>
-          <p:cNvPr id="3" name="Vertical Text Placeholder 2"/>
+          <p:cNvPr id="3" name="Vertical Text Placeholder 2">
+            <a:extLst>
+              <a:ext uri="{FF2B5EF4-FFF2-40B4-BE49-F238E27FC236}">
+                <a16:creationId xmlns:a16="http://schemas.microsoft.com/office/drawing/2014/main" id="{0F1A1279-4AA4-4042-88C5-E250BD00B4C7}"/>
+              </a:ext>
+            </a:extLst>
+          </p:cNvPr>
           <p:cNvSpPr>
             <a:spLocks noGrp="1"/>
           </p:cNvSpPr>
@@ -1321,24 +1511,24 @@
       </p:sp>
       <p:sp>
         <p:nvSpPr>
-          <p:cNvPr id="4" name="Rectangle 4"/>
-          <p:cNvSpPr>
-            <a:spLocks noGrp="1" noChangeArrowheads="1"/>
+          <p:cNvPr id="4" name="Date Placeholder 3">
+            <a:extLst>
+              <a:ext uri="{FF2B5EF4-FFF2-40B4-BE49-F238E27FC236}">
+                <a16:creationId xmlns:a16="http://schemas.microsoft.com/office/drawing/2014/main" id="{6FD4953E-360C-8A4A-A7E3-65D84114ECD9}"/>
+              </a:ext>
+            </a:extLst>
+          </p:cNvPr>
+          <p:cNvSpPr>
+            <a:spLocks noGrp="1"/>
           </p:cNvSpPr>
           <p:nvPr>
             <p:ph type="dt" sz="half" idx="10"/>
           </p:nvPr>
         </p:nvSpPr>
-        <p:spPr>
-          <a:ln/>
-        </p:spPr>
+        <p:spPr/>
         <p:txBody>
           <a:bodyPr/>
-          <a:lstStyle>
-            <a:lvl1pPr>
-              <a:defRPr/>
-            </a:lvl1pPr>
-          </a:lstStyle>
+          <a:lstStyle/>
           <a:p>
             <a:pPr>
               <a:defRPr/>
@@ -1349,24 +1539,24 @@
       </p:sp>
       <p:sp>
         <p:nvSpPr>
-          <p:cNvPr id="5" name="Rectangle 5"/>
-          <p:cNvSpPr>
-            <a:spLocks noGrp="1" noChangeArrowheads="1"/>
+          <p:cNvPr id="5" name="Footer Placeholder 4">
+            <a:extLst>
+              <a:ext uri="{FF2B5EF4-FFF2-40B4-BE49-F238E27FC236}">
+                <a16:creationId xmlns:a16="http://schemas.microsoft.com/office/drawing/2014/main" id="{E4286B2E-A8B3-994E-B6D5-27B8C90B6C35}"/>
+              </a:ext>
+            </a:extLst>
+          </p:cNvPr>
+          <p:cNvSpPr>
+            <a:spLocks noGrp="1"/>
           </p:cNvSpPr>
           <p:nvPr>
             <p:ph type="ftr" sz="quarter" idx="11"/>
           </p:nvPr>
         </p:nvSpPr>
-        <p:spPr>
-          <a:ln/>
-        </p:spPr>
+        <p:spPr/>
         <p:txBody>
           <a:bodyPr/>
-          <a:lstStyle>
-            <a:lvl1pPr>
-              <a:defRPr/>
-            </a:lvl1pPr>
-          </a:lstStyle>
+          <a:lstStyle/>
           <a:p>
             <a:pPr>
               <a:defRPr/>
@@ -1377,30 +1567,30 @@
       </p:sp>
       <p:sp>
         <p:nvSpPr>
-          <p:cNvPr id="6" name="Rectangle 6"/>
-          <p:cNvSpPr>
-            <a:spLocks noGrp="1" noChangeArrowheads="1"/>
+          <p:cNvPr id="6" name="Slide Number Placeholder 5">
+            <a:extLst>
+              <a:ext uri="{FF2B5EF4-FFF2-40B4-BE49-F238E27FC236}">
+                <a16:creationId xmlns:a16="http://schemas.microsoft.com/office/drawing/2014/main" id="{AEA2EDB7-90D6-0049-A05B-01A280B47423}"/>
+              </a:ext>
+            </a:extLst>
+          </p:cNvPr>
+          <p:cNvSpPr>
+            <a:spLocks noGrp="1"/>
           </p:cNvSpPr>
           <p:nvPr>
             <p:ph type="sldNum" sz="quarter" idx="12"/>
           </p:nvPr>
         </p:nvSpPr>
-        <p:spPr>
-          <a:ln/>
-        </p:spPr>
+        <p:spPr/>
         <p:txBody>
           <a:bodyPr/>
-          <a:lstStyle>
-            <a:lvl1pPr>
-              <a:defRPr/>
-            </a:lvl1pPr>
-          </a:lstStyle>
+          <a:lstStyle/>
           <a:p>
             <a:pPr>
               <a:defRPr/>
             </a:pPr>
             <a:fld id="{950CF5A7-8B2B-0049-804D-AC604C1767DE}" type="slidenum">
-              <a:rPr lang="en-US" altLang="en-US"/>
+              <a:rPr lang="en-US" altLang="en-US" smtClean="0"/>
               <a:pPr>
                 <a:defRPr/>
               </a:pPr>
@@ -1413,7 +1603,7 @@
     </p:spTree>
     <p:extLst>
       <p:ext uri="{BB962C8B-B14F-4D97-AF65-F5344CB8AC3E}">
-        <p14:creationId xmlns:p14="http://schemas.microsoft.com/office/powerpoint/2010/main" val="560118509"/>
+        <p14:creationId xmlns:p14="http://schemas.microsoft.com/office/powerpoint/2010/main" val="1041733993"/>
       </p:ext>
     </p:extLst>
   </p:cSld>
@@ -1442,7 +1632,13 @@
       </p:grpSpPr>
       <p:sp>
         <p:nvSpPr>
-          <p:cNvPr id="2" name="Vertical Title 1"/>
+          <p:cNvPr id="2" name="Vertical Title 1">
+            <a:extLst>
+              <a:ext uri="{FF2B5EF4-FFF2-40B4-BE49-F238E27FC236}">
+                <a16:creationId xmlns:a16="http://schemas.microsoft.com/office/drawing/2014/main" id="{F09DD420-9A38-A943-BA44-65751F1C881A}"/>
+              </a:ext>
+            </a:extLst>
+          </p:cNvPr>
           <p:cNvSpPr>
             <a:spLocks noGrp="1"/>
           </p:cNvSpPr>
@@ -1452,8 +1648,8 @@
         </p:nvSpPr>
         <p:spPr>
           <a:xfrm>
-            <a:off x="31821439" y="1319085"/>
-            <a:ext cx="9875837" cy="28086908"/>
+            <a:off x="31409640" y="1752600"/>
+            <a:ext cx="9464040" cy="27896822"/>
           </a:xfrm>
         </p:spPr>
         <p:txBody>
@@ -1469,7 +1665,13 @@
       </p:sp>
       <p:sp>
         <p:nvSpPr>
-          <p:cNvPr id="3" name="Vertical Text Placeholder 2"/>
+          <p:cNvPr id="3" name="Vertical Text Placeholder 2">
+            <a:extLst>
+              <a:ext uri="{FF2B5EF4-FFF2-40B4-BE49-F238E27FC236}">
+                <a16:creationId xmlns:a16="http://schemas.microsoft.com/office/drawing/2014/main" id="{7FD00CE9-7085-5C4A-B952-D0E681383C9C}"/>
+              </a:ext>
+            </a:extLst>
+          </p:cNvPr>
           <p:cNvSpPr>
             <a:spLocks noGrp="1"/>
           </p:cNvSpPr>
@@ -1479,8 +1681,8 @@
         </p:nvSpPr>
         <p:spPr>
           <a:xfrm>
-            <a:off x="2193926" y="1319085"/>
-            <a:ext cx="29475113" cy="28086908"/>
+            <a:off x="3017520" y="1752600"/>
+            <a:ext cx="27843480" cy="27896822"/>
           </a:xfrm>
         </p:spPr>
         <p:txBody>
@@ -1525,24 +1727,24 @@
       </p:sp>
       <p:sp>
         <p:nvSpPr>
-          <p:cNvPr id="4" name="Rectangle 4"/>
-          <p:cNvSpPr>
-            <a:spLocks noGrp="1" noChangeArrowheads="1"/>
+          <p:cNvPr id="4" name="Date Placeholder 3">
+            <a:extLst>
+              <a:ext uri="{FF2B5EF4-FFF2-40B4-BE49-F238E27FC236}">
+                <a16:creationId xmlns:a16="http://schemas.microsoft.com/office/drawing/2014/main" id="{F0EA24D8-BDD0-5948-A4EF-119F0FA2254A}"/>
+              </a:ext>
+            </a:extLst>
+          </p:cNvPr>
+          <p:cNvSpPr>
+            <a:spLocks noGrp="1"/>
           </p:cNvSpPr>
           <p:nvPr>
             <p:ph type="dt" sz="half" idx="10"/>
           </p:nvPr>
         </p:nvSpPr>
-        <p:spPr>
-          <a:ln/>
-        </p:spPr>
+        <p:spPr/>
         <p:txBody>
           <a:bodyPr/>
-          <a:lstStyle>
-            <a:lvl1pPr>
-              <a:defRPr/>
-            </a:lvl1pPr>
-          </a:lstStyle>
+          <a:lstStyle/>
           <a:p>
             <a:pPr>
               <a:defRPr/>
@@ -1553,24 +1755,24 @@
       </p:sp>
       <p:sp>
         <p:nvSpPr>
-          <p:cNvPr id="5" name="Rectangle 5"/>
-          <p:cNvSpPr>
-            <a:spLocks noGrp="1" noChangeArrowheads="1"/>
+          <p:cNvPr id="5" name="Footer Placeholder 4">
+            <a:extLst>
+              <a:ext uri="{FF2B5EF4-FFF2-40B4-BE49-F238E27FC236}">
+                <a16:creationId xmlns:a16="http://schemas.microsoft.com/office/drawing/2014/main" id="{5B822BD0-1789-254A-BE66-6396F580274E}"/>
+              </a:ext>
+            </a:extLst>
+          </p:cNvPr>
+          <p:cNvSpPr>
+            <a:spLocks noGrp="1"/>
           </p:cNvSpPr>
           <p:nvPr>
             <p:ph type="ftr" sz="quarter" idx="11"/>
           </p:nvPr>
         </p:nvSpPr>
-        <p:spPr>
-          <a:ln/>
-        </p:spPr>
+        <p:spPr/>
         <p:txBody>
           <a:bodyPr/>
-          <a:lstStyle>
-            <a:lvl1pPr>
-              <a:defRPr/>
-            </a:lvl1pPr>
-          </a:lstStyle>
+          <a:lstStyle/>
           <a:p>
             <a:pPr>
               <a:defRPr/>
@@ -1581,30 +1783,30 @@
       </p:sp>
       <p:sp>
         <p:nvSpPr>
-          <p:cNvPr id="6" name="Rectangle 6"/>
-          <p:cNvSpPr>
-            <a:spLocks noGrp="1" noChangeArrowheads="1"/>
+          <p:cNvPr id="6" name="Slide Number Placeholder 5">
+            <a:extLst>
+              <a:ext uri="{FF2B5EF4-FFF2-40B4-BE49-F238E27FC236}">
+                <a16:creationId xmlns:a16="http://schemas.microsoft.com/office/drawing/2014/main" id="{0EFB0FBC-E338-DA46-AE35-C0B7D0601B7D}"/>
+              </a:ext>
+            </a:extLst>
+          </p:cNvPr>
+          <p:cNvSpPr>
+            <a:spLocks noGrp="1"/>
           </p:cNvSpPr>
           <p:nvPr>
             <p:ph type="sldNum" sz="quarter" idx="12"/>
           </p:nvPr>
         </p:nvSpPr>
-        <p:spPr>
-          <a:ln/>
-        </p:spPr>
+        <p:spPr/>
         <p:txBody>
           <a:bodyPr/>
-          <a:lstStyle>
-            <a:lvl1pPr>
-              <a:defRPr/>
-            </a:lvl1pPr>
-          </a:lstStyle>
+          <a:lstStyle/>
           <a:p>
             <a:pPr>
               <a:defRPr/>
             </a:pPr>
             <a:fld id="{F8427A10-D486-3546-9983-7B44A45CA784}" type="slidenum">
-              <a:rPr lang="en-US" altLang="en-US"/>
+              <a:rPr lang="en-US" altLang="en-US" smtClean="0"/>
               <a:pPr>
                 <a:defRPr/>
               </a:pPr>
@@ -1617,7 +1819,7 @@
     </p:spTree>
     <p:extLst>
       <p:ext uri="{BB962C8B-B14F-4D97-AF65-F5344CB8AC3E}">
-        <p14:creationId xmlns:p14="http://schemas.microsoft.com/office/powerpoint/2010/main" val="1490955962"/>
+        <p14:creationId xmlns:p14="http://schemas.microsoft.com/office/powerpoint/2010/main" val="4187478879"/>
       </p:ext>
     </p:extLst>
   </p:cSld>
@@ -1628,7 +1830,7 @@
 </file>
 
 <file path=ppt/slideLayouts/slideLayout12.xml><?xml version="1.0" encoding="utf-8"?>
-<p:sldLayout xmlns:a="http://schemas.openxmlformats.org/drawingml/2006/main" xmlns:r="http://schemas.openxmlformats.org/officeDocument/2006/relationships" xmlns:p="http://schemas.openxmlformats.org/presentationml/2006/main" type="twoObjOverTx" preserve="1">
+<p:sldLayout xmlns:a="http://schemas.openxmlformats.org/drawingml/2006/main" xmlns:r="http://schemas.openxmlformats.org/officeDocument/2006/relationships" xmlns:p="http://schemas.openxmlformats.org/presentationml/2006/main" type="twoObjOverTx">
   <p:cSld name="Title and 2 Content over Text">
     <p:spTree>
       <p:nvGrpSpPr>
@@ -1933,7 +2135,7 @@
     </p:spTree>
     <p:extLst>
       <p:ext uri="{BB962C8B-B14F-4D97-AF65-F5344CB8AC3E}">
-        <p14:creationId xmlns:p14="http://schemas.microsoft.com/office/powerpoint/2010/main" val="1657660138"/>
+        <p14:creationId xmlns:p14="http://schemas.microsoft.com/office/powerpoint/2010/main" val="3460886352"/>
       </p:ext>
     </p:extLst>
   </p:cSld>
@@ -1962,7 +2164,13 @@
       </p:grpSpPr>
       <p:sp>
         <p:nvSpPr>
-          <p:cNvPr id="2" name="Title 1"/>
+          <p:cNvPr id="2" name="Title 1">
+            <a:extLst>
+              <a:ext uri="{FF2B5EF4-FFF2-40B4-BE49-F238E27FC236}">
+                <a16:creationId xmlns:a16="http://schemas.microsoft.com/office/drawing/2014/main" id="{98C661A0-C6D5-B64D-9365-54088E43B5BD}"/>
+              </a:ext>
+            </a:extLst>
+          </p:cNvPr>
           <p:cNvSpPr>
             <a:spLocks noGrp="1"/>
           </p:cNvSpPr>
@@ -1984,7 +2192,13 @@
       </p:sp>
       <p:sp>
         <p:nvSpPr>
-          <p:cNvPr id="3" name="Content Placeholder 2"/>
+          <p:cNvPr id="3" name="Content Placeholder 2">
+            <a:extLst>
+              <a:ext uri="{FF2B5EF4-FFF2-40B4-BE49-F238E27FC236}">
+                <a16:creationId xmlns:a16="http://schemas.microsoft.com/office/drawing/2014/main" id="{F7EE972E-B4DC-D649-9CE4-7E2A734B7F95}"/>
+              </a:ext>
+            </a:extLst>
+          </p:cNvPr>
           <p:cNvSpPr>
             <a:spLocks noGrp="1"/>
           </p:cNvSpPr>
@@ -2035,24 +2249,24 @@
       </p:sp>
       <p:sp>
         <p:nvSpPr>
-          <p:cNvPr id="4" name="Rectangle 4"/>
-          <p:cNvSpPr>
-            <a:spLocks noGrp="1" noChangeArrowheads="1"/>
+          <p:cNvPr id="4" name="Date Placeholder 3">
+            <a:extLst>
+              <a:ext uri="{FF2B5EF4-FFF2-40B4-BE49-F238E27FC236}">
+                <a16:creationId xmlns:a16="http://schemas.microsoft.com/office/drawing/2014/main" id="{307626C1-20FE-6344-9510-22DBDCC5B63E}"/>
+              </a:ext>
+            </a:extLst>
+          </p:cNvPr>
+          <p:cNvSpPr>
+            <a:spLocks noGrp="1"/>
           </p:cNvSpPr>
           <p:nvPr>
             <p:ph type="dt" sz="half" idx="10"/>
           </p:nvPr>
         </p:nvSpPr>
-        <p:spPr>
-          <a:ln/>
-        </p:spPr>
+        <p:spPr/>
         <p:txBody>
           <a:bodyPr/>
-          <a:lstStyle>
-            <a:lvl1pPr>
-              <a:defRPr/>
-            </a:lvl1pPr>
-          </a:lstStyle>
+          <a:lstStyle/>
           <a:p>
             <a:pPr>
               <a:defRPr/>
@@ -2063,24 +2277,24 @@
       </p:sp>
       <p:sp>
         <p:nvSpPr>
-          <p:cNvPr id="5" name="Rectangle 5"/>
-          <p:cNvSpPr>
-            <a:spLocks noGrp="1" noChangeArrowheads="1"/>
+          <p:cNvPr id="5" name="Footer Placeholder 4">
+            <a:extLst>
+              <a:ext uri="{FF2B5EF4-FFF2-40B4-BE49-F238E27FC236}">
+                <a16:creationId xmlns:a16="http://schemas.microsoft.com/office/drawing/2014/main" id="{D41FE824-1D5B-2540-AD05-BA3C44310F5C}"/>
+              </a:ext>
+            </a:extLst>
+          </p:cNvPr>
+          <p:cNvSpPr>
+            <a:spLocks noGrp="1"/>
           </p:cNvSpPr>
           <p:nvPr>
             <p:ph type="ftr" sz="quarter" idx="11"/>
           </p:nvPr>
         </p:nvSpPr>
-        <p:spPr>
-          <a:ln/>
-        </p:spPr>
+        <p:spPr/>
         <p:txBody>
           <a:bodyPr/>
-          <a:lstStyle>
-            <a:lvl1pPr>
-              <a:defRPr/>
-            </a:lvl1pPr>
-          </a:lstStyle>
+          <a:lstStyle/>
           <a:p>
             <a:pPr>
               <a:defRPr/>
@@ -2091,30 +2305,30 @@
       </p:sp>
       <p:sp>
         <p:nvSpPr>
-          <p:cNvPr id="6" name="Rectangle 6"/>
-          <p:cNvSpPr>
-            <a:spLocks noGrp="1" noChangeArrowheads="1"/>
+          <p:cNvPr id="6" name="Slide Number Placeholder 5">
+            <a:extLst>
+              <a:ext uri="{FF2B5EF4-FFF2-40B4-BE49-F238E27FC236}">
+                <a16:creationId xmlns:a16="http://schemas.microsoft.com/office/drawing/2014/main" id="{21991C1C-CB22-374E-B2BA-E8F484439CA7}"/>
+              </a:ext>
+            </a:extLst>
+          </p:cNvPr>
+          <p:cNvSpPr>
+            <a:spLocks noGrp="1"/>
           </p:cNvSpPr>
           <p:nvPr>
             <p:ph type="sldNum" sz="quarter" idx="12"/>
           </p:nvPr>
         </p:nvSpPr>
-        <p:spPr>
-          <a:ln/>
-        </p:spPr>
+        <p:spPr/>
         <p:txBody>
           <a:bodyPr/>
-          <a:lstStyle>
-            <a:lvl1pPr>
-              <a:defRPr/>
-            </a:lvl1pPr>
-          </a:lstStyle>
+          <a:lstStyle/>
           <a:p>
             <a:pPr>
               <a:defRPr/>
             </a:pPr>
             <a:fld id="{BB3B62DA-B3D8-8A48-9468-50E7FCF6B515}" type="slidenum">
-              <a:rPr lang="en-US" altLang="en-US"/>
+              <a:rPr lang="en-US" altLang="en-US" smtClean="0"/>
               <a:pPr>
                 <a:defRPr/>
               </a:pPr>
@@ -2127,7 +2341,7 @@
     </p:spTree>
     <p:extLst>
       <p:ext uri="{BB962C8B-B14F-4D97-AF65-F5344CB8AC3E}">
-        <p14:creationId xmlns:p14="http://schemas.microsoft.com/office/powerpoint/2010/main" val="2094995471"/>
+        <p14:creationId xmlns:p14="http://schemas.microsoft.com/office/powerpoint/2010/main" val="1207869690"/>
       </p:ext>
     </p:extLst>
   </p:cSld>
@@ -2156,7 +2370,13 @@
       </p:grpSpPr>
       <p:sp>
         <p:nvSpPr>
-          <p:cNvPr id="2" name="Title 1"/>
+          <p:cNvPr id="2" name="Title 1">
+            <a:extLst>
+              <a:ext uri="{FF2B5EF4-FFF2-40B4-BE49-F238E27FC236}">
+                <a16:creationId xmlns:a16="http://schemas.microsoft.com/office/drawing/2014/main" id="{16C5266D-D071-5747-9BE9-DC8CCCCB0A4F}"/>
+              </a:ext>
+            </a:extLst>
+          </p:cNvPr>
           <p:cNvSpPr>
             <a:spLocks noGrp="1"/>
           </p:cNvSpPr>
@@ -2166,15 +2386,15 @@
         </p:nvSpPr>
         <p:spPr>
           <a:xfrm>
-            <a:off x="3467101" y="21153225"/>
-            <a:ext cx="37307838" cy="6538268"/>
+            <a:off x="2994660" y="8206745"/>
+            <a:ext cx="37856160" cy="13693138"/>
           </a:xfrm>
         </p:spPr>
         <p:txBody>
-          <a:bodyPr anchor="t"/>
+          <a:bodyPr anchor="b"/>
           <a:lstStyle>
-            <a:lvl1pPr algn="l">
-              <a:defRPr sz="4000" b="1" cap="all"/>
+            <a:lvl1pPr>
+              <a:defRPr sz="21600"/>
             </a:lvl1pPr>
           </a:lstStyle>
           <a:p>
@@ -2187,7 +2407,13 @@
       </p:sp>
       <p:sp>
         <p:nvSpPr>
-          <p:cNvPr id="3" name="Text Placeholder 2"/>
+          <p:cNvPr id="3" name="Text Placeholder 2">
+            <a:extLst>
+              <a:ext uri="{FF2B5EF4-FFF2-40B4-BE49-F238E27FC236}">
+                <a16:creationId xmlns:a16="http://schemas.microsoft.com/office/drawing/2014/main" id="{DA4C5676-FDB3-6947-824C-7933F7D59A0C}"/>
+              </a:ext>
+            </a:extLst>
+          </p:cNvPr>
           <p:cNvSpPr>
             <a:spLocks noGrp="1"/>
           </p:cNvSpPr>
@@ -2197,48 +2423,102 @@
         </p:nvSpPr>
         <p:spPr>
           <a:xfrm>
-            <a:off x="3467101" y="13952324"/>
-            <a:ext cx="37307838" cy="7200900"/>
+            <a:off x="2994660" y="22029425"/>
+            <a:ext cx="37856160" cy="7200898"/>
           </a:xfrm>
         </p:spPr>
         <p:txBody>
-          <a:bodyPr anchor="b"/>
+          <a:bodyPr/>
           <a:lstStyle>
             <a:lvl1pPr marL="0" indent="0">
               <a:buNone/>
-              <a:defRPr sz="2000"/>
+              <a:defRPr sz="8640">
+                <a:solidFill>
+                  <a:schemeClr val="tx1">
+                    <a:tint val="75000"/>
+                  </a:schemeClr>
+                </a:solidFill>
+              </a:defRPr>
             </a:lvl1pPr>
-            <a:lvl2pPr marL="457182" indent="0">
+            <a:lvl2pPr marL="1645920" indent="0">
               <a:buNone/>
-              <a:defRPr sz="1800"/>
+              <a:defRPr sz="7200">
+                <a:solidFill>
+                  <a:schemeClr val="tx1">
+                    <a:tint val="75000"/>
+                  </a:schemeClr>
+                </a:solidFill>
+              </a:defRPr>
             </a:lvl2pPr>
-            <a:lvl3pPr marL="914364" indent="0">
+            <a:lvl3pPr marL="3291840" indent="0">
               <a:buNone/>
-              <a:defRPr sz="1600"/>
+              <a:defRPr sz="6480">
+                <a:solidFill>
+                  <a:schemeClr val="tx1">
+                    <a:tint val="75000"/>
+                  </a:schemeClr>
+                </a:solidFill>
+              </a:defRPr>
             </a:lvl3pPr>
-            <a:lvl4pPr marL="1371545" indent="0">
+            <a:lvl4pPr marL="4937760" indent="0">
               <a:buNone/>
-              <a:defRPr sz="1400"/>
+              <a:defRPr sz="5760">
+                <a:solidFill>
+                  <a:schemeClr val="tx1">
+                    <a:tint val="75000"/>
+                  </a:schemeClr>
+                </a:solidFill>
+              </a:defRPr>
             </a:lvl4pPr>
-            <a:lvl5pPr marL="1828727" indent="0">
+            <a:lvl5pPr marL="6583680" indent="0">
               <a:buNone/>
-              <a:defRPr sz="1400"/>
+              <a:defRPr sz="5760">
+                <a:solidFill>
+                  <a:schemeClr val="tx1">
+                    <a:tint val="75000"/>
+                  </a:schemeClr>
+                </a:solidFill>
+              </a:defRPr>
             </a:lvl5pPr>
-            <a:lvl6pPr marL="2285909" indent="0">
+            <a:lvl6pPr marL="8229600" indent="0">
               <a:buNone/>
-              <a:defRPr sz="1400"/>
+              <a:defRPr sz="5760">
+                <a:solidFill>
+                  <a:schemeClr val="tx1">
+                    <a:tint val="75000"/>
+                  </a:schemeClr>
+                </a:solidFill>
+              </a:defRPr>
             </a:lvl6pPr>
-            <a:lvl7pPr marL="2743091" indent="0">
+            <a:lvl7pPr marL="9875520" indent="0">
               <a:buNone/>
-              <a:defRPr sz="1400"/>
+              <a:defRPr sz="5760">
+                <a:solidFill>
+                  <a:schemeClr val="tx1">
+                    <a:tint val="75000"/>
+                  </a:schemeClr>
+                </a:solidFill>
+              </a:defRPr>
             </a:lvl7pPr>
-            <a:lvl8pPr marL="3200272" indent="0">
+            <a:lvl8pPr marL="11521440" indent="0">
               <a:buNone/>
-              <a:defRPr sz="1400"/>
+              <a:defRPr sz="5760">
+                <a:solidFill>
+                  <a:schemeClr val="tx1">
+                    <a:tint val="75000"/>
+                  </a:schemeClr>
+                </a:solidFill>
+              </a:defRPr>
             </a:lvl8pPr>
-            <a:lvl9pPr marL="3657454" indent="0">
+            <a:lvl9pPr marL="13167360" indent="0">
               <a:buNone/>
-              <a:defRPr sz="1400"/>
+              <a:defRPr sz="5760">
+                <a:solidFill>
+                  <a:schemeClr val="tx1">
+                    <a:tint val="75000"/>
+                  </a:schemeClr>
+                </a:solidFill>
+              </a:defRPr>
             </a:lvl9pPr>
           </a:lstStyle>
           <a:p>
@@ -2252,24 +2532,24 @@
       </p:sp>
       <p:sp>
         <p:nvSpPr>
-          <p:cNvPr id="4" name="Rectangle 4"/>
-          <p:cNvSpPr>
-            <a:spLocks noGrp="1" noChangeArrowheads="1"/>
+          <p:cNvPr id="4" name="Date Placeholder 3">
+            <a:extLst>
+              <a:ext uri="{FF2B5EF4-FFF2-40B4-BE49-F238E27FC236}">
+                <a16:creationId xmlns:a16="http://schemas.microsoft.com/office/drawing/2014/main" id="{B33531D7-E77C-BF4C-B76A-9A26614A3F39}"/>
+              </a:ext>
+            </a:extLst>
+          </p:cNvPr>
+          <p:cNvSpPr>
+            <a:spLocks noGrp="1"/>
           </p:cNvSpPr>
           <p:nvPr>
             <p:ph type="dt" sz="half" idx="10"/>
           </p:nvPr>
         </p:nvSpPr>
-        <p:spPr>
-          <a:ln/>
-        </p:spPr>
+        <p:spPr/>
         <p:txBody>
           <a:bodyPr/>
-          <a:lstStyle>
-            <a:lvl1pPr>
-              <a:defRPr/>
-            </a:lvl1pPr>
-          </a:lstStyle>
+          <a:lstStyle/>
           <a:p>
             <a:pPr>
               <a:defRPr/>
@@ -2280,24 +2560,24 @@
       </p:sp>
       <p:sp>
         <p:nvSpPr>
-          <p:cNvPr id="5" name="Rectangle 5"/>
-          <p:cNvSpPr>
-            <a:spLocks noGrp="1" noChangeArrowheads="1"/>
+          <p:cNvPr id="5" name="Footer Placeholder 4">
+            <a:extLst>
+              <a:ext uri="{FF2B5EF4-FFF2-40B4-BE49-F238E27FC236}">
+                <a16:creationId xmlns:a16="http://schemas.microsoft.com/office/drawing/2014/main" id="{5A6FB555-C627-4143-A0E9-5EFF78739ED2}"/>
+              </a:ext>
+            </a:extLst>
+          </p:cNvPr>
+          <p:cNvSpPr>
+            <a:spLocks noGrp="1"/>
           </p:cNvSpPr>
           <p:nvPr>
             <p:ph type="ftr" sz="quarter" idx="11"/>
           </p:nvPr>
         </p:nvSpPr>
-        <p:spPr>
-          <a:ln/>
-        </p:spPr>
+        <p:spPr/>
         <p:txBody>
           <a:bodyPr/>
-          <a:lstStyle>
-            <a:lvl1pPr>
-              <a:defRPr/>
-            </a:lvl1pPr>
-          </a:lstStyle>
+          <a:lstStyle/>
           <a:p>
             <a:pPr>
               <a:defRPr/>
@@ -2308,30 +2588,30 @@
       </p:sp>
       <p:sp>
         <p:nvSpPr>
-          <p:cNvPr id="6" name="Rectangle 6"/>
-          <p:cNvSpPr>
-            <a:spLocks noGrp="1" noChangeArrowheads="1"/>
+          <p:cNvPr id="6" name="Slide Number Placeholder 5">
+            <a:extLst>
+              <a:ext uri="{FF2B5EF4-FFF2-40B4-BE49-F238E27FC236}">
+                <a16:creationId xmlns:a16="http://schemas.microsoft.com/office/drawing/2014/main" id="{E4D64A81-B231-754A-9354-01172DF36FEA}"/>
+              </a:ext>
+            </a:extLst>
+          </p:cNvPr>
+          <p:cNvSpPr>
+            <a:spLocks noGrp="1"/>
           </p:cNvSpPr>
           <p:nvPr>
             <p:ph type="sldNum" sz="quarter" idx="12"/>
           </p:nvPr>
         </p:nvSpPr>
-        <p:spPr>
-          <a:ln/>
-        </p:spPr>
+        <p:spPr/>
         <p:txBody>
           <a:bodyPr/>
-          <a:lstStyle>
-            <a:lvl1pPr>
-              <a:defRPr/>
-            </a:lvl1pPr>
-          </a:lstStyle>
+          <a:lstStyle/>
           <a:p>
             <a:pPr>
               <a:defRPr/>
             </a:pPr>
             <a:fld id="{6591CDE4-5813-F046-9493-A8B40C72E040}" type="slidenum">
-              <a:rPr lang="en-US" altLang="en-US"/>
+              <a:rPr lang="en-US" altLang="en-US" smtClean="0"/>
               <a:pPr>
                 <a:defRPr/>
               </a:pPr>
@@ -2344,7 +2624,7 @@
     </p:spTree>
     <p:extLst>
       <p:ext uri="{BB962C8B-B14F-4D97-AF65-F5344CB8AC3E}">
-        <p14:creationId xmlns:p14="http://schemas.microsoft.com/office/powerpoint/2010/main" val="447004885"/>
+        <p14:creationId xmlns:p14="http://schemas.microsoft.com/office/powerpoint/2010/main" val="752181276"/>
       </p:ext>
     </p:extLst>
   </p:cSld>
@@ -2373,7 +2653,13 @@
       </p:grpSpPr>
       <p:sp>
         <p:nvSpPr>
-          <p:cNvPr id="2" name="Title 1"/>
+          <p:cNvPr id="2" name="Title 1">
+            <a:extLst>
+              <a:ext uri="{FF2B5EF4-FFF2-40B4-BE49-F238E27FC236}">
+                <a16:creationId xmlns:a16="http://schemas.microsoft.com/office/drawing/2014/main" id="{D1581ABB-5E08-9349-B7F5-1A41B5151A71}"/>
+              </a:ext>
+            </a:extLst>
+          </p:cNvPr>
           <p:cNvSpPr>
             <a:spLocks noGrp="1"/>
           </p:cNvSpPr>
@@ -2395,7 +2681,13 @@
       </p:sp>
       <p:sp>
         <p:nvSpPr>
-          <p:cNvPr id="3" name="Content Placeholder 2"/>
+          <p:cNvPr id="3" name="Content Placeholder 2">
+            <a:extLst>
+              <a:ext uri="{FF2B5EF4-FFF2-40B4-BE49-F238E27FC236}">
+                <a16:creationId xmlns:a16="http://schemas.microsoft.com/office/drawing/2014/main" id="{909DF95E-2819-F54D-8162-F54EEBAC3840}"/>
+              </a:ext>
+            </a:extLst>
+          </p:cNvPr>
           <p:cNvSpPr>
             <a:spLocks noGrp="1"/>
           </p:cNvSpPr>
@@ -2405,41 +2697,13 @@
         </p:nvSpPr>
         <p:spPr>
           <a:xfrm>
-            <a:off x="2193927" y="7681270"/>
-            <a:ext cx="19675475" cy="21724722"/>
+            <a:off x="3017520" y="8763000"/>
+            <a:ext cx="18653760" cy="20886422"/>
           </a:xfrm>
         </p:spPr>
         <p:txBody>
           <a:bodyPr/>
-          <a:lstStyle>
-            <a:lvl1pPr>
-              <a:defRPr sz="2800"/>
-            </a:lvl1pPr>
-            <a:lvl2pPr>
-              <a:defRPr sz="2400"/>
-            </a:lvl2pPr>
-            <a:lvl3pPr>
-              <a:defRPr sz="2000"/>
-            </a:lvl3pPr>
-            <a:lvl4pPr>
-              <a:defRPr sz="1800"/>
-            </a:lvl4pPr>
-            <a:lvl5pPr>
-              <a:defRPr sz="1800"/>
-            </a:lvl5pPr>
-            <a:lvl6pPr>
-              <a:defRPr sz="1800"/>
-            </a:lvl6pPr>
-            <a:lvl7pPr>
-              <a:defRPr sz="1800"/>
-            </a:lvl7pPr>
-            <a:lvl8pPr>
-              <a:defRPr sz="1800"/>
-            </a:lvl8pPr>
-            <a:lvl9pPr>
-              <a:defRPr sz="1800"/>
-            </a:lvl9pPr>
-          </a:lstStyle>
+          <a:lstStyle/>
           <a:p>
             <a:pPr lvl="0"/>
             <a:r>
@@ -2479,7 +2743,13 @@
       </p:sp>
       <p:sp>
         <p:nvSpPr>
-          <p:cNvPr id="4" name="Content Placeholder 3"/>
+          <p:cNvPr id="4" name="Content Placeholder 3">
+            <a:extLst>
+              <a:ext uri="{FF2B5EF4-FFF2-40B4-BE49-F238E27FC236}">
+                <a16:creationId xmlns:a16="http://schemas.microsoft.com/office/drawing/2014/main" id="{EBE5E47B-8418-4B4E-9CD2-B5877FC82107}"/>
+              </a:ext>
+            </a:extLst>
+          </p:cNvPr>
           <p:cNvSpPr>
             <a:spLocks noGrp="1"/>
           </p:cNvSpPr>
@@ -2489,41 +2759,13 @@
         </p:nvSpPr>
         <p:spPr>
           <a:xfrm>
-            <a:off x="22021802" y="7681270"/>
-            <a:ext cx="19675475" cy="21724722"/>
+            <a:off x="22219920" y="8763000"/>
+            <a:ext cx="18653760" cy="20886422"/>
           </a:xfrm>
         </p:spPr>
         <p:txBody>
           <a:bodyPr/>
-          <a:lstStyle>
-            <a:lvl1pPr>
-              <a:defRPr sz="2800"/>
-            </a:lvl1pPr>
-            <a:lvl2pPr>
-              <a:defRPr sz="2400"/>
-            </a:lvl2pPr>
-            <a:lvl3pPr>
-              <a:defRPr sz="2000"/>
-            </a:lvl3pPr>
-            <a:lvl4pPr>
-              <a:defRPr sz="1800"/>
-            </a:lvl4pPr>
-            <a:lvl5pPr>
-              <a:defRPr sz="1800"/>
-            </a:lvl5pPr>
-            <a:lvl6pPr>
-              <a:defRPr sz="1800"/>
-            </a:lvl6pPr>
-            <a:lvl7pPr>
-              <a:defRPr sz="1800"/>
-            </a:lvl7pPr>
-            <a:lvl8pPr>
-              <a:defRPr sz="1800"/>
-            </a:lvl8pPr>
-            <a:lvl9pPr>
-              <a:defRPr sz="1800"/>
-            </a:lvl9pPr>
-          </a:lstStyle>
+          <a:lstStyle/>
           <a:p>
             <a:pPr lvl="0"/>
             <a:r>
@@ -2563,24 +2805,24 @@
       </p:sp>
       <p:sp>
         <p:nvSpPr>
-          <p:cNvPr id="5" name="Rectangle 4"/>
-          <p:cNvSpPr>
-            <a:spLocks noGrp="1" noChangeArrowheads="1"/>
+          <p:cNvPr id="5" name="Date Placeholder 4">
+            <a:extLst>
+              <a:ext uri="{FF2B5EF4-FFF2-40B4-BE49-F238E27FC236}">
+                <a16:creationId xmlns:a16="http://schemas.microsoft.com/office/drawing/2014/main" id="{DB97BC6C-8F1B-E84A-BD56-9AF9923B22C5}"/>
+              </a:ext>
+            </a:extLst>
+          </p:cNvPr>
+          <p:cNvSpPr>
+            <a:spLocks noGrp="1"/>
           </p:cNvSpPr>
           <p:nvPr>
             <p:ph type="dt" sz="half" idx="10"/>
           </p:nvPr>
         </p:nvSpPr>
-        <p:spPr>
-          <a:ln/>
-        </p:spPr>
+        <p:spPr/>
         <p:txBody>
           <a:bodyPr/>
-          <a:lstStyle>
-            <a:lvl1pPr>
-              <a:defRPr/>
-            </a:lvl1pPr>
-          </a:lstStyle>
+          <a:lstStyle/>
           <a:p>
             <a:pPr>
               <a:defRPr/>
@@ -2591,24 +2833,24 @@
       </p:sp>
       <p:sp>
         <p:nvSpPr>
-          <p:cNvPr id="6" name="Rectangle 5"/>
-          <p:cNvSpPr>
-            <a:spLocks noGrp="1" noChangeArrowheads="1"/>
+          <p:cNvPr id="6" name="Footer Placeholder 5">
+            <a:extLst>
+              <a:ext uri="{FF2B5EF4-FFF2-40B4-BE49-F238E27FC236}">
+                <a16:creationId xmlns:a16="http://schemas.microsoft.com/office/drawing/2014/main" id="{EC40DE55-C64B-2442-B6FB-2C2CC7F87AAD}"/>
+              </a:ext>
+            </a:extLst>
+          </p:cNvPr>
+          <p:cNvSpPr>
+            <a:spLocks noGrp="1"/>
           </p:cNvSpPr>
           <p:nvPr>
             <p:ph type="ftr" sz="quarter" idx="11"/>
           </p:nvPr>
         </p:nvSpPr>
-        <p:spPr>
-          <a:ln/>
-        </p:spPr>
+        <p:spPr/>
         <p:txBody>
           <a:bodyPr/>
-          <a:lstStyle>
-            <a:lvl1pPr>
-              <a:defRPr/>
-            </a:lvl1pPr>
-          </a:lstStyle>
+          <a:lstStyle/>
           <a:p>
             <a:pPr>
               <a:defRPr/>
@@ -2619,30 +2861,30 @@
       </p:sp>
       <p:sp>
         <p:nvSpPr>
-          <p:cNvPr id="7" name="Rectangle 6"/>
-          <p:cNvSpPr>
-            <a:spLocks noGrp="1" noChangeArrowheads="1"/>
+          <p:cNvPr id="7" name="Slide Number Placeholder 6">
+            <a:extLst>
+              <a:ext uri="{FF2B5EF4-FFF2-40B4-BE49-F238E27FC236}">
+                <a16:creationId xmlns:a16="http://schemas.microsoft.com/office/drawing/2014/main" id="{91402773-DFFC-8F4C-A3A1-0ED3BC4ABDCA}"/>
+              </a:ext>
+            </a:extLst>
+          </p:cNvPr>
+          <p:cNvSpPr>
+            <a:spLocks noGrp="1"/>
           </p:cNvSpPr>
           <p:nvPr>
             <p:ph type="sldNum" sz="quarter" idx="12"/>
           </p:nvPr>
         </p:nvSpPr>
-        <p:spPr>
-          <a:ln/>
-        </p:spPr>
+        <p:spPr/>
         <p:txBody>
           <a:bodyPr/>
-          <a:lstStyle>
-            <a:lvl1pPr>
-              <a:defRPr/>
-            </a:lvl1pPr>
-          </a:lstStyle>
+          <a:lstStyle/>
           <a:p>
             <a:pPr>
               <a:defRPr/>
             </a:pPr>
             <a:fld id="{CCE93158-7926-3A45-9600-BA7112FA738F}" type="slidenum">
-              <a:rPr lang="en-US" altLang="en-US"/>
+              <a:rPr lang="en-US" altLang="en-US" smtClean="0"/>
               <a:pPr>
                 <a:defRPr/>
               </a:pPr>
@@ -2655,7 +2897,7 @@
     </p:spTree>
     <p:extLst>
       <p:ext uri="{BB962C8B-B14F-4D97-AF65-F5344CB8AC3E}">
-        <p14:creationId xmlns:p14="http://schemas.microsoft.com/office/powerpoint/2010/main" val="913304989"/>
+        <p14:creationId xmlns:p14="http://schemas.microsoft.com/office/powerpoint/2010/main" val="1422346531"/>
       </p:ext>
     </p:extLst>
   </p:cSld>
@@ -2684,7 +2926,13 @@
       </p:grpSpPr>
       <p:sp>
         <p:nvSpPr>
-          <p:cNvPr id="2" name="Title 1"/>
+          <p:cNvPr id="2" name="Title 1">
+            <a:extLst>
+              <a:ext uri="{FF2B5EF4-FFF2-40B4-BE49-F238E27FC236}">
+                <a16:creationId xmlns:a16="http://schemas.microsoft.com/office/drawing/2014/main" id="{5F0BBF26-4416-5A49-98BC-3BF6FAEE03E6}"/>
+              </a:ext>
+            </a:extLst>
+          </p:cNvPr>
           <p:cNvSpPr>
             <a:spLocks noGrp="1"/>
           </p:cNvSpPr>
@@ -2694,17 +2942,13 @@
         </p:nvSpPr>
         <p:spPr>
           <a:xfrm>
-            <a:off x="2193925" y="1317540"/>
-            <a:ext cx="39503350" cy="5486400"/>
+            <a:off x="3023237" y="1752603"/>
+            <a:ext cx="37856160" cy="6362702"/>
           </a:xfrm>
         </p:spPr>
         <p:txBody>
           <a:bodyPr/>
-          <a:lstStyle>
-            <a:lvl1pPr>
-              <a:defRPr/>
-            </a:lvl1pPr>
-          </a:lstStyle>
+          <a:lstStyle/>
           <a:p>
             <a:r>
               <a:rPr lang="en-US"/>
@@ -2715,7 +2959,13 @@
       </p:sp>
       <p:sp>
         <p:nvSpPr>
-          <p:cNvPr id="3" name="Text Placeholder 2"/>
+          <p:cNvPr id="3" name="Text Placeholder 2">
+            <a:extLst>
+              <a:ext uri="{FF2B5EF4-FFF2-40B4-BE49-F238E27FC236}">
+                <a16:creationId xmlns:a16="http://schemas.microsoft.com/office/drawing/2014/main" id="{7384F10E-DA1B-D041-8E31-A5EF54752C83}"/>
+              </a:ext>
+            </a:extLst>
+          </p:cNvPr>
           <p:cNvSpPr>
             <a:spLocks noGrp="1"/>
           </p:cNvSpPr>
@@ -2725,8 +2975,8 @@
         </p:nvSpPr>
         <p:spPr>
           <a:xfrm>
-            <a:off x="2193925" y="7369261"/>
-            <a:ext cx="19392900" cy="3070654"/>
+            <a:off x="3023239" y="8069582"/>
+            <a:ext cx="18568033" cy="3954778"/>
           </a:xfrm>
         </p:spPr>
         <p:txBody>
@@ -2734,39 +2984,39 @@
           <a:lstStyle>
             <a:lvl1pPr marL="0" indent="0">
               <a:buNone/>
-              <a:defRPr sz="2400" b="1"/>
+              <a:defRPr sz="8640" b="1"/>
             </a:lvl1pPr>
-            <a:lvl2pPr marL="457182" indent="0">
+            <a:lvl2pPr marL="1645920" indent="0">
               <a:buNone/>
-              <a:defRPr sz="2000" b="1"/>
+              <a:defRPr sz="7200" b="1"/>
             </a:lvl2pPr>
-            <a:lvl3pPr marL="914364" indent="0">
+            <a:lvl3pPr marL="3291840" indent="0">
               <a:buNone/>
-              <a:defRPr sz="1800" b="1"/>
+              <a:defRPr sz="6480" b="1"/>
             </a:lvl3pPr>
-            <a:lvl4pPr marL="1371545" indent="0">
+            <a:lvl4pPr marL="4937760" indent="0">
               <a:buNone/>
-              <a:defRPr sz="1600" b="1"/>
+              <a:defRPr sz="5760" b="1"/>
             </a:lvl4pPr>
-            <a:lvl5pPr marL="1828727" indent="0">
+            <a:lvl5pPr marL="6583680" indent="0">
               <a:buNone/>
-              <a:defRPr sz="1600" b="1"/>
+              <a:defRPr sz="5760" b="1"/>
             </a:lvl5pPr>
-            <a:lvl6pPr marL="2285909" indent="0">
+            <a:lvl6pPr marL="8229600" indent="0">
               <a:buNone/>
-              <a:defRPr sz="1600" b="1"/>
+              <a:defRPr sz="5760" b="1"/>
             </a:lvl6pPr>
-            <a:lvl7pPr marL="2743091" indent="0">
+            <a:lvl7pPr marL="9875520" indent="0">
               <a:buNone/>
-              <a:defRPr sz="1600" b="1"/>
+              <a:defRPr sz="5760" b="1"/>
             </a:lvl7pPr>
-            <a:lvl8pPr marL="3200272" indent="0">
+            <a:lvl8pPr marL="11521440" indent="0">
               <a:buNone/>
-              <a:defRPr sz="1600" b="1"/>
+              <a:defRPr sz="5760" b="1"/>
             </a:lvl8pPr>
-            <a:lvl9pPr marL="3657454" indent="0">
+            <a:lvl9pPr marL="13167360" indent="0">
               <a:buNone/>
-              <a:defRPr sz="1600" b="1"/>
+              <a:defRPr sz="5760" b="1"/>
             </a:lvl9pPr>
           </a:lstStyle>
           <a:p>
@@ -2780,7 +3030,13 @@
       </p:sp>
       <p:sp>
         <p:nvSpPr>
-          <p:cNvPr id="4" name="Content Placeholder 3"/>
+          <p:cNvPr id="4" name="Content Placeholder 3">
+            <a:extLst>
+              <a:ext uri="{FF2B5EF4-FFF2-40B4-BE49-F238E27FC236}">
+                <a16:creationId xmlns:a16="http://schemas.microsoft.com/office/drawing/2014/main" id="{F2C33B06-4E5C-8944-ADA9-F7FA52003347}"/>
+              </a:ext>
+            </a:extLst>
+          </p:cNvPr>
           <p:cNvSpPr>
             <a:spLocks noGrp="1"/>
           </p:cNvSpPr>
@@ -2790,41 +3046,13 @@
         </p:nvSpPr>
         <p:spPr>
           <a:xfrm>
-            <a:off x="2193925" y="10439916"/>
-            <a:ext cx="19392900" cy="18966077"/>
+            <a:off x="3023239" y="12024360"/>
+            <a:ext cx="18568033" cy="17686022"/>
           </a:xfrm>
         </p:spPr>
         <p:txBody>
           <a:bodyPr/>
-          <a:lstStyle>
-            <a:lvl1pPr>
-              <a:defRPr sz="2400"/>
-            </a:lvl1pPr>
-            <a:lvl2pPr>
-              <a:defRPr sz="2000"/>
-            </a:lvl2pPr>
-            <a:lvl3pPr>
-              <a:defRPr sz="1800"/>
-            </a:lvl3pPr>
-            <a:lvl4pPr>
-              <a:defRPr sz="1600"/>
-            </a:lvl4pPr>
-            <a:lvl5pPr>
-              <a:defRPr sz="1600"/>
-            </a:lvl5pPr>
-            <a:lvl6pPr>
-              <a:defRPr sz="1600"/>
-            </a:lvl6pPr>
-            <a:lvl7pPr>
-              <a:defRPr sz="1600"/>
-            </a:lvl7pPr>
-            <a:lvl8pPr>
-              <a:defRPr sz="1600"/>
-            </a:lvl8pPr>
-            <a:lvl9pPr>
-              <a:defRPr sz="1600"/>
-            </a:lvl9pPr>
-          </a:lstStyle>
+          <a:lstStyle/>
           <a:p>
             <a:pPr lvl="0"/>
             <a:r>
@@ -2864,7 +3092,13 @@
       </p:sp>
       <p:sp>
         <p:nvSpPr>
-          <p:cNvPr id="5" name="Text Placeholder 4"/>
+          <p:cNvPr id="5" name="Text Placeholder 4">
+            <a:extLst>
+              <a:ext uri="{FF2B5EF4-FFF2-40B4-BE49-F238E27FC236}">
+                <a16:creationId xmlns:a16="http://schemas.microsoft.com/office/drawing/2014/main" id="{A6FB2945-AB7F-5D49-A0A0-92D19A2E25FF}"/>
+              </a:ext>
+            </a:extLst>
+          </p:cNvPr>
           <p:cNvSpPr>
             <a:spLocks noGrp="1"/>
           </p:cNvSpPr>
@@ -2874,8 +3108,8 @@
         </p:nvSpPr>
         <p:spPr>
           <a:xfrm>
-            <a:off x="22296439" y="7369261"/>
-            <a:ext cx="19400837" cy="3070654"/>
+            <a:off x="22219920" y="8069582"/>
+            <a:ext cx="18659477" cy="3954778"/>
           </a:xfrm>
         </p:spPr>
         <p:txBody>
@@ -2883,39 +3117,39 @@
           <a:lstStyle>
             <a:lvl1pPr marL="0" indent="0">
               <a:buNone/>
-              <a:defRPr sz="2400" b="1"/>
+              <a:defRPr sz="8640" b="1"/>
             </a:lvl1pPr>
-            <a:lvl2pPr marL="457182" indent="0">
+            <a:lvl2pPr marL="1645920" indent="0">
               <a:buNone/>
-              <a:defRPr sz="2000" b="1"/>
+              <a:defRPr sz="7200" b="1"/>
             </a:lvl2pPr>
-            <a:lvl3pPr marL="914364" indent="0">
+            <a:lvl3pPr marL="3291840" indent="0">
               <a:buNone/>
-              <a:defRPr sz="1800" b="1"/>
+              <a:defRPr sz="6480" b="1"/>
             </a:lvl3pPr>
-            <a:lvl4pPr marL="1371545" indent="0">
+            <a:lvl4pPr marL="4937760" indent="0">
               <a:buNone/>
-              <a:defRPr sz="1600" b="1"/>
+              <a:defRPr sz="5760" b="1"/>
             </a:lvl4pPr>
-            <a:lvl5pPr marL="1828727" indent="0">
+            <a:lvl5pPr marL="6583680" indent="0">
               <a:buNone/>
-              <a:defRPr sz="1600" b="1"/>
+              <a:defRPr sz="5760" b="1"/>
             </a:lvl5pPr>
-            <a:lvl6pPr marL="2285909" indent="0">
+            <a:lvl6pPr marL="8229600" indent="0">
               <a:buNone/>
-              <a:defRPr sz="1600" b="1"/>
+              <a:defRPr sz="5760" b="1"/>
             </a:lvl6pPr>
-            <a:lvl7pPr marL="2743091" indent="0">
+            <a:lvl7pPr marL="9875520" indent="0">
               <a:buNone/>
-              <a:defRPr sz="1600" b="1"/>
+              <a:defRPr sz="5760" b="1"/>
             </a:lvl7pPr>
-            <a:lvl8pPr marL="3200272" indent="0">
+            <a:lvl8pPr marL="11521440" indent="0">
               <a:buNone/>
-              <a:defRPr sz="1600" b="1"/>
+              <a:defRPr sz="5760" b="1"/>
             </a:lvl8pPr>
-            <a:lvl9pPr marL="3657454" indent="0">
+            <a:lvl9pPr marL="13167360" indent="0">
               <a:buNone/>
-              <a:defRPr sz="1600" b="1"/>
+              <a:defRPr sz="5760" b="1"/>
             </a:lvl9pPr>
           </a:lstStyle>
           <a:p>
@@ -2929,7 +3163,13 @@
       </p:sp>
       <p:sp>
         <p:nvSpPr>
-          <p:cNvPr id="6" name="Content Placeholder 5"/>
+          <p:cNvPr id="6" name="Content Placeholder 5">
+            <a:extLst>
+              <a:ext uri="{FF2B5EF4-FFF2-40B4-BE49-F238E27FC236}">
+                <a16:creationId xmlns:a16="http://schemas.microsoft.com/office/drawing/2014/main" id="{7919EA4A-56A3-CE4D-826E-DB93A19AEC1C}"/>
+              </a:ext>
+            </a:extLst>
+          </p:cNvPr>
           <p:cNvSpPr>
             <a:spLocks noGrp="1"/>
           </p:cNvSpPr>
@@ -2939,41 +3179,13 @@
         </p:nvSpPr>
         <p:spPr>
           <a:xfrm>
-            <a:off x="22296439" y="10439916"/>
-            <a:ext cx="19400837" cy="18966077"/>
+            <a:off x="22219920" y="12024360"/>
+            <a:ext cx="18659477" cy="17686022"/>
           </a:xfrm>
         </p:spPr>
         <p:txBody>
           <a:bodyPr/>
-          <a:lstStyle>
-            <a:lvl1pPr>
-              <a:defRPr sz="2400"/>
-            </a:lvl1pPr>
-            <a:lvl2pPr>
-              <a:defRPr sz="2000"/>
-            </a:lvl2pPr>
-            <a:lvl3pPr>
-              <a:defRPr sz="1800"/>
-            </a:lvl3pPr>
-            <a:lvl4pPr>
-              <a:defRPr sz="1600"/>
-            </a:lvl4pPr>
-            <a:lvl5pPr>
-              <a:defRPr sz="1600"/>
-            </a:lvl5pPr>
-            <a:lvl6pPr>
-              <a:defRPr sz="1600"/>
-            </a:lvl6pPr>
-            <a:lvl7pPr>
-              <a:defRPr sz="1600"/>
-            </a:lvl7pPr>
-            <a:lvl8pPr>
-              <a:defRPr sz="1600"/>
-            </a:lvl8pPr>
-            <a:lvl9pPr>
-              <a:defRPr sz="1600"/>
-            </a:lvl9pPr>
-          </a:lstStyle>
+          <a:lstStyle/>
           <a:p>
             <a:pPr lvl="0"/>
             <a:r>
@@ -3013,24 +3225,24 @@
       </p:sp>
       <p:sp>
         <p:nvSpPr>
-          <p:cNvPr id="7" name="Rectangle 4"/>
-          <p:cNvSpPr>
-            <a:spLocks noGrp="1" noChangeArrowheads="1"/>
+          <p:cNvPr id="7" name="Date Placeholder 6">
+            <a:extLst>
+              <a:ext uri="{FF2B5EF4-FFF2-40B4-BE49-F238E27FC236}">
+                <a16:creationId xmlns:a16="http://schemas.microsoft.com/office/drawing/2014/main" id="{E6556004-F31B-DE42-991A-F81FB55E73A1}"/>
+              </a:ext>
+            </a:extLst>
+          </p:cNvPr>
+          <p:cNvSpPr>
+            <a:spLocks noGrp="1"/>
           </p:cNvSpPr>
           <p:nvPr>
             <p:ph type="dt" sz="half" idx="10"/>
           </p:nvPr>
         </p:nvSpPr>
-        <p:spPr>
-          <a:ln/>
-        </p:spPr>
+        <p:spPr/>
         <p:txBody>
           <a:bodyPr/>
-          <a:lstStyle>
-            <a:lvl1pPr>
-              <a:defRPr/>
-            </a:lvl1pPr>
-          </a:lstStyle>
+          <a:lstStyle/>
           <a:p>
             <a:pPr>
               <a:defRPr/>
@@ -3041,24 +3253,24 @@
       </p:sp>
       <p:sp>
         <p:nvSpPr>
-          <p:cNvPr id="8" name="Rectangle 5"/>
-          <p:cNvSpPr>
-            <a:spLocks noGrp="1" noChangeArrowheads="1"/>
+          <p:cNvPr id="8" name="Footer Placeholder 7">
+            <a:extLst>
+              <a:ext uri="{FF2B5EF4-FFF2-40B4-BE49-F238E27FC236}">
+                <a16:creationId xmlns:a16="http://schemas.microsoft.com/office/drawing/2014/main" id="{BD994907-7F80-2B41-8D2B-9771AED2A5BB}"/>
+              </a:ext>
+            </a:extLst>
+          </p:cNvPr>
+          <p:cNvSpPr>
+            <a:spLocks noGrp="1"/>
           </p:cNvSpPr>
           <p:nvPr>
             <p:ph type="ftr" sz="quarter" idx="11"/>
           </p:nvPr>
         </p:nvSpPr>
-        <p:spPr>
-          <a:ln/>
-        </p:spPr>
+        <p:spPr/>
         <p:txBody>
           <a:bodyPr/>
-          <a:lstStyle>
-            <a:lvl1pPr>
-              <a:defRPr/>
-            </a:lvl1pPr>
-          </a:lstStyle>
+          <a:lstStyle/>
           <a:p>
             <a:pPr>
               <a:defRPr/>
@@ -3069,30 +3281,30 @@
       </p:sp>
       <p:sp>
         <p:nvSpPr>
-          <p:cNvPr id="9" name="Rectangle 6"/>
-          <p:cNvSpPr>
-            <a:spLocks noGrp="1" noChangeArrowheads="1"/>
+          <p:cNvPr id="9" name="Slide Number Placeholder 8">
+            <a:extLst>
+              <a:ext uri="{FF2B5EF4-FFF2-40B4-BE49-F238E27FC236}">
+                <a16:creationId xmlns:a16="http://schemas.microsoft.com/office/drawing/2014/main" id="{27AFAFAA-DCED-EC44-AA3C-113DE6062B95}"/>
+              </a:ext>
+            </a:extLst>
+          </p:cNvPr>
+          <p:cNvSpPr>
+            <a:spLocks noGrp="1"/>
           </p:cNvSpPr>
           <p:nvPr>
             <p:ph type="sldNum" sz="quarter" idx="12"/>
           </p:nvPr>
         </p:nvSpPr>
-        <p:spPr>
-          <a:ln/>
-        </p:spPr>
+        <p:spPr/>
         <p:txBody>
           <a:bodyPr/>
-          <a:lstStyle>
-            <a:lvl1pPr>
-              <a:defRPr/>
-            </a:lvl1pPr>
-          </a:lstStyle>
+          <a:lstStyle/>
           <a:p>
             <a:pPr>
               <a:defRPr/>
             </a:pPr>
             <a:fld id="{D802BD17-106D-D74D-A7F2-7F474D08EDD5}" type="slidenum">
-              <a:rPr lang="en-US" altLang="en-US"/>
+              <a:rPr lang="en-US" altLang="en-US" smtClean="0"/>
               <a:pPr>
                 <a:defRPr/>
               </a:pPr>
@@ -3105,7 +3317,7 @@
     </p:spTree>
     <p:extLst>
       <p:ext uri="{BB962C8B-B14F-4D97-AF65-F5344CB8AC3E}">
-        <p14:creationId xmlns:p14="http://schemas.microsoft.com/office/powerpoint/2010/main" val="1851325014"/>
+        <p14:creationId xmlns:p14="http://schemas.microsoft.com/office/powerpoint/2010/main" val="148814705"/>
       </p:ext>
     </p:extLst>
   </p:cSld>
@@ -3134,7 +3346,13 @@
       </p:grpSpPr>
       <p:sp>
         <p:nvSpPr>
-          <p:cNvPr id="2" name="Title 1"/>
+          <p:cNvPr id="2" name="Title 1">
+            <a:extLst>
+              <a:ext uri="{FF2B5EF4-FFF2-40B4-BE49-F238E27FC236}">
+                <a16:creationId xmlns:a16="http://schemas.microsoft.com/office/drawing/2014/main" id="{44A300E0-3359-3D4F-BACD-EA9F83BEC48E}"/>
+              </a:ext>
+            </a:extLst>
+          </p:cNvPr>
           <p:cNvSpPr>
             <a:spLocks noGrp="1"/>
           </p:cNvSpPr>
@@ -3156,24 +3374,24 @@
       </p:sp>
       <p:sp>
         <p:nvSpPr>
-          <p:cNvPr id="3" name="Rectangle 4"/>
-          <p:cNvSpPr>
-            <a:spLocks noGrp="1" noChangeArrowheads="1"/>
+          <p:cNvPr id="3" name="Date Placeholder 2">
+            <a:extLst>
+              <a:ext uri="{FF2B5EF4-FFF2-40B4-BE49-F238E27FC236}">
+                <a16:creationId xmlns:a16="http://schemas.microsoft.com/office/drawing/2014/main" id="{4299AB05-F329-D548-B5F7-A70E045D2B7D}"/>
+              </a:ext>
+            </a:extLst>
+          </p:cNvPr>
+          <p:cNvSpPr>
+            <a:spLocks noGrp="1"/>
           </p:cNvSpPr>
           <p:nvPr>
             <p:ph type="dt" sz="half" idx="10"/>
           </p:nvPr>
         </p:nvSpPr>
-        <p:spPr>
-          <a:ln/>
-        </p:spPr>
+        <p:spPr/>
         <p:txBody>
           <a:bodyPr/>
-          <a:lstStyle>
-            <a:lvl1pPr>
-              <a:defRPr/>
-            </a:lvl1pPr>
-          </a:lstStyle>
+          <a:lstStyle/>
           <a:p>
             <a:pPr>
               <a:defRPr/>
@@ -3184,24 +3402,24 @@
       </p:sp>
       <p:sp>
         <p:nvSpPr>
-          <p:cNvPr id="4" name="Rectangle 5"/>
-          <p:cNvSpPr>
-            <a:spLocks noGrp="1" noChangeArrowheads="1"/>
+          <p:cNvPr id="4" name="Footer Placeholder 3">
+            <a:extLst>
+              <a:ext uri="{FF2B5EF4-FFF2-40B4-BE49-F238E27FC236}">
+                <a16:creationId xmlns:a16="http://schemas.microsoft.com/office/drawing/2014/main" id="{5A1F8F0C-7528-544A-9AC4-B53895D377FE}"/>
+              </a:ext>
+            </a:extLst>
+          </p:cNvPr>
+          <p:cNvSpPr>
+            <a:spLocks noGrp="1"/>
           </p:cNvSpPr>
           <p:nvPr>
             <p:ph type="ftr" sz="quarter" idx="11"/>
           </p:nvPr>
         </p:nvSpPr>
-        <p:spPr>
-          <a:ln/>
-        </p:spPr>
+        <p:spPr/>
         <p:txBody>
           <a:bodyPr/>
-          <a:lstStyle>
-            <a:lvl1pPr>
-              <a:defRPr/>
-            </a:lvl1pPr>
-          </a:lstStyle>
+          <a:lstStyle/>
           <a:p>
             <a:pPr>
               <a:defRPr/>
@@ -3212,30 +3430,30 @@
       </p:sp>
       <p:sp>
         <p:nvSpPr>
-          <p:cNvPr id="5" name="Rectangle 6"/>
-          <p:cNvSpPr>
-            <a:spLocks noGrp="1" noChangeArrowheads="1"/>
+          <p:cNvPr id="5" name="Slide Number Placeholder 4">
+            <a:extLst>
+              <a:ext uri="{FF2B5EF4-FFF2-40B4-BE49-F238E27FC236}">
+                <a16:creationId xmlns:a16="http://schemas.microsoft.com/office/drawing/2014/main" id="{F785B95C-702F-A648-918F-F7DAD9FF1EAE}"/>
+              </a:ext>
+            </a:extLst>
+          </p:cNvPr>
+          <p:cNvSpPr>
+            <a:spLocks noGrp="1"/>
           </p:cNvSpPr>
           <p:nvPr>
             <p:ph type="sldNum" sz="quarter" idx="12"/>
           </p:nvPr>
         </p:nvSpPr>
-        <p:spPr>
-          <a:ln/>
-        </p:spPr>
+        <p:spPr/>
         <p:txBody>
           <a:bodyPr/>
-          <a:lstStyle>
-            <a:lvl1pPr>
-              <a:defRPr/>
-            </a:lvl1pPr>
-          </a:lstStyle>
+          <a:lstStyle/>
           <a:p>
             <a:pPr>
               <a:defRPr/>
             </a:pPr>
             <a:fld id="{0DD69ACE-71DB-7349-8825-85336E44A888}" type="slidenum">
-              <a:rPr lang="en-US" altLang="en-US"/>
+              <a:rPr lang="en-US" altLang="en-US" smtClean="0"/>
               <a:pPr>
                 <a:defRPr/>
               </a:pPr>
@@ -3248,7 +3466,7 @@
     </p:spTree>
     <p:extLst>
       <p:ext uri="{BB962C8B-B14F-4D97-AF65-F5344CB8AC3E}">
-        <p14:creationId xmlns:p14="http://schemas.microsoft.com/office/powerpoint/2010/main" val="328948915"/>
+        <p14:creationId xmlns:p14="http://schemas.microsoft.com/office/powerpoint/2010/main" val="2041391492"/>
       </p:ext>
     </p:extLst>
   </p:cSld>
@@ -3277,24 +3495,24 @@
       </p:grpSpPr>
       <p:sp>
         <p:nvSpPr>
-          <p:cNvPr id="2" name="Rectangle 4"/>
-          <p:cNvSpPr>
-            <a:spLocks noGrp="1" noChangeArrowheads="1"/>
+          <p:cNvPr id="2" name="Date Placeholder 1">
+            <a:extLst>
+              <a:ext uri="{FF2B5EF4-FFF2-40B4-BE49-F238E27FC236}">
+                <a16:creationId xmlns:a16="http://schemas.microsoft.com/office/drawing/2014/main" id="{C4D2A2A6-4C76-2F4B-8BD7-6C1064255480}"/>
+              </a:ext>
+            </a:extLst>
+          </p:cNvPr>
+          <p:cNvSpPr>
+            <a:spLocks noGrp="1"/>
           </p:cNvSpPr>
           <p:nvPr>
             <p:ph type="dt" sz="half" idx="10"/>
           </p:nvPr>
         </p:nvSpPr>
-        <p:spPr>
-          <a:ln/>
-        </p:spPr>
+        <p:spPr/>
         <p:txBody>
           <a:bodyPr/>
-          <a:lstStyle>
-            <a:lvl1pPr>
-              <a:defRPr/>
-            </a:lvl1pPr>
-          </a:lstStyle>
+          <a:lstStyle/>
           <a:p>
             <a:pPr>
               <a:defRPr/>
@@ -3305,24 +3523,24 @@
       </p:sp>
       <p:sp>
         <p:nvSpPr>
-          <p:cNvPr id="3" name="Rectangle 5"/>
-          <p:cNvSpPr>
-            <a:spLocks noGrp="1" noChangeArrowheads="1"/>
+          <p:cNvPr id="3" name="Footer Placeholder 2">
+            <a:extLst>
+              <a:ext uri="{FF2B5EF4-FFF2-40B4-BE49-F238E27FC236}">
+                <a16:creationId xmlns:a16="http://schemas.microsoft.com/office/drawing/2014/main" id="{EA712EAE-18CF-2A4D-B125-1B1EA13C333E}"/>
+              </a:ext>
+            </a:extLst>
+          </p:cNvPr>
+          <p:cNvSpPr>
+            <a:spLocks noGrp="1"/>
           </p:cNvSpPr>
           <p:nvPr>
             <p:ph type="ftr" sz="quarter" idx="11"/>
           </p:nvPr>
         </p:nvSpPr>
-        <p:spPr>
-          <a:ln/>
-        </p:spPr>
+        <p:spPr/>
         <p:txBody>
           <a:bodyPr/>
-          <a:lstStyle>
-            <a:lvl1pPr>
-              <a:defRPr/>
-            </a:lvl1pPr>
-          </a:lstStyle>
+          <a:lstStyle/>
           <a:p>
             <a:pPr>
               <a:defRPr/>
@@ -3333,30 +3551,30 @@
       </p:sp>
       <p:sp>
         <p:nvSpPr>
-          <p:cNvPr id="4" name="Rectangle 6"/>
-          <p:cNvSpPr>
-            <a:spLocks noGrp="1" noChangeArrowheads="1"/>
+          <p:cNvPr id="4" name="Slide Number Placeholder 3">
+            <a:extLst>
+              <a:ext uri="{FF2B5EF4-FFF2-40B4-BE49-F238E27FC236}">
+                <a16:creationId xmlns:a16="http://schemas.microsoft.com/office/drawing/2014/main" id="{43A37744-F94B-9D4D-8811-3BB4A6F5B5E1}"/>
+              </a:ext>
+            </a:extLst>
+          </p:cNvPr>
+          <p:cNvSpPr>
+            <a:spLocks noGrp="1"/>
           </p:cNvSpPr>
           <p:nvPr>
             <p:ph type="sldNum" sz="quarter" idx="12"/>
           </p:nvPr>
         </p:nvSpPr>
-        <p:spPr>
-          <a:ln/>
-        </p:spPr>
+        <p:spPr/>
         <p:txBody>
           <a:bodyPr/>
-          <a:lstStyle>
-            <a:lvl1pPr>
-              <a:defRPr/>
-            </a:lvl1pPr>
-          </a:lstStyle>
+          <a:lstStyle/>
           <a:p>
             <a:pPr>
               <a:defRPr/>
             </a:pPr>
             <a:fld id="{27526AE0-1C53-DC42-8121-96978598398D}" type="slidenum">
-              <a:rPr lang="en-US" altLang="en-US"/>
+              <a:rPr lang="en-US" altLang="en-US" smtClean="0"/>
               <a:pPr>
                 <a:defRPr/>
               </a:pPr>
@@ -3369,7 +3587,7 @@
     </p:spTree>
     <p:extLst>
       <p:ext uri="{BB962C8B-B14F-4D97-AF65-F5344CB8AC3E}">
-        <p14:creationId xmlns:p14="http://schemas.microsoft.com/office/powerpoint/2010/main" val="1021507027"/>
+        <p14:creationId xmlns:p14="http://schemas.microsoft.com/office/powerpoint/2010/main" val="2908237642"/>
       </p:ext>
     </p:extLst>
   </p:cSld>
@@ -3398,7 +3616,13 @@
       </p:grpSpPr>
       <p:sp>
         <p:nvSpPr>
-          <p:cNvPr id="2" name="Title 1"/>
+          <p:cNvPr id="2" name="Title 1">
+            <a:extLst>
+              <a:ext uri="{FF2B5EF4-FFF2-40B4-BE49-F238E27FC236}">
+                <a16:creationId xmlns:a16="http://schemas.microsoft.com/office/drawing/2014/main" id="{D1B70332-4074-8141-8101-798B8099A842}"/>
+              </a:ext>
+            </a:extLst>
+          </p:cNvPr>
           <p:cNvSpPr>
             <a:spLocks noGrp="1"/>
           </p:cNvSpPr>
@@ -3408,15 +3632,15 @@
         </p:nvSpPr>
         <p:spPr>
           <a:xfrm>
-            <a:off x="2193925" y="1311362"/>
-            <a:ext cx="14439900" cy="5577532"/>
+            <a:off x="3023239" y="2194560"/>
+            <a:ext cx="14156053" cy="7680960"/>
           </a:xfrm>
         </p:spPr>
         <p:txBody>
           <a:bodyPr anchor="b"/>
           <a:lstStyle>
-            <a:lvl1pPr algn="l">
-              <a:defRPr sz="2000" b="1"/>
+            <a:lvl1pPr>
+              <a:defRPr sz="11520"/>
             </a:lvl1pPr>
           </a:lstStyle>
           <a:p>
@@ -3429,7 +3653,13 @@
       </p:sp>
       <p:sp>
         <p:nvSpPr>
-          <p:cNvPr id="3" name="Content Placeholder 2"/>
+          <p:cNvPr id="3" name="Content Placeholder 2">
+            <a:extLst>
+              <a:ext uri="{FF2B5EF4-FFF2-40B4-BE49-F238E27FC236}">
+                <a16:creationId xmlns:a16="http://schemas.microsoft.com/office/drawing/2014/main" id="{BC5D8C75-A41E-114E-ABE2-D3D019045553}"/>
+              </a:ext>
+            </a:extLst>
+          </p:cNvPr>
           <p:cNvSpPr>
             <a:spLocks noGrp="1"/>
           </p:cNvSpPr>
@@ -3439,39 +3669,39 @@
         </p:nvSpPr>
         <p:spPr>
           <a:xfrm>
-            <a:off x="17160875" y="1311363"/>
-            <a:ext cx="24536400" cy="28094632"/>
+            <a:off x="18659477" y="4739642"/>
+            <a:ext cx="22219920" cy="23393400"/>
           </a:xfrm>
         </p:spPr>
         <p:txBody>
           <a:bodyPr/>
           <a:lstStyle>
             <a:lvl1pPr>
-              <a:defRPr sz="3200"/>
+              <a:defRPr sz="11520"/>
             </a:lvl1pPr>
             <a:lvl2pPr>
-              <a:defRPr sz="2800"/>
+              <a:defRPr sz="10080"/>
             </a:lvl2pPr>
             <a:lvl3pPr>
-              <a:defRPr sz="2400"/>
+              <a:defRPr sz="8640"/>
             </a:lvl3pPr>
             <a:lvl4pPr>
-              <a:defRPr sz="2000"/>
+              <a:defRPr sz="7200"/>
             </a:lvl4pPr>
             <a:lvl5pPr>
-              <a:defRPr sz="2000"/>
+              <a:defRPr sz="7200"/>
             </a:lvl5pPr>
             <a:lvl6pPr>
-              <a:defRPr sz="2000"/>
+              <a:defRPr sz="7200"/>
             </a:lvl6pPr>
             <a:lvl7pPr>
-              <a:defRPr sz="2000"/>
+              <a:defRPr sz="7200"/>
             </a:lvl7pPr>
             <a:lvl8pPr>
-              <a:defRPr sz="2000"/>
+              <a:defRPr sz="7200"/>
             </a:lvl8pPr>
             <a:lvl9pPr>
-              <a:defRPr sz="2000"/>
+              <a:defRPr sz="7200"/>
             </a:lvl9pPr>
           </a:lstStyle>
           <a:p>
@@ -3513,7 +3743,13 @@
       </p:sp>
       <p:sp>
         <p:nvSpPr>
-          <p:cNvPr id="4" name="Text Placeholder 3"/>
+          <p:cNvPr id="4" name="Text Placeholder 3">
+            <a:extLst>
+              <a:ext uri="{FF2B5EF4-FFF2-40B4-BE49-F238E27FC236}">
+                <a16:creationId xmlns:a16="http://schemas.microsoft.com/office/drawing/2014/main" id="{6D86E5C5-8D0B-C54E-85CE-A69417E44462}"/>
+              </a:ext>
+            </a:extLst>
+          </p:cNvPr>
           <p:cNvSpPr>
             <a:spLocks noGrp="1"/>
           </p:cNvSpPr>
@@ -3523,8 +3759,8 @@
         </p:nvSpPr>
         <p:spPr>
           <a:xfrm>
-            <a:off x="2193925" y="6888892"/>
-            <a:ext cx="14439900" cy="22517100"/>
+            <a:off x="3023239" y="9875520"/>
+            <a:ext cx="14156053" cy="18295622"/>
           </a:xfrm>
         </p:spPr>
         <p:txBody>
@@ -3532,39 +3768,39 @@
           <a:lstStyle>
             <a:lvl1pPr marL="0" indent="0">
               <a:buNone/>
-              <a:defRPr sz="1400"/>
+              <a:defRPr sz="5760"/>
             </a:lvl1pPr>
-            <a:lvl2pPr marL="457182" indent="0">
+            <a:lvl2pPr marL="1645920" indent="0">
               <a:buNone/>
-              <a:defRPr sz="1200"/>
+              <a:defRPr sz="5040"/>
             </a:lvl2pPr>
-            <a:lvl3pPr marL="914364" indent="0">
+            <a:lvl3pPr marL="3291840" indent="0">
               <a:buNone/>
-              <a:defRPr sz="1000"/>
+              <a:defRPr sz="4320"/>
             </a:lvl3pPr>
-            <a:lvl4pPr marL="1371545" indent="0">
+            <a:lvl4pPr marL="4937760" indent="0">
               <a:buNone/>
-              <a:defRPr sz="900"/>
+              <a:defRPr sz="3600"/>
             </a:lvl4pPr>
-            <a:lvl5pPr marL="1828727" indent="0">
+            <a:lvl5pPr marL="6583680" indent="0">
               <a:buNone/>
-              <a:defRPr sz="900"/>
+              <a:defRPr sz="3600"/>
             </a:lvl5pPr>
-            <a:lvl6pPr marL="2285909" indent="0">
+            <a:lvl6pPr marL="8229600" indent="0">
               <a:buNone/>
-              <a:defRPr sz="900"/>
+              <a:defRPr sz="3600"/>
             </a:lvl6pPr>
-            <a:lvl7pPr marL="2743091" indent="0">
+            <a:lvl7pPr marL="9875520" indent="0">
               <a:buNone/>
-              <a:defRPr sz="900"/>
+              <a:defRPr sz="3600"/>
             </a:lvl7pPr>
-            <a:lvl8pPr marL="3200272" indent="0">
+            <a:lvl8pPr marL="11521440" indent="0">
               <a:buNone/>
-              <a:defRPr sz="900"/>
+              <a:defRPr sz="3600"/>
             </a:lvl8pPr>
-            <a:lvl9pPr marL="3657454" indent="0">
+            <a:lvl9pPr marL="13167360" indent="0">
               <a:buNone/>
-              <a:defRPr sz="900"/>
+              <a:defRPr sz="3600"/>
             </a:lvl9pPr>
           </a:lstStyle>
           <a:p>
@@ -3578,24 +3814,24 @@
       </p:sp>
       <p:sp>
         <p:nvSpPr>
-          <p:cNvPr id="5" name="Rectangle 4"/>
-          <p:cNvSpPr>
-            <a:spLocks noGrp="1" noChangeArrowheads="1"/>
+          <p:cNvPr id="5" name="Date Placeholder 4">
+            <a:extLst>
+              <a:ext uri="{FF2B5EF4-FFF2-40B4-BE49-F238E27FC236}">
+                <a16:creationId xmlns:a16="http://schemas.microsoft.com/office/drawing/2014/main" id="{39CF7E47-763A-A347-AC84-43D336A9548D}"/>
+              </a:ext>
+            </a:extLst>
+          </p:cNvPr>
+          <p:cNvSpPr>
+            <a:spLocks noGrp="1"/>
           </p:cNvSpPr>
           <p:nvPr>
             <p:ph type="dt" sz="half" idx="10"/>
           </p:nvPr>
         </p:nvSpPr>
-        <p:spPr>
-          <a:ln/>
-        </p:spPr>
+        <p:spPr/>
         <p:txBody>
           <a:bodyPr/>
-          <a:lstStyle>
-            <a:lvl1pPr>
-              <a:defRPr/>
-            </a:lvl1pPr>
-          </a:lstStyle>
+          <a:lstStyle/>
           <a:p>
             <a:pPr>
               <a:defRPr/>
@@ -3606,24 +3842,24 @@
       </p:sp>
       <p:sp>
         <p:nvSpPr>
-          <p:cNvPr id="6" name="Rectangle 5"/>
-          <p:cNvSpPr>
-            <a:spLocks noGrp="1" noChangeArrowheads="1"/>
+          <p:cNvPr id="6" name="Footer Placeholder 5">
+            <a:extLst>
+              <a:ext uri="{FF2B5EF4-FFF2-40B4-BE49-F238E27FC236}">
+                <a16:creationId xmlns:a16="http://schemas.microsoft.com/office/drawing/2014/main" id="{3556B352-89B8-DB4F-8187-508CD89B8361}"/>
+              </a:ext>
+            </a:extLst>
+          </p:cNvPr>
+          <p:cNvSpPr>
+            <a:spLocks noGrp="1"/>
           </p:cNvSpPr>
           <p:nvPr>
             <p:ph type="ftr" sz="quarter" idx="11"/>
           </p:nvPr>
         </p:nvSpPr>
-        <p:spPr>
-          <a:ln/>
-        </p:spPr>
+        <p:spPr/>
         <p:txBody>
           <a:bodyPr/>
-          <a:lstStyle>
-            <a:lvl1pPr>
-              <a:defRPr/>
-            </a:lvl1pPr>
-          </a:lstStyle>
+          <a:lstStyle/>
           <a:p>
             <a:pPr>
               <a:defRPr/>
@@ -3634,30 +3870,30 @@
       </p:sp>
       <p:sp>
         <p:nvSpPr>
-          <p:cNvPr id="7" name="Rectangle 6"/>
-          <p:cNvSpPr>
-            <a:spLocks noGrp="1" noChangeArrowheads="1"/>
+          <p:cNvPr id="7" name="Slide Number Placeholder 6">
+            <a:extLst>
+              <a:ext uri="{FF2B5EF4-FFF2-40B4-BE49-F238E27FC236}">
+                <a16:creationId xmlns:a16="http://schemas.microsoft.com/office/drawing/2014/main" id="{DD967656-785F-F74E-B5D8-937D889D10D1}"/>
+              </a:ext>
+            </a:extLst>
+          </p:cNvPr>
+          <p:cNvSpPr>
+            <a:spLocks noGrp="1"/>
           </p:cNvSpPr>
           <p:nvPr>
             <p:ph type="sldNum" sz="quarter" idx="12"/>
           </p:nvPr>
         </p:nvSpPr>
-        <p:spPr>
-          <a:ln/>
-        </p:spPr>
+        <p:spPr/>
         <p:txBody>
           <a:bodyPr/>
-          <a:lstStyle>
-            <a:lvl1pPr>
-              <a:defRPr/>
-            </a:lvl1pPr>
-          </a:lstStyle>
+          <a:lstStyle/>
           <a:p>
             <a:pPr>
               <a:defRPr/>
             </a:pPr>
             <a:fld id="{649F2998-4A34-5149-BAD4-7E934CA94668}" type="slidenum">
-              <a:rPr lang="en-US" altLang="en-US"/>
+              <a:rPr lang="en-US" altLang="en-US" smtClean="0"/>
               <a:pPr>
                 <a:defRPr/>
               </a:pPr>
@@ -3670,7 +3906,7 @@
     </p:spTree>
     <p:extLst>
       <p:ext uri="{BB962C8B-B14F-4D97-AF65-F5344CB8AC3E}">
-        <p14:creationId xmlns:p14="http://schemas.microsoft.com/office/powerpoint/2010/main" val="1484328671"/>
+        <p14:creationId xmlns:p14="http://schemas.microsoft.com/office/powerpoint/2010/main" val="281486426"/>
       </p:ext>
     </p:extLst>
   </p:cSld>
@@ -3699,7 +3935,13 @@
       </p:grpSpPr>
       <p:sp>
         <p:nvSpPr>
-          <p:cNvPr id="2" name="Title 1"/>
+          <p:cNvPr id="2" name="Title 1">
+            <a:extLst>
+              <a:ext uri="{FF2B5EF4-FFF2-40B4-BE49-F238E27FC236}">
+                <a16:creationId xmlns:a16="http://schemas.microsoft.com/office/drawing/2014/main" id="{FEF287A7-29EE-DB4B-A973-4B8AF456ECE3}"/>
+              </a:ext>
+            </a:extLst>
+          </p:cNvPr>
           <p:cNvSpPr>
             <a:spLocks noGrp="1"/>
           </p:cNvSpPr>
@@ -3709,15 +3951,15 @@
         </p:nvSpPr>
         <p:spPr>
           <a:xfrm>
-            <a:off x="8602664" y="23042262"/>
-            <a:ext cx="26335037" cy="2721576"/>
+            <a:off x="3023239" y="2194560"/>
+            <a:ext cx="14156053" cy="7680960"/>
           </a:xfrm>
         </p:spPr>
         <p:txBody>
           <a:bodyPr anchor="b"/>
           <a:lstStyle>
-            <a:lvl1pPr algn="l">
-              <a:defRPr sz="2000" b="1"/>
+            <a:lvl1pPr>
+              <a:defRPr sz="11520"/>
             </a:lvl1pPr>
           </a:lstStyle>
           <a:p>
@@ -3730,7 +3972,13 @@
       </p:sp>
       <p:sp>
         <p:nvSpPr>
-          <p:cNvPr id="3" name="Picture Placeholder 2"/>
+          <p:cNvPr id="3" name="Picture Placeholder 2">
+            <a:extLst>
+              <a:ext uri="{FF2B5EF4-FFF2-40B4-BE49-F238E27FC236}">
+                <a16:creationId xmlns:a16="http://schemas.microsoft.com/office/drawing/2014/main" id="{EEE51AAC-6B47-B146-BB89-8991474714EA}"/>
+              </a:ext>
+            </a:extLst>
+          </p:cNvPr>
           <p:cNvSpPr>
             <a:spLocks noGrp="1"/>
           </p:cNvSpPr>
@@ -3740,8 +3988,8 @@
         </p:nvSpPr>
         <p:spPr>
           <a:xfrm>
-            <a:off x="8602664" y="2940909"/>
-            <a:ext cx="26335037" cy="19750732"/>
+            <a:off x="18659477" y="4739642"/>
+            <a:ext cx="22219920" cy="23393400"/>
           </a:xfrm>
         </p:spPr>
         <p:txBody>
@@ -3749,50 +3997,55 @@
           <a:lstStyle>
             <a:lvl1pPr marL="0" indent="0">
               <a:buNone/>
-              <a:defRPr sz="3200"/>
+              <a:defRPr sz="11520"/>
             </a:lvl1pPr>
-            <a:lvl2pPr marL="457182" indent="0">
+            <a:lvl2pPr marL="1645920" indent="0">
               <a:buNone/>
-              <a:defRPr sz="2800"/>
+              <a:defRPr sz="10080"/>
             </a:lvl2pPr>
-            <a:lvl3pPr marL="914364" indent="0">
+            <a:lvl3pPr marL="3291840" indent="0">
               <a:buNone/>
-              <a:defRPr sz="2400"/>
+              <a:defRPr sz="8640"/>
             </a:lvl3pPr>
-            <a:lvl4pPr marL="1371545" indent="0">
+            <a:lvl4pPr marL="4937760" indent="0">
               <a:buNone/>
-              <a:defRPr sz="2000"/>
+              <a:defRPr sz="7200"/>
             </a:lvl4pPr>
-            <a:lvl5pPr marL="1828727" indent="0">
+            <a:lvl5pPr marL="6583680" indent="0">
               <a:buNone/>
-              <a:defRPr sz="2000"/>
+              <a:defRPr sz="7200"/>
             </a:lvl5pPr>
-            <a:lvl6pPr marL="2285909" indent="0">
+            <a:lvl6pPr marL="8229600" indent="0">
               <a:buNone/>
-              <a:defRPr sz="2000"/>
+              <a:defRPr sz="7200"/>
             </a:lvl6pPr>
-            <a:lvl7pPr marL="2743091" indent="0">
+            <a:lvl7pPr marL="9875520" indent="0">
               <a:buNone/>
-              <a:defRPr sz="2000"/>
+              <a:defRPr sz="7200"/>
             </a:lvl7pPr>
-            <a:lvl8pPr marL="3200272" indent="0">
+            <a:lvl8pPr marL="11521440" indent="0">
               <a:buNone/>
-              <a:defRPr sz="2000"/>
+              <a:defRPr sz="7200"/>
             </a:lvl8pPr>
-            <a:lvl9pPr marL="3657454" indent="0">
+            <a:lvl9pPr marL="13167360" indent="0">
               <a:buNone/>
-              <a:defRPr sz="2000"/>
+              <a:defRPr sz="7200"/>
             </a:lvl9pPr>
           </a:lstStyle>
           <a:p>
-            <a:pPr lvl="0"/>
-            <a:endParaRPr lang="en-US" noProof="0"/>
-          </a:p>
-        </p:txBody>
-      </p:sp>
-      <p:sp>
-        <p:nvSpPr>
-          <p:cNvPr id="4" name="Text Placeholder 3"/>
+            <a:endParaRPr lang="en-US"/>
+          </a:p>
+        </p:txBody>
+      </p:sp>
+      <p:sp>
+        <p:nvSpPr>
+          <p:cNvPr id="4" name="Text Placeholder 3">
+            <a:extLst>
+              <a:ext uri="{FF2B5EF4-FFF2-40B4-BE49-F238E27FC236}">
+                <a16:creationId xmlns:a16="http://schemas.microsoft.com/office/drawing/2014/main" id="{0F5F3B77-6E4B-A94D-96EA-033FC9BDCA76}"/>
+              </a:ext>
+            </a:extLst>
+          </p:cNvPr>
           <p:cNvSpPr>
             <a:spLocks noGrp="1"/>
           </p:cNvSpPr>
@@ -3802,8 +4055,8 @@
         </p:nvSpPr>
         <p:spPr>
           <a:xfrm>
-            <a:off x="8602664" y="25763838"/>
-            <a:ext cx="26335037" cy="3863032"/>
+            <a:off x="3023239" y="9875520"/>
+            <a:ext cx="14156053" cy="18295622"/>
           </a:xfrm>
         </p:spPr>
         <p:txBody>
@@ -3811,39 +4064,39 @@
           <a:lstStyle>
             <a:lvl1pPr marL="0" indent="0">
               <a:buNone/>
-              <a:defRPr sz="1400"/>
+              <a:defRPr sz="5760"/>
             </a:lvl1pPr>
-            <a:lvl2pPr marL="457182" indent="0">
+            <a:lvl2pPr marL="1645920" indent="0">
               <a:buNone/>
-              <a:defRPr sz="1200"/>
+              <a:defRPr sz="5040"/>
             </a:lvl2pPr>
-            <a:lvl3pPr marL="914364" indent="0">
+            <a:lvl3pPr marL="3291840" indent="0">
               <a:buNone/>
-              <a:defRPr sz="1000"/>
+              <a:defRPr sz="4320"/>
             </a:lvl3pPr>
-            <a:lvl4pPr marL="1371545" indent="0">
+            <a:lvl4pPr marL="4937760" indent="0">
               <a:buNone/>
-              <a:defRPr sz="900"/>
+              <a:defRPr sz="3600"/>
             </a:lvl4pPr>
-            <a:lvl5pPr marL="1828727" indent="0">
+            <a:lvl5pPr marL="6583680" indent="0">
               <a:buNone/>
-              <a:defRPr sz="900"/>
+              <a:defRPr sz="3600"/>
             </a:lvl5pPr>
-            <a:lvl6pPr marL="2285909" indent="0">
+            <a:lvl6pPr marL="8229600" indent="0">
               <a:buNone/>
-              <a:defRPr sz="900"/>
+              <a:defRPr sz="3600"/>
             </a:lvl6pPr>
-            <a:lvl7pPr marL="2743091" indent="0">
+            <a:lvl7pPr marL="9875520" indent="0">
               <a:buNone/>
-              <a:defRPr sz="900"/>
+              <a:defRPr sz="3600"/>
             </a:lvl7pPr>
-            <a:lvl8pPr marL="3200272" indent="0">
+            <a:lvl8pPr marL="11521440" indent="0">
               <a:buNone/>
-              <a:defRPr sz="900"/>
+              <a:defRPr sz="3600"/>
             </a:lvl8pPr>
-            <a:lvl9pPr marL="3657454" indent="0">
+            <a:lvl9pPr marL="13167360" indent="0">
               <a:buNone/>
-              <a:defRPr sz="900"/>
+              <a:defRPr sz="3600"/>
             </a:lvl9pPr>
           </a:lstStyle>
           <a:p>
@@ -3857,24 +4110,24 @@
       </p:sp>
       <p:sp>
         <p:nvSpPr>
-          <p:cNvPr id="5" name="Rectangle 4"/>
-          <p:cNvSpPr>
-            <a:spLocks noGrp="1" noChangeArrowheads="1"/>
+          <p:cNvPr id="5" name="Date Placeholder 4">
+            <a:extLst>
+              <a:ext uri="{FF2B5EF4-FFF2-40B4-BE49-F238E27FC236}">
+                <a16:creationId xmlns:a16="http://schemas.microsoft.com/office/drawing/2014/main" id="{EA1D0D5D-B30F-6548-8F13-9AE52578F5A5}"/>
+              </a:ext>
+            </a:extLst>
+          </p:cNvPr>
+          <p:cNvSpPr>
+            <a:spLocks noGrp="1"/>
           </p:cNvSpPr>
           <p:nvPr>
             <p:ph type="dt" sz="half" idx="10"/>
           </p:nvPr>
         </p:nvSpPr>
-        <p:spPr>
-          <a:ln/>
-        </p:spPr>
+        <p:spPr/>
         <p:txBody>
           <a:bodyPr/>
-          <a:lstStyle>
-            <a:lvl1pPr>
-              <a:defRPr/>
-            </a:lvl1pPr>
-          </a:lstStyle>
+          <a:lstStyle/>
           <a:p>
             <a:pPr>
               <a:defRPr/>
@@ -3885,24 +4138,24 @@
       </p:sp>
       <p:sp>
         <p:nvSpPr>
-          <p:cNvPr id="6" name="Rectangle 5"/>
-          <p:cNvSpPr>
-            <a:spLocks noGrp="1" noChangeArrowheads="1"/>
+          <p:cNvPr id="6" name="Footer Placeholder 5">
+            <a:extLst>
+              <a:ext uri="{FF2B5EF4-FFF2-40B4-BE49-F238E27FC236}">
+                <a16:creationId xmlns:a16="http://schemas.microsoft.com/office/drawing/2014/main" id="{7BD25D0D-0D90-0C47-AD93-31C684DFFB79}"/>
+              </a:ext>
+            </a:extLst>
+          </p:cNvPr>
+          <p:cNvSpPr>
+            <a:spLocks noGrp="1"/>
           </p:cNvSpPr>
           <p:nvPr>
             <p:ph type="ftr" sz="quarter" idx="11"/>
           </p:nvPr>
         </p:nvSpPr>
-        <p:spPr>
-          <a:ln/>
-        </p:spPr>
+        <p:spPr/>
         <p:txBody>
           <a:bodyPr/>
-          <a:lstStyle>
-            <a:lvl1pPr>
-              <a:defRPr/>
-            </a:lvl1pPr>
-          </a:lstStyle>
+          <a:lstStyle/>
           <a:p>
             <a:pPr>
               <a:defRPr/>
@@ -3913,30 +4166,30 @@
       </p:sp>
       <p:sp>
         <p:nvSpPr>
-          <p:cNvPr id="7" name="Rectangle 6"/>
-          <p:cNvSpPr>
-            <a:spLocks noGrp="1" noChangeArrowheads="1"/>
+          <p:cNvPr id="7" name="Slide Number Placeholder 6">
+            <a:extLst>
+              <a:ext uri="{FF2B5EF4-FFF2-40B4-BE49-F238E27FC236}">
+                <a16:creationId xmlns:a16="http://schemas.microsoft.com/office/drawing/2014/main" id="{C27184C8-556C-6549-AF10-3FFA924E5D6A}"/>
+              </a:ext>
+            </a:extLst>
+          </p:cNvPr>
+          <p:cNvSpPr>
+            <a:spLocks noGrp="1"/>
           </p:cNvSpPr>
           <p:nvPr>
             <p:ph type="sldNum" sz="quarter" idx="12"/>
           </p:nvPr>
         </p:nvSpPr>
-        <p:spPr>
-          <a:ln/>
-        </p:spPr>
+        <p:spPr/>
         <p:txBody>
           <a:bodyPr/>
-          <a:lstStyle>
-            <a:lvl1pPr>
-              <a:defRPr/>
-            </a:lvl1pPr>
-          </a:lstStyle>
+          <a:lstStyle/>
           <a:p>
             <a:pPr>
               <a:defRPr/>
             </a:pPr>
             <a:fld id="{F8B6621B-CADB-4745-9D8F-BDD0B4D0C2E8}" type="slidenum">
-              <a:rPr lang="en-US" altLang="en-US"/>
+              <a:rPr lang="en-US" altLang="en-US" smtClean="0"/>
               <a:pPr>
                 <a:defRPr/>
               </a:pPr>
@@ -3949,7 +4202,7 @@
     </p:spTree>
     <p:extLst>
       <p:ext uri="{BB962C8B-B14F-4D97-AF65-F5344CB8AC3E}">
-        <p14:creationId xmlns:p14="http://schemas.microsoft.com/office/powerpoint/2010/main" val="1941929945"/>
+        <p14:creationId xmlns:p14="http://schemas.microsoft.com/office/powerpoint/2010/main" val="3873181170"/>
       </p:ext>
     </p:extLst>
   </p:cSld>
@@ -3963,20 +4216,9 @@
 <p:sldMaster xmlns:a="http://schemas.openxmlformats.org/drawingml/2006/main" xmlns:r="http://schemas.openxmlformats.org/officeDocument/2006/relationships" xmlns:p="http://schemas.openxmlformats.org/presentationml/2006/main">
   <p:cSld>
     <p:bg>
-      <p:bgPr>
-        <a:gradFill rotWithShape="0">
-          <a:gsLst>
-            <a:gs pos="0">
-              <a:srgbClr val="000099"/>
-            </a:gs>
-            <a:gs pos="100000">
-              <a:srgbClr val="0000FF"/>
-            </a:gs>
-          </a:gsLst>
-          <a:lin ang="5400000" scaled="1"/>
-        </a:gradFill>
-        <a:effectLst/>
-      </p:bgPr>
+      <p:bgRef idx="1001">
+        <a:schemeClr val="bg1"/>
+      </p:bgRef>
     </p:bg>
     <p:spTree>
       <p:nvGrpSpPr>
@@ -3994,60 +4236,37 @@
       </p:grpSpPr>
       <p:sp>
         <p:nvSpPr>
-          <p:cNvPr id="1026" name="Rectangle 2"/>
-          <p:cNvSpPr>
-            <a:spLocks noGrp="1" noChangeArrowheads="1"/>
+          <p:cNvPr id="2" name="Title Placeholder 1">
+            <a:extLst>
+              <a:ext uri="{FF2B5EF4-FFF2-40B4-BE49-F238E27FC236}">
+                <a16:creationId xmlns:a16="http://schemas.microsoft.com/office/drawing/2014/main" id="{5C10F597-F275-9143-98D6-03ACEA109A4A}"/>
+              </a:ext>
+            </a:extLst>
+          </p:cNvPr>
+          <p:cNvSpPr>
+            <a:spLocks noGrp="1"/>
           </p:cNvSpPr>
           <p:nvPr>
             <p:ph type="title"/>
           </p:nvPr>
         </p:nvSpPr>
-        <p:spPr bwMode="auto">
+        <p:spPr>
           <a:xfrm>
-            <a:off x="2193925" y="1319213"/>
-            <a:ext cx="39503350" cy="5486400"/>
+            <a:off x="3017520" y="1752603"/>
+            <a:ext cx="37856160" cy="6362702"/>
           </a:xfrm>
           <a:prstGeom prst="rect">
             <a:avLst/>
           </a:prstGeom>
-          <a:noFill/>
-          <a:ln>
-            <a:noFill/>
-          </a:ln>
-          <a:extLst>
-            <a:ext uri="{909E8E84-426E-40dd-AFC4-6F175D3DCCD1}">
-              <a14:hiddenFill xmlns:a14="http://schemas.microsoft.com/office/drawing/2010/main" xmlns="">
-                <a:solidFill>
-                  <a:srgbClr val="FFFFFF"/>
-                </a:solidFill>
-              </a14:hiddenFill>
-            </a:ext>
-            <a:ext uri="{91240B29-F687-4f45-9708-019B960494DF}">
-              <a14:hiddenLine xmlns:a14="http://schemas.microsoft.com/office/drawing/2010/main" xmlns="" w="9525">
-                <a:solidFill>
-                  <a:srgbClr val="000000"/>
-                </a:solidFill>
-                <a:miter lim="800000"/>
-                <a:headEnd/>
-                <a:tailEnd/>
-              </a14:hiddenLine>
-            </a:ext>
-            <a:ext uri="{FAA26D3D-D897-4be2-8F04-BA451C77F1D7}">
-              <ma14:placeholderFlag xmlns:ma14="http://schemas.microsoft.com/office/mac/drawingml/2011/main" xmlns="" val="1"/>
-            </a:ext>
-          </a:extLst>
         </p:spPr>
         <p:txBody>
-          <a:bodyPr vert="horz" wrap="square" lIns="444109" tIns="222055" rIns="444109" bIns="222055" numCol="1" anchor="ctr" anchorCtr="0" compatLnSpc="1">
-            <a:prstTxWarp prst="textNoShape">
-              <a:avLst/>
-            </a:prstTxWarp>
+          <a:bodyPr vert="horz" lIns="91440" tIns="45720" rIns="91440" bIns="45720" rtlCol="0" anchor="ctr">
+            <a:normAutofit/>
           </a:bodyPr>
           <a:lstStyle/>
           <a:p>
-            <a:pPr lvl="0"/>
-            <a:r>
-              <a:rPr lang="en-US" altLang="en-US"/>
+            <a:r>
+              <a:rPr lang="en-US"/>
               <a:t>Click to edit Master title style</a:t>
             </a:r>
           </a:p>
@@ -4055,88 +4274,66 @@
       </p:sp>
       <p:sp>
         <p:nvSpPr>
-          <p:cNvPr id="1027" name="Rectangle 3"/>
-          <p:cNvSpPr>
-            <a:spLocks noGrp="1" noChangeArrowheads="1"/>
+          <p:cNvPr id="3" name="Text Placeholder 2">
+            <a:extLst>
+              <a:ext uri="{FF2B5EF4-FFF2-40B4-BE49-F238E27FC236}">
+                <a16:creationId xmlns:a16="http://schemas.microsoft.com/office/drawing/2014/main" id="{AD4082DD-AF55-834F-A46C-C080B141D3D0}"/>
+              </a:ext>
+            </a:extLst>
+          </p:cNvPr>
+          <p:cNvSpPr>
+            <a:spLocks noGrp="1"/>
           </p:cNvSpPr>
           <p:nvPr>
             <p:ph type="body" idx="1"/>
           </p:nvPr>
         </p:nvSpPr>
-        <p:spPr bwMode="auto">
+        <p:spPr>
           <a:xfrm>
-            <a:off x="2193925" y="7681913"/>
-            <a:ext cx="39503350" cy="21723350"/>
+            <a:off x="3017520" y="8763000"/>
+            <a:ext cx="37856160" cy="20886422"/>
           </a:xfrm>
           <a:prstGeom prst="rect">
             <a:avLst/>
           </a:prstGeom>
-          <a:noFill/>
-          <a:ln>
-            <a:noFill/>
-          </a:ln>
-          <a:extLst>
-            <a:ext uri="{909E8E84-426E-40dd-AFC4-6F175D3DCCD1}">
-              <a14:hiddenFill xmlns:a14="http://schemas.microsoft.com/office/drawing/2010/main" xmlns="">
-                <a:solidFill>
-                  <a:srgbClr val="FFFFFF"/>
-                </a:solidFill>
-              </a14:hiddenFill>
-            </a:ext>
-            <a:ext uri="{91240B29-F687-4f45-9708-019B960494DF}">
-              <a14:hiddenLine xmlns:a14="http://schemas.microsoft.com/office/drawing/2010/main" xmlns="" w="9525">
-                <a:solidFill>
-                  <a:srgbClr val="000000"/>
-                </a:solidFill>
-                <a:miter lim="800000"/>
-                <a:headEnd/>
-                <a:tailEnd/>
-              </a14:hiddenLine>
-            </a:ext>
-            <a:ext uri="{FAA26D3D-D897-4be2-8F04-BA451C77F1D7}">
-              <ma14:placeholderFlag xmlns:ma14="http://schemas.microsoft.com/office/mac/drawingml/2011/main" xmlns="" val="1"/>
-            </a:ext>
-          </a:extLst>
         </p:spPr>
         <p:txBody>
-          <a:bodyPr vert="horz" wrap="square" lIns="444109" tIns="222055" rIns="444109" bIns="222055" numCol="1" anchor="t" anchorCtr="0" compatLnSpc="1">
-            <a:prstTxWarp prst="textNoShape">
-              <a:avLst/>
-            </a:prstTxWarp>
+          <a:bodyPr vert="horz" lIns="91440" tIns="45720" rIns="91440" bIns="45720" rtlCol="0">
+            <a:normAutofit/>
           </a:bodyPr>
           <a:lstStyle/>
           <a:p>
             <a:pPr lvl="0"/>
             <a:r>
-              <a:rPr lang="en-US" altLang="en-US"/>
+              <a:rPr lang="en-US"/>
               <a:t>Click to edit Master text styles</a:t>
             </a:r>
           </a:p>
           <a:p>
             <a:pPr lvl="1"/>
             <a:r>
-              <a:rPr lang="en-US" altLang="en-US"/>
+              <a:rPr lang="en-US"/>
               <a:t>Second level</a:t>
             </a:r>
           </a:p>
           <a:p>
             <a:pPr lvl="2"/>
             <a:r>
-              <a:rPr lang="en-US" altLang="en-US"/>
+              <a:rPr lang="en-US"/>
               <a:t>Third level</a:t>
             </a:r>
           </a:p>
           <a:p>
             <a:pPr lvl="3"/>
             <a:r>
-              <a:rPr lang="en-US" altLang="en-US"/>
+              <a:rPr lang="en-US"/>
               <a:t>Fourth level</a:t>
             </a:r>
           </a:p>
           <a:p>
             <a:pPr lvl="4"/>
             <a:r>
-              <a:rPr lang="en-US" altLang="en-US"/>
+              <a:rPr lang="en-US"/>
               <a:t>Fifth level</a:t>
             </a:r>
           </a:p>
@@ -4144,43 +4341,39 @@
       </p:sp>
       <p:sp>
         <p:nvSpPr>
-          <p:cNvPr id="1028" name="Rectangle 4"/>
-          <p:cNvSpPr>
-            <a:spLocks noGrp="1" noChangeArrowheads="1"/>
+          <p:cNvPr id="4" name="Date Placeholder 3">
+            <a:extLst>
+              <a:ext uri="{FF2B5EF4-FFF2-40B4-BE49-F238E27FC236}">
+                <a16:creationId xmlns:a16="http://schemas.microsoft.com/office/drawing/2014/main" id="{DE254AB0-942E-0D44-AE16-9AD5BDBA4478}"/>
+              </a:ext>
+            </a:extLst>
+          </p:cNvPr>
+          <p:cNvSpPr>
+            <a:spLocks noGrp="1"/>
           </p:cNvSpPr>
           <p:nvPr>
             <p:ph type="dt" sz="half" idx="2"/>
           </p:nvPr>
         </p:nvSpPr>
-        <p:spPr bwMode="auto">
+        <p:spPr>
           <a:xfrm>
-            <a:off x="2193925" y="29976763"/>
-            <a:ext cx="10242550" cy="2286000"/>
+            <a:off x="3017520" y="30510482"/>
+            <a:ext cx="9875520" cy="1752600"/>
           </a:xfrm>
           <a:prstGeom prst="rect">
             <a:avLst/>
           </a:prstGeom>
-          <a:noFill/>
-          <a:ln w="9525">
-            <a:noFill/>
-            <a:miter lim="800000"/>
-            <a:headEnd/>
-            <a:tailEnd/>
-          </a:ln>
-          <a:effectLst/>
         </p:spPr>
         <p:txBody>
-          <a:bodyPr vert="horz" wrap="square" lIns="444109" tIns="222055" rIns="444109" bIns="222055" numCol="1" anchor="t" anchorCtr="0" compatLnSpc="1">
-            <a:prstTxWarp prst="textNoShape">
-              <a:avLst/>
-            </a:prstTxWarp>
-          </a:bodyPr>
+          <a:bodyPr vert="horz" lIns="91440" tIns="45720" rIns="91440" bIns="45720" rtlCol="0" anchor="ctr"/>
           <a:lstStyle>
-            <a:lvl1pPr eaLnBrk="1" hangingPunct="1">
-              <a:defRPr sz="6799" smtClean="0">
-                <a:latin typeface="Arial" panose="020B0604020202020204" pitchFamily="34" charset="0"/>
-                <a:ea typeface="+mn-ea"/>
-                <a:cs typeface="Arial" panose="020B0604020202020204" pitchFamily="34" charset="0"/>
+            <a:lvl1pPr algn="l">
+              <a:defRPr sz="4320">
+                <a:solidFill>
+                  <a:schemeClr val="tx1">
+                    <a:tint val="75000"/>
+                  </a:schemeClr>
+                </a:solidFill>
               </a:defRPr>
             </a:lvl1pPr>
           </a:lstStyle>
@@ -4194,43 +4387,39 @@
       </p:sp>
       <p:sp>
         <p:nvSpPr>
-          <p:cNvPr id="1029" name="Rectangle 5"/>
-          <p:cNvSpPr>
-            <a:spLocks noGrp="1" noChangeArrowheads="1"/>
+          <p:cNvPr id="5" name="Footer Placeholder 4">
+            <a:extLst>
+              <a:ext uri="{FF2B5EF4-FFF2-40B4-BE49-F238E27FC236}">
+                <a16:creationId xmlns:a16="http://schemas.microsoft.com/office/drawing/2014/main" id="{12CE1178-9664-DA4C-893C-81503991E6B6}"/>
+              </a:ext>
+            </a:extLst>
+          </p:cNvPr>
+          <p:cNvSpPr>
+            <a:spLocks noGrp="1"/>
           </p:cNvSpPr>
           <p:nvPr>
             <p:ph type="ftr" sz="quarter" idx="3"/>
           </p:nvPr>
         </p:nvSpPr>
-        <p:spPr bwMode="auto">
+        <p:spPr>
           <a:xfrm>
-            <a:off x="14995525" y="29976763"/>
-            <a:ext cx="13900150" cy="2286000"/>
+            <a:off x="14538960" y="30510482"/>
+            <a:ext cx="14813280" cy="1752600"/>
           </a:xfrm>
           <a:prstGeom prst="rect">
             <a:avLst/>
           </a:prstGeom>
-          <a:noFill/>
-          <a:ln w="9525">
-            <a:noFill/>
-            <a:miter lim="800000"/>
-            <a:headEnd/>
-            <a:tailEnd/>
-          </a:ln>
-          <a:effectLst/>
         </p:spPr>
         <p:txBody>
-          <a:bodyPr vert="horz" wrap="square" lIns="444109" tIns="222055" rIns="444109" bIns="222055" numCol="1" anchor="t" anchorCtr="0" compatLnSpc="1">
-            <a:prstTxWarp prst="textNoShape">
-              <a:avLst/>
-            </a:prstTxWarp>
-          </a:bodyPr>
+          <a:bodyPr vert="horz" lIns="91440" tIns="45720" rIns="91440" bIns="45720" rtlCol="0" anchor="ctr"/>
           <a:lstStyle>
-            <a:lvl1pPr algn="ctr" eaLnBrk="1" hangingPunct="1">
-              <a:defRPr sz="6799" smtClean="0">
-                <a:latin typeface="Arial" panose="020B0604020202020204" pitchFamily="34" charset="0"/>
-                <a:ea typeface="+mn-ea"/>
-                <a:cs typeface="Arial" panose="020B0604020202020204" pitchFamily="34" charset="0"/>
+            <a:lvl1pPr algn="ctr">
+              <a:defRPr sz="4320">
+                <a:solidFill>
+                  <a:schemeClr val="tx1">
+                    <a:tint val="75000"/>
+                  </a:schemeClr>
+                </a:solidFill>
               </a:defRPr>
             </a:lvl1pPr>
           </a:lstStyle>
@@ -4244,43 +4433,39 @@
       </p:sp>
       <p:sp>
         <p:nvSpPr>
-          <p:cNvPr id="1030" name="Rectangle 6"/>
-          <p:cNvSpPr>
-            <a:spLocks noGrp="1" noChangeArrowheads="1"/>
+          <p:cNvPr id="6" name="Slide Number Placeholder 5">
+            <a:extLst>
+              <a:ext uri="{FF2B5EF4-FFF2-40B4-BE49-F238E27FC236}">
+                <a16:creationId xmlns:a16="http://schemas.microsoft.com/office/drawing/2014/main" id="{45665BA8-FAB2-F049-84D6-62450698D84E}"/>
+              </a:ext>
+            </a:extLst>
+          </p:cNvPr>
+          <p:cNvSpPr>
+            <a:spLocks noGrp="1"/>
           </p:cNvSpPr>
           <p:nvPr>
             <p:ph type="sldNum" sz="quarter" idx="4"/>
           </p:nvPr>
         </p:nvSpPr>
-        <p:spPr bwMode="auto">
+        <p:spPr>
           <a:xfrm>
-            <a:off x="31454725" y="29976763"/>
-            <a:ext cx="10242550" cy="2286000"/>
+            <a:off x="30998160" y="30510482"/>
+            <a:ext cx="9875520" cy="1752600"/>
           </a:xfrm>
           <a:prstGeom prst="rect">
             <a:avLst/>
           </a:prstGeom>
-          <a:noFill/>
-          <a:ln w="9525">
-            <a:noFill/>
-            <a:miter lim="800000"/>
-            <a:headEnd/>
-            <a:tailEnd/>
-          </a:ln>
-          <a:effectLst/>
         </p:spPr>
         <p:txBody>
-          <a:bodyPr vert="horz" wrap="square" lIns="444109" tIns="222055" rIns="444109" bIns="222055" numCol="1" anchor="t" anchorCtr="0" compatLnSpc="1">
-            <a:prstTxWarp prst="textNoShape">
-              <a:avLst/>
-            </a:prstTxWarp>
-          </a:bodyPr>
+          <a:bodyPr vert="horz" lIns="91440" tIns="45720" rIns="91440" bIns="45720" rtlCol="0" anchor="ctr"/>
           <a:lstStyle>
-            <a:lvl1pPr algn="r" eaLnBrk="1" hangingPunct="1">
-              <a:defRPr sz="6799" smtClean="0">
-                <a:latin typeface="Arial" panose="020B0604020202020204" pitchFamily="34" charset="0"/>
-                <a:ea typeface="+mn-ea"/>
-                <a:cs typeface="Arial" panose="020B0604020202020204" pitchFamily="34" charset="0"/>
+            <a:lvl1pPr algn="r">
+              <a:defRPr sz="4320">
+                <a:solidFill>
+                  <a:schemeClr val="tx1">
+                    <a:tint val="75000"/>
+                  </a:schemeClr>
+                </a:solidFill>
               </a:defRPr>
             </a:lvl1pPr>
           </a:lstStyle>
@@ -4289,7 +4474,7 @@
               <a:defRPr/>
             </a:pPr>
             <a:fld id="{42D65E68-F9C8-B149-A211-A15886FDA89E}" type="slidenum">
-              <a:rPr lang="en-US" altLang="en-US"/>
+              <a:rPr lang="en-US" altLang="en-US" smtClean="0"/>
               <a:pPr>
                 <a:defRPr/>
               </a:pPr>
@@ -4300,312 +4485,207 @@
         </p:txBody>
       </p:sp>
     </p:spTree>
+    <p:extLst>
+      <p:ext uri="{BB962C8B-B14F-4D97-AF65-F5344CB8AC3E}">
+        <p14:creationId xmlns:p14="http://schemas.microsoft.com/office/powerpoint/2010/main" val="3039138479"/>
+      </p:ext>
+    </p:extLst>
   </p:cSld>
   <p:clrMap bg1="lt1" tx1="dk1" bg2="lt2" tx2="dk2" accent1="accent1" accent2="accent2" accent3="accent3" accent4="accent4" accent5="accent5" accent6="accent6" hlink="hlink" folHlink="folHlink"/>
   <p:sldLayoutIdLst>
-    <p:sldLayoutId id="2147483649" r:id="rId1"/>
-    <p:sldLayoutId id="2147483650" r:id="rId2"/>
-    <p:sldLayoutId id="2147483651" r:id="rId3"/>
-    <p:sldLayoutId id="2147483652" r:id="rId4"/>
-    <p:sldLayoutId id="2147483653" r:id="rId5"/>
-    <p:sldLayoutId id="2147483654" r:id="rId6"/>
-    <p:sldLayoutId id="2147483655" r:id="rId7"/>
-    <p:sldLayoutId id="2147483656" r:id="rId8"/>
-    <p:sldLayoutId id="2147483657" r:id="rId9"/>
-    <p:sldLayoutId id="2147483658" r:id="rId10"/>
-    <p:sldLayoutId id="2147483659" r:id="rId11"/>
-    <p:sldLayoutId id="2147483660" r:id="rId12"/>
+    <p:sldLayoutId id="2147483662" r:id="rId1"/>
+    <p:sldLayoutId id="2147483663" r:id="rId2"/>
+    <p:sldLayoutId id="2147483664" r:id="rId3"/>
+    <p:sldLayoutId id="2147483665" r:id="rId4"/>
+    <p:sldLayoutId id="2147483666" r:id="rId5"/>
+    <p:sldLayoutId id="2147483667" r:id="rId6"/>
+    <p:sldLayoutId id="2147483668" r:id="rId7"/>
+    <p:sldLayoutId id="2147483669" r:id="rId8"/>
+    <p:sldLayoutId id="2147483670" r:id="rId9"/>
+    <p:sldLayoutId id="2147483671" r:id="rId10"/>
+    <p:sldLayoutId id="2147483672" r:id="rId11"/>
+    <p:sldLayoutId id="2147483673" r:id="rId12"/>
   </p:sldLayoutIdLst>
   <p:txStyles>
     <p:titleStyle>
-      <a:lvl1pPr algn="ctr" defTabSz="4440060" rtl="0" eaLnBrk="0" fontAlgn="base" hangingPunct="0">
+      <a:lvl1pPr algn="l" defTabSz="3291840" rtl="0" eaLnBrk="1" latinLnBrk="0" hangingPunct="1">
+        <a:lnSpc>
+          <a:spcPct val="90000"/>
+        </a:lnSpc>
         <a:spcBef>
           <a:spcPct val="0"/>
         </a:spcBef>
-        <a:spcAft>
-          <a:spcPct val="0"/>
-        </a:spcAft>
-        <a:defRPr sz="21400">
+        <a:buNone/>
+        <a:defRPr sz="15840" kern="1200">
           <a:solidFill>
-            <a:schemeClr val="tx2"/>
+            <a:schemeClr val="tx1"/>
           </a:solidFill>
           <a:latin typeface="+mj-lt"/>
-          <a:ea typeface="Arial" charset="0"/>
+          <a:ea typeface="+mj-ea"/>
           <a:cs typeface="+mj-cs"/>
         </a:defRPr>
       </a:lvl1pPr>
-      <a:lvl2pPr algn="ctr" defTabSz="4440060" rtl="0" eaLnBrk="0" fontAlgn="base" hangingPunct="0">
-        <a:spcBef>
-          <a:spcPct val="0"/>
-        </a:spcBef>
-        <a:spcAft>
-          <a:spcPct val="0"/>
-        </a:spcAft>
-        <a:defRPr sz="21400">
-          <a:solidFill>
-            <a:schemeClr val="tx2"/>
-          </a:solidFill>
-          <a:latin typeface="Arial" charset="0"/>
-          <a:ea typeface="Arial" charset="0"/>
-          <a:cs typeface="Arial" charset="0"/>
-        </a:defRPr>
-      </a:lvl2pPr>
-      <a:lvl3pPr algn="ctr" defTabSz="4440060" rtl="0" eaLnBrk="0" fontAlgn="base" hangingPunct="0">
-        <a:spcBef>
-          <a:spcPct val="0"/>
-        </a:spcBef>
-        <a:spcAft>
-          <a:spcPct val="0"/>
-        </a:spcAft>
-        <a:defRPr sz="21400">
-          <a:solidFill>
-            <a:schemeClr val="tx2"/>
-          </a:solidFill>
-          <a:latin typeface="Arial" charset="0"/>
-          <a:ea typeface="Arial" charset="0"/>
-          <a:cs typeface="Arial" charset="0"/>
-        </a:defRPr>
-      </a:lvl3pPr>
-      <a:lvl4pPr algn="ctr" defTabSz="4440060" rtl="0" eaLnBrk="0" fontAlgn="base" hangingPunct="0">
-        <a:spcBef>
-          <a:spcPct val="0"/>
-        </a:spcBef>
-        <a:spcAft>
-          <a:spcPct val="0"/>
-        </a:spcAft>
-        <a:defRPr sz="21400">
-          <a:solidFill>
-            <a:schemeClr val="tx2"/>
-          </a:solidFill>
-          <a:latin typeface="Arial" charset="0"/>
-          <a:ea typeface="Arial" charset="0"/>
-          <a:cs typeface="Arial" charset="0"/>
-        </a:defRPr>
-      </a:lvl4pPr>
-      <a:lvl5pPr algn="ctr" defTabSz="4440060" rtl="0" eaLnBrk="0" fontAlgn="base" hangingPunct="0">
-        <a:spcBef>
-          <a:spcPct val="0"/>
-        </a:spcBef>
-        <a:spcAft>
-          <a:spcPct val="0"/>
-        </a:spcAft>
-        <a:defRPr sz="21400">
-          <a:solidFill>
-            <a:schemeClr val="tx2"/>
-          </a:solidFill>
-          <a:latin typeface="Arial" charset="0"/>
-          <a:ea typeface="Arial" charset="0"/>
-          <a:cs typeface="Arial" charset="0"/>
-        </a:defRPr>
-      </a:lvl5pPr>
-      <a:lvl6pPr marL="457182" algn="ctr" defTabSz="4440060" rtl="0" fontAlgn="base">
-        <a:spcBef>
-          <a:spcPct val="0"/>
-        </a:spcBef>
-        <a:spcAft>
-          <a:spcPct val="0"/>
-        </a:spcAft>
-        <a:defRPr sz="21400">
-          <a:solidFill>
-            <a:schemeClr val="tx2"/>
-          </a:solidFill>
-          <a:latin typeface="Arial" charset="0"/>
-          <a:cs typeface="Arial" charset="0"/>
-        </a:defRPr>
-      </a:lvl6pPr>
-      <a:lvl7pPr marL="914364" algn="ctr" defTabSz="4440060" rtl="0" fontAlgn="base">
-        <a:spcBef>
-          <a:spcPct val="0"/>
-        </a:spcBef>
-        <a:spcAft>
-          <a:spcPct val="0"/>
-        </a:spcAft>
-        <a:defRPr sz="21400">
-          <a:solidFill>
-            <a:schemeClr val="tx2"/>
-          </a:solidFill>
-          <a:latin typeface="Arial" charset="0"/>
-          <a:cs typeface="Arial" charset="0"/>
-        </a:defRPr>
-      </a:lvl7pPr>
-      <a:lvl8pPr marL="1371545" algn="ctr" defTabSz="4440060" rtl="0" fontAlgn="base">
-        <a:spcBef>
-          <a:spcPct val="0"/>
-        </a:spcBef>
-        <a:spcAft>
-          <a:spcPct val="0"/>
-        </a:spcAft>
-        <a:defRPr sz="21400">
-          <a:solidFill>
-            <a:schemeClr val="tx2"/>
-          </a:solidFill>
-          <a:latin typeface="Arial" charset="0"/>
-          <a:cs typeface="Arial" charset="0"/>
-        </a:defRPr>
-      </a:lvl8pPr>
-      <a:lvl9pPr marL="1828727" algn="ctr" defTabSz="4440060" rtl="0" fontAlgn="base">
-        <a:spcBef>
-          <a:spcPct val="0"/>
-        </a:spcBef>
-        <a:spcAft>
-          <a:spcPct val="0"/>
-        </a:spcAft>
-        <a:defRPr sz="21400">
-          <a:solidFill>
-            <a:schemeClr val="tx2"/>
-          </a:solidFill>
-          <a:latin typeface="Arial" charset="0"/>
-          <a:cs typeface="Arial" charset="0"/>
-        </a:defRPr>
-      </a:lvl9pPr>
     </p:titleStyle>
     <p:bodyStyle>
-      <a:lvl1pPr marL="1666808" indent="-1666808" algn="l" defTabSz="4440060" rtl="0" eaLnBrk="0" fontAlgn="base" hangingPunct="0">
+      <a:lvl1pPr marL="822960" indent="-822960" algn="l" defTabSz="3291840" rtl="0" eaLnBrk="1" latinLnBrk="0" hangingPunct="1">
+        <a:lnSpc>
+          <a:spcPct val="90000"/>
+        </a:lnSpc>
         <a:spcBef>
-          <a:spcPct val="20000"/>
+          <a:spcPts val="3600"/>
         </a:spcBef>
-        <a:spcAft>
-          <a:spcPct val="0"/>
-        </a:spcAft>
+        <a:buFont typeface="Arial" panose="020B0604020202020204" pitchFamily="34" charset="0"/>
         <a:buChar char="•"/>
-        <a:defRPr sz="15599">
+        <a:defRPr sz="10080" kern="1200">
           <a:solidFill>
             <a:schemeClr val="tx1"/>
           </a:solidFill>
           <a:latin typeface="+mn-lt"/>
-          <a:ea typeface="Arial" charset="0"/>
+          <a:ea typeface="+mn-ea"/>
           <a:cs typeface="+mn-cs"/>
         </a:defRPr>
       </a:lvl1pPr>
-      <a:lvl2pPr marL="3608244" indent="-1387420" algn="l" defTabSz="4440060" rtl="0" eaLnBrk="0" fontAlgn="base" hangingPunct="0">
+      <a:lvl2pPr marL="2468880" indent="-822960" algn="l" defTabSz="3291840" rtl="0" eaLnBrk="1" latinLnBrk="0" hangingPunct="1">
+        <a:lnSpc>
+          <a:spcPct val="90000"/>
+        </a:lnSpc>
         <a:spcBef>
-          <a:spcPct val="20000"/>
+          <a:spcPts val="1800"/>
         </a:spcBef>
-        <a:spcAft>
-          <a:spcPct val="0"/>
-        </a:spcAft>
-        <a:buChar char="–"/>
-        <a:defRPr sz="13600">
+        <a:buFont typeface="Arial" panose="020B0604020202020204" pitchFamily="34" charset="0"/>
+        <a:buChar char="•"/>
+        <a:defRPr sz="8640" kern="1200">
           <a:solidFill>
             <a:schemeClr val="tx1"/>
           </a:solidFill>
           <a:latin typeface="+mn-lt"/>
-          <a:ea typeface="Arial" charset="0"/>
+          <a:ea typeface="+mn-ea"/>
           <a:cs typeface="+mn-cs"/>
         </a:defRPr>
       </a:lvl2pPr>
-      <a:lvl3pPr marL="5551266" indent="-1111206" algn="l" defTabSz="4440060" rtl="0" eaLnBrk="0" fontAlgn="base" hangingPunct="0">
+      <a:lvl3pPr marL="4114800" indent="-822960" algn="l" defTabSz="3291840" rtl="0" eaLnBrk="1" latinLnBrk="0" hangingPunct="1">
+        <a:lnSpc>
+          <a:spcPct val="90000"/>
+        </a:lnSpc>
         <a:spcBef>
-          <a:spcPct val="20000"/>
+          <a:spcPts val="1800"/>
         </a:spcBef>
-        <a:spcAft>
-          <a:spcPct val="0"/>
-        </a:spcAft>
+        <a:buFont typeface="Arial" panose="020B0604020202020204" pitchFamily="34" charset="0"/>
         <a:buChar char="•"/>
-        <a:defRPr sz="11700">
+        <a:defRPr sz="7200" kern="1200">
           <a:solidFill>
             <a:schemeClr val="tx1"/>
           </a:solidFill>
           <a:latin typeface="+mn-lt"/>
-          <a:ea typeface="Arial" charset="0"/>
+          <a:ea typeface="+mn-ea"/>
           <a:cs typeface="+mn-cs"/>
         </a:defRPr>
       </a:lvl3pPr>
-      <a:lvl4pPr marL="7770502" indent="-1109618" algn="l" defTabSz="4440060" rtl="0" eaLnBrk="0" fontAlgn="base" hangingPunct="0">
+      <a:lvl4pPr marL="5760720" indent="-822960" algn="l" defTabSz="3291840" rtl="0" eaLnBrk="1" latinLnBrk="0" hangingPunct="1">
+        <a:lnSpc>
+          <a:spcPct val="90000"/>
+        </a:lnSpc>
         <a:spcBef>
-          <a:spcPct val="20000"/>
+          <a:spcPts val="1800"/>
         </a:spcBef>
-        <a:spcAft>
-          <a:spcPct val="0"/>
-        </a:spcAft>
-        <a:buChar char="–"/>
-        <a:defRPr sz="9700">
+        <a:buFont typeface="Arial" panose="020B0604020202020204" pitchFamily="34" charset="0"/>
+        <a:buChar char="•"/>
+        <a:defRPr sz="6480" kern="1200">
           <a:solidFill>
             <a:schemeClr val="tx1"/>
           </a:solidFill>
           <a:latin typeface="+mn-lt"/>
-          <a:ea typeface="Arial" charset="0"/>
+          <a:ea typeface="+mn-ea"/>
           <a:cs typeface="+mn-cs"/>
         </a:defRPr>
       </a:lvl4pPr>
-      <a:lvl5pPr marL="9991325" indent="-1109618" algn="l" defTabSz="4440060" rtl="0" eaLnBrk="0" fontAlgn="base" hangingPunct="0">
+      <a:lvl5pPr marL="7406640" indent="-822960" algn="l" defTabSz="3291840" rtl="0" eaLnBrk="1" latinLnBrk="0" hangingPunct="1">
+        <a:lnSpc>
+          <a:spcPct val="90000"/>
+        </a:lnSpc>
         <a:spcBef>
-          <a:spcPct val="20000"/>
+          <a:spcPts val="1800"/>
         </a:spcBef>
-        <a:spcAft>
-          <a:spcPct val="0"/>
-        </a:spcAft>
-        <a:buChar char="»"/>
-        <a:defRPr sz="9700">
+        <a:buFont typeface="Arial" panose="020B0604020202020204" pitchFamily="34" charset="0"/>
+        <a:buChar char="•"/>
+        <a:defRPr sz="6480" kern="1200">
           <a:solidFill>
             <a:schemeClr val="tx1"/>
           </a:solidFill>
           <a:latin typeface="+mn-lt"/>
-          <a:ea typeface="Arial" charset="0"/>
+          <a:ea typeface="+mn-ea"/>
           <a:cs typeface="+mn-cs"/>
         </a:defRPr>
       </a:lvl5pPr>
-      <a:lvl6pPr marL="10448507" indent="-1109618" algn="l" defTabSz="4440060" rtl="0" fontAlgn="base">
+      <a:lvl6pPr marL="9052560" indent="-822960" algn="l" defTabSz="3291840" rtl="0" eaLnBrk="1" latinLnBrk="0" hangingPunct="1">
+        <a:lnSpc>
+          <a:spcPct val="90000"/>
+        </a:lnSpc>
         <a:spcBef>
-          <a:spcPct val="20000"/>
+          <a:spcPts val="1800"/>
         </a:spcBef>
-        <a:spcAft>
-          <a:spcPct val="0"/>
-        </a:spcAft>
-        <a:buChar char="»"/>
-        <a:defRPr sz="9700">
+        <a:buFont typeface="Arial" panose="020B0604020202020204" pitchFamily="34" charset="0"/>
+        <a:buChar char="•"/>
+        <a:defRPr sz="6480" kern="1200">
           <a:solidFill>
             <a:schemeClr val="tx1"/>
           </a:solidFill>
           <a:latin typeface="+mn-lt"/>
+          <a:ea typeface="+mn-ea"/>
           <a:cs typeface="+mn-cs"/>
         </a:defRPr>
       </a:lvl6pPr>
-      <a:lvl7pPr marL="10905689" indent="-1109618" algn="l" defTabSz="4440060" rtl="0" fontAlgn="base">
+      <a:lvl7pPr marL="10698480" indent="-822960" algn="l" defTabSz="3291840" rtl="0" eaLnBrk="1" latinLnBrk="0" hangingPunct="1">
+        <a:lnSpc>
+          <a:spcPct val="90000"/>
+        </a:lnSpc>
         <a:spcBef>
-          <a:spcPct val="20000"/>
+          <a:spcPts val="1800"/>
         </a:spcBef>
-        <a:spcAft>
-          <a:spcPct val="0"/>
-        </a:spcAft>
-        <a:buChar char="»"/>
-        <a:defRPr sz="9700">
+        <a:buFont typeface="Arial" panose="020B0604020202020204" pitchFamily="34" charset="0"/>
+        <a:buChar char="•"/>
+        <a:defRPr sz="6480" kern="1200">
           <a:solidFill>
             <a:schemeClr val="tx1"/>
           </a:solidFill>
           <a:latin typeface="+mn-lt"/>
+          <a:ea typeface="+mn-ea"/>
           <a:cs typeface="+mn-cs"/>
         </a:defRPr>
       </a:lvl7pPr>
-      <a:lvl8pPr marL="11362871" indent="-1109618" algn="l" defTabSz="4440060" rtl="0" fontAlgn="base">
+      <a:lvl8pPr marL="12344400" indent="-822960" algn="l" defTabSz="3291840" rtl="0" eaLnBrk="1" latinLnBrk="0" hangingPunct="1">
+        <a:lnSpc>
+          <a:spcPct val="90000"/>
+        </a:lnSpc>
         <a:spcBef>
-          <a:spcPct val="20000"/>
+          <a:spcPts val="1800"/>
         </a:spcBef>
-        <a:spcAft>
-          <a:spcPct val="0"/>
-        </a:spcAft>
-        <a:buChar char="»"/>
-        <a:defRPr sz="9700">
+        <a:buFont typeface="Arial" panose="020B0604020202020204" pitchFamily="34" charset="0"/>
+        <a:buChar char="•"/>
+        <a:defRPr sz="6480" kern="1200">
           <a:solidFill>
             <a:schemeClr val="tx1"/>
           </a:solidFill>
           <a:latin typeface="+mn-lt"/>
+          <a:ea typeface="+mn-ea"/>
           <a:cs typeface="+mn-cs"/>
         </a:defRPr>
       </a:lvl8pPr>
-      <a:lvl9pPr marL="11820052" indent="-1109618" algn="l" defTabSz="4440060" rtl="0" fontAlgn="base">
+      <a:lvl9pPr marL="13990320" indent="-822960" algn="l" defTabSz="3291840" rtl="0" eaLnBrk="1" latinLnBrk="0" hangingPunct="1">
+        <a:lnSpc>
+          <a:spcPct val="90000"/>
+        </a:lnSpc>
         <a:spcBef>
-          <a:spcPct val="20000"/>
+          <a:spcPts val="1800"/>
         </a:spcBef>
-        <a:spcAft>
-          <a:spcPct val="0"/>
-        </a:spcAft>
-        <a:buChar char="»"/>
-        <a:defRPr sz="9700">
+        <a:buFont typeface="Arial" panose="020B0604020202020204" pitchFamily="34" charset="0"/>
+        <a:buChar char="•"/>
+        <a:defRPr sz="6480" kern="1200">
           <a:solidFill>
             <a:schemeClr val="tx1"/>
           </a:solidFill>
           <a:latin typeface="+mn-lt"/>
+          <a:ea typeface="+mn-ea"/>
           <a:cs typeface="+mn-cs"/>
         </a:defRPr>
       </a:lvl9pPr>
@@ -4614,8 +4694,8 @@
       <a:defPPr>
         <a:defRPr lang="en-US"/>
       </a:defPPr>
-      <a:lvl1pPr marL="0" algn="l" defTabSz="914364" rtl="0" eaLnBrk="1" latinLnBrk="0" hangingPunct="1">
-        <a:defRPr sz="1800" kern="1200">
+      <a:lvl1pPr marL="0" algn="l" defTabSz="3291840" rtl="0" eaLnBrk="1" latinLnBrk="0" hangingPunct="1">
+        <a:defRPr sz="6480" kern="1200">
           <a:solidFill>
             <a:schemeClr val="tx1"/>
           </a:solidFill>
@@ -4624,8 +4704,8 @@
           <a:cs typeface="+mn-cs"/>
         </a:defRPr>
       </a:lvl1pPr>
-      <a:lvl2pPr marL="457182" algn="l" defTabSz="914364" rtl="0" eaLnBrk="1" latinLnBrk="0" hangingPunct="1">
-        <a:defRPr sz="1800" kern="1200">
+      <a:lvl2pPr marL="1645920" algn="l" defTabSz="3291840" rtl="0" eaLnBrk="1" latinLnBrk="0" hangingPunct="1">
+        <a:defRPr sz="6480" kern="1200">
           <a:solidFill>
             <a:schemeClr val="tx1"/>
           </a:solidFill>
@@ -4634,8 +4714,8 @@
           <a:cs typeface="+mn-cs"/>
         </a:defRPr>
       </a:lvl2pPr>
-      <a:lvl3pPr marL="914364" algn="l" defTabSz="914364" rtl="0" eaLnBrk="1" latinLnBrk="0" hangingPunct="1">
-        <a:defRPr sz="1800" kern="1200">
+      <a:lvl3pPr marL="3291840" algn="l" defTabSz="3291840" rtl="0" eaLnBrk="1" latinLnBrk="0" hangingPunct="1">
+        <a:defRPr sz="6480" kern="1200">
           <a:solidFill>
             <a:schemeClr val="tx1"/>
           </a:solidFill>
@@ -4644,8 +4724,8 @@
           <a:cs typeface="+mn-cs"/>
         </a:defRPr>
       </a:lvl3pPr>
-      <a:lvl4pPr marL="1371545" algn="l" defTabSz="914364" rtl="0" eaLnBrk="1" latinLnBrk="0" hangingPunct="1">
-        <a:defRPr sz="1800" kern="1200">
+      <a:lvl4pPr marL="4937760" algn="l" defTabSz="3291840" rtl="0" eaLnBrk="1" latinLnBrk="0" hangingPunct="1">
+        <a:defRPr sz="6480" kern="1200">
           <a:solidFill>
             <a:schemeClr val="tx1"/>
           </a:solidFill>
@@ -4654,8 +4734,8 @@
           <a:cs typeface="+mn-cs"/>
         </a:defRPr>
       </a:lvl4pPr>
-      <a:lvl5pPr marL="1828727" algn="l" defTabSz="914364" rtl="0" eaLnBrk="1" latinLnBrk="0" hangingPunct="1">
-        <a:defRPr sz="1800" kern="1200">
+      <a:lvl5pPr marL="6583680" algn="l" defTabSz="3291840" rtl="0" eaLnBrk="1" latinLnBrk="0" hangingPunct="1">
+        <a:defRPr sz="6480" kern="1200">
           <a:solidFill>
             <a:schemeClr val="tx1"/>
           </a:solidFill>
@@ -4664,8 +4744,8 @@
           <a:cs typeface="+mn-cs"/>
         </a:defRPr>
       </a:lvl5pPr>
-      <a:lvl6pPr marL="2285909" algn="l" defTabSz="914364" rtl="0" eaLnBrk="1" latinLnBrk="0" hangingPunct="1">
-        <a:defRPr sz="1800" kern="1200">
+      <a:lvl6pPr marL="8229600" algn="l" defTabSz="3291840" rtl="0" eaLnBrk="1" latinLnBrk="0" hangingPunct="1">
+        <a:defRPr sz="6480" kern="1200">
           <a:solidFill>
             <a:schemeClr val="tx1"/>
           </a:solidFill>
@@ -4674,8 +4754,8 @@
           <a:cs typeface="+mn-cs"/>
         </a:defRPr>
       </a:lvl6pPr>
-      <a:lvl7pPr marL="2743091" algn="l" defTabSz="914364" rtl="0" eaLnBrk="1" latinLnBrk="0" hangingPunct="1">
-        <a:defRPr sz="1800" kern="1200">
+      <a:lvl7pPr marL="9875520" algn="l" defTabSz="3291840" rtl="0" eaLnBrk="1" latinLnBrk="0" hangingPunct="1">
+        <a:defRPr sz="6480" kern="1200">
           <a:solidFill>
             <a:schemeClr val="tx1"/>
           </a:solidFill>
@@ -4684,8 +4764,8 @@
           <a:cs typeface="+mn-cs"/>
         </a:defRPr>
       </a:lvl7pPr>
-      <a:lvl8pPr marL="3200272" algn="l" defTabSz="914364" rtl="0" eaLnBrk="1" latinLnBrk="0" hangingPunct="1">
-        <a:defRPr sz="1800" kern="1200">
+      <a:lvl8pPr marL="11521440" algn="l" defTabSz="3291840" rtl="0" eaLnBrk="1" latinLnBrk="0" hangingPunct="1">
+        <a:defRPr sz="6480" kern="1200">
           <a:solidFill>
             <a:schemeClr val="tx1"/>
           </a:solidFill>
@@ -4694,8 +4774,8 @@
           <a:cs typeface="+mn-cs"/>
         </a:defRPr>
       </a:lvl8pPr>
-      <a:lvl9pPr marL="3657454" algn="l" defTabSz="914364" rtl="0" eaLnBrk="1" latinLnBrk="0" hangingPunct="1">
-        <a:defRPr sz="1800" kern="1200">
+      <a:lvl9pPr marL="13167360" algn="l" defTabSz="3291840" rtl="0" eaLnBrk="1" latinLnBrk="0" hangingPunct="1">
+        <a:defRPr sz="6480" kern="1200">
           <a:solidFill>
             <a:schemeClr val="tx1"/>
           </a:solidFill>
@@ -4716,20 +4796,14 @@
       <p:bgPr>
         <a:gradFill flip="none" rotWithShape="1">
           <a:gsLst>
-            <a:gs pos="0">
+            <a:gs pos="19000">
               <a:srgbClr val="C6D9F1">
-                <a:lumMod val="20000"/>
-                <a:lumOff val="80000"/>
+                <a:lumMod val="0"/>
+                <a:lumOff val="100000"/>
               </a:srgbClr>
             </a:gs>
-            <a:gs pos="31000">
-              <a:srgbClr val="B4C1E1"/>
-            </a:gs>
-            <a:gs pos="73000">
-              <a:srgbClr val="3B9FFF"/>
-            </a:gs>
-            <a:gs pos="100000">
-              <a:srgbClr val="3B9FFF"/>
+            <a:gs pos="64000">
+              <a:srgbClr val="C6D9F1"/>
             </a:gs>
           </a:gsLst>
           <a:lin ang="5400000" scaled="0"/>
@@ -5324,43 +5398,6 @@
       </p:sp>
       <p:sp>
         <p:nvSpPr>
-          <p:cNvPr id="21" name="TextBox 20"/>
-          <p:cNvSpPr txBox="1"/>
-          <p:nvPr/>
-        </p:nvSpPr>
-        <p:spPr>
-          <a:xfrm>
-            <a:off x="29718000" y="16799004"/>
-            <a:ext cx="13716000" cy="2123658"/>
-          </a:xfrm>
-          <a:prstGeom prst="rect">
-            <a:avLst/>
-          </a:prstGeom>
-          <a:noFill/>
-          <a:effectLst>
-            <a:outerShdw blurRad="50800" dist="50800" dir="2700000" algn="tl" rotWithShape="0">
-              <a:prstClr val="black">
-                <a:alpha val="40000"/>
-              </a:prstClr>
-            </a:outerShdw>
-          </a:effectLst>
-        </p:spPr>
-        <p:txBody>
-          <a:bodyPr wrap="square" rtlCol="0">
-            <a:spAutoFit/>
-          </a:bodyPr>
-          <a:lstStyle/>
-          <a:p>
-            <a:pPr algn="ctr"/>
-            <a:r>
-              <a:rPr lang="en-US" sz="6600" b="1" u="sng" dirty="0"/>
-              <a:t>Key Result #2 / References / Conclusion</a:t>
-            </a:r>
-          </a:p>
-        </p:txBody>
-      </p:sp>
-      <p:sp>
-        <p:nvSpPr>
           <p:cNvPr id="22" name="TextBox 21"/>
           <p:cNvSpPr txBox="1"/>
           <p:nvPr/>
@@ -5404,7 +5441,7 @@
         </p:nvSpPr>
         <p:spPr>
           <a:xfrm>
-            <a:off x="15087600" y="16306800"/>
+            <a:off x="29718000" y="5577915"/>
             <a:ext cx="13716000" cy="1107996"/>
           </a:xfrm>
           <a:prstGeom prst="rect">
@@ -5471,8 +5508,8 @@
         </p:nvSpPr>
         <p:spPr>
           <a:xfrm>
-            <a:off x="489857" y="20075605"/>
-            <a:ext cx="13716000" cy="2123658"/>
+            <a:off x="15049500" y="16490586"/>
+            <a:ext cx="13716000" cy="1107996"/>
           </a:xfrm>
           <a:prstGeom prst="rect">
             <a:avLst/>
@@ -5495,7 +5532,7 @@
             <a:pPr algn="ctr"/>
             <a:r>
               <a:rPr lang="en-US" sz="6600" b="1" u="sng" dirty="0"/>
-              <a:t>Exploded View / Block Diagram / Functional Flow Diagram</a:t>
+              <a:t>Drone</a:t>
             </a:r>
           </a:p>
         </p:txBody>
@@ -5508,8 +5545,8 @@
         </p:nvSpPr>
         <p:spPr>
           <a:xfrm>
-            <a:off x="29794202" y="5336320"/>
-            <a:ext cx="13716000" cy="2123658"/>
+            <a:off x="457200" y="14795957"/>
+            <a:ext cx="13716000" cy="1107996"/>
           </a:xfrm>
           <a:prstGeom prst="rect">
             <a:avLst/>
@@ -5532,15 +5569,7 @@
             <a:pPr algn="ctr"/>
             <a:r>
               <a:rPr lang="en-US" sz="6600" b="1" u="sng" dirty="0"/>
-              <a:t>Key Result #1 (e.g., thermal test, drop test, </a:t>
-            </a:r>
-            <a:r>
-              <a:rPr lang="en-US" sz="6600" b="1" u="sng" dirty="0" err="1"/>
-              <a:t>etc</a:t>
-            </a:r>
-            <a:r>
-              <a:rPr lang="en-US" sz="6600" b="1" u="sng" dirty="0"/>
-              <a:t>)</a:t>
+              <a:t>User Interface</a:t>
             </a:r>
           </a:p>
         </p:txBody>
@@ -5553,7 +5582,7 @@
         </p:nvSpPr>
         <p:spPr>
           <a:xfrm>
-            <a:off x="29718000" y="15551523"/>
+            <a:off x="2763679" y="23027826"/>
             <a:ext cx="13715999" cy="1323439"/>
           </a:xfrm>
           <a:prstGeom prst="rect">
@@ -5587,7 +5616,7 @@
         </p:nvSpPr>
         <p:spPr bwMode="auto">
           <a:xfrm>
-            <a:off x="870857" y="22496361"/>
+            <a:off x="15465648" y="17876519"/>
             <a:ext cx="12954000" cy="7069240"/>
           </a:xfrm>
           <a:prstGeom prst="rect">
@@ -5621,21 +5650,7 @@
             <a:pPr algn="ctr" defTabSz="698472"/>
             <a:r>
               <a:rPr lang="en-US" sz="7333" b="1" dirty="0"/>
-              <a:t>Insert Exploded View / </a:t>
-            </a:r>
-          </a:p>
-          <a:p>
-            <a:pPr algn="ctr" defTabSz="698472"/>
-            <a:r>
-              <a:rPr lang="en-US" sz="7333" b="1" dirty="0"/>
-              <a:t>Block Diagram / </a:t>
-            </a:r>
-          </a:p>
-          <a:p>
-            <a:pPr algn="ctr" defTabSz="698472"/>
-            <a:r>
-              <a:rPr lang="en-US" sz="7333" b="1" dirty="0"/>
-              <a:t>Functional Flow Diagram</a:t>
+              <a:t>Insert picture of drone</a:t>
             </a:r>
           </a:p>
         </p:txBody>
@@ -5650,8 +5665,8 @@
         </p:nvSpPr>
         <p:spPr bwMode="auto">
           <a:xfrm>
-            <a:off x="489857" y="16372972"/>
-            <a:ext cx="13716000" cy="1679553"/>
+            <a:off x="838200" y="25714655"/>
+            <a:ext cx="13716000" cy="1064000"/>
           </a:xfrm>
           <a:prstGeom prst="rect">
             <a:avLst/>
@@ -5834,13 +5849,8 @@
             </a:pPr>
             <a:r>
               <a:rPr lang="en-US" sz="4000" dirty="0"/>
-              <a:t>Insert brief description of product, problems that it solves, bullet points of key features, </a:t>
-            </a:r>
-            <a:r>
-              <a:rPr lang="en-US" sz="4000" dirty="0" err="1"/>
-              <a:t>etc</a:t>
-            </a:r>
-            <a:endParaRPr lang="en-US" sz="4000" dirty="0"/>
+              <a:t>Insert brief description of software</a:t>
+            </a:r>
           </a:p>
         </p:txBody>
       </p:sp>
@@ -5852,7 +5862,7 @@
         </p:nvSpPr>
         <p:spPr>
           <a:xfrm>
-            <a:off x="457200" y="14997525"/>
+            <a:off x="192512" y="24298242"/>
             <a:ext cx="13716000" cy="1107996"/>
           </a:xfrm>
           <a:prstGeom prst="rect">
@@ -5876,7 +5886,7 @@
             <a:pPr algn="ctr"/>
             <a:r>
               <a:rPr lang="en-US" sz="6600" b="1" u="sng" dirty="0"/>
-              <a:t>Overview / Design Specs</a:t>
+              <a:t>Software Design</a:t>
             </a:r>
           </a:p>
         </p:txBody>
@@ -5891,8 +5901,8 @@
         </p:nvSpPr>
         <p:spPr bwMode="auto">
           <a:xfrm>
-            <a:off x="19046630" y="18211800"/>
-            <a:ext cx="9909371" cy="2295106"/>
+            <a:off x="33702984" y="7047584"/>
+            <a:ext cx="9909371" cy="3526213"/>
           </a:xfrm>
           <a:prstGeom prst="rect">
             <a:avLst/>
@@ -6088,7 +6098,7 @@
             </a:pPr>
             <a:r>
               <a:rPr lang="en-US" sz="4000" dirty="0"/>
-              <a:t>Describe key component #1, including applicable specs</a:t>
+              <a:t>Touch screen user interface which records audio via a microphone and transmits the audio samples through the NRF24 sending module.</a:t>
             </a:r>
           </a:p>
         </p:txBody>
@@ -6103,8 +6113,8 @@
         </p:nvSpPr>
         <p:spPr bwMode="auto">
           <a:xfrm>
-            <a:off x="19051577" y="21869400"/>
-            <a:ext cx="9909371" cy="2295106"/>
+            <a:off x="33620107" y="10809373"/>
+            <a:ext cx="9909371" cy="3526213"/>
           </a:xfrm>
           <a:prstGeom prst="rect">
             <a:avLst/>
@@ -6300,7 +6310,7 @@
             </a:pPr>
             <a:r>
               <a:rPr lang="en-US" sz="4000" dirty="0"/>
-              <a:t>Describe key component #2, including applicable specs</a:t>
+              <a:t>Main chip on the PCB which receives digital audio samples from the NRF24 receiving module and passes them to the audio codec.</a:t>
             </a:r>
           </a:p>
         </p:txBody>
@@ -6315,8 +6325,8 @@
         </p:nvSpPr>
         <p:spPr bwMode="auto">
           <a:xfrm>
-            <a:off x="19047545" y="25374600"/>
-            <a:ext cx="9909371" cy="2295106"/>
+            <a:off x="33702984" y="14932666"/>
+            <a:ext cx="9909371" cy="2910660"/>
           </a:xfrm>
           <a:prstGeom prst="rect">
             <a:avLst/>
@@ -6512,7 +6522,7 @@
             </a:pPr>
             <a:r>
               <a:rPr lang="en-US" sz="4000" dirty="0"/>
-              <a:t>Describe key component #4, including applicable specs</a:t>
+              <a:t>Wireless transmitters connected to both the ground control system and the PCB for sending/receiving audio samples</a:t>
             </a:r>
           </a:p>
         </p:txBody>
@@ -6527,89 +6537,8 @@
         </p:nvSpPr>
         <p:spPr bwMode="auto">
           <a:xfrm>
-            <a:off x="30098999" y="8098047"/>
+            <a:off x="838200" y="16284200"/>
             <a:ext cx="12954000" cy="6270547"/>
-          </a:xfrm>
-          <a:prstGeom prst="rect">
-            <a:avLst/>
-          </a:prstGeom>
-          <a:solidFill>
-            <a:schemeClr val="accent5">
-              <a:lumMod val="75000"/>
-            </a:schemeClr>
-          </a:solidFill>
-          <a:ln w="9525">
-            <a:solidFill>
-              <a:schemeClr val="tx1"/>
-            </a:solidFill>
-            <a:miter lim="800000"/>
-            <a:headEnd/>
-            <a:tailEnd/>
-          </a:ln>
-          <a:effectLst>
-            <a:outerShdw blurRad="50800" dist="101600" dir="2700000" algn="tl" rotWithShape="0">
-              <a:prstClr val="black">
-                <a:alpha val="40000"/>
-              </a:prstClr>
-            </a:outerShdw>
-          </a:effectLst>
-        </p:spPr>
-        <p:txBody>
-          <a:bodyPr wrap="none" lIns="69832" tIns="34916" rIns="69832" bIns="34916" anchor="ctr"/>
-          <a:lstStyle/>
-          <a:p>
-            <a:pPr algn="ctr" defTabSz="698472"/>
-            <a:r>
-              <a:rPr lang="en-US" sz="7333" b="1" dirty="0"/>
-              <a:t>Insert figure</a:t>
-            </a:r>
-          </a:p>
-        </p:txBody>
-      </p:sp>
-      <p:sp>
-        <p:nvSpPr>
-          <p:cNvPr id="50" name="TextBox 49"/>
-          <p:cNvSpPr txBox="1"/>
-          <p:nvPr/>
-        </p:nvSpPr>
-        <p:spPr>
-          <a:xfrm>
-            <a:off x="29794202" y="26946761"/>
-            <a:ext cx="13715999" cy="1323439"/>
-          </a:xfrm>
-          <a:prstGeom prst="rect">
-            <a:avLst/>
-          </a:prstGeom>
-          <a:noFill/>
-        </p:spPr>
-        <p:txBody>
-          <a:bodyPr wrap="square" rtlCol="0">
-            <a:spAutoFit/>
-          </a:bodyPr>
-          <a:lstStyle/>
-          <a:p>
-            <a:r>
-              <a:rPr lang="en-US" sz="4000" dirty="0"/>
-              <a:t>Describe key result (consider bullet point list). </a:t>
-            </a:r>
-          </a:p>
-          <a:p>
-            <a:endParaRPr lang="en-US" sz="4000" dirty="0"/>
-          </a:p>
-        </p:txBody>
-      </p:sp>
-      <p:sp>
-        <p:nvSpPr>
-          <p:cNvPr id="51" name="Rectangle 15" descr="30%"/>
-          <p:cNvSpPr>
-            <a:spLocks noChangeArrowheads="1"/>
-          </p:cNvSpPr>
-          <p:nvPr/>
-        </p:nvSpPr>
-        <p:spPr bwMode="auto">
-          <a:xfrm>
-            <a:off x="30175201" y="19218589"/>
-            <a:ext cx="12954000" cy="6765613"/>
           </a:xfrm>
           <a:prstGeom prst="rect">
             <a:avLst/>
@@ -6827,7 +6756,7 @@
         </p:blipFill>
         <p:spPr>
           <a:xfrm>
-            <a:off x="15435944" y="17938133"/>
+            <a:off x="30099000" y="7056116"/>
             <a:ext cx="3353711" cy="3259388"/>
           </a:xfrm>
           <a:prstGeom prst="rect">
@@ -6863,7 +6792,7 @@
         </p:blipFill>
         <p:spPr>
           <a:xfrm>
-            <a:off x="15352289" y="21579454"/>
+            <a:off x="30099006" y="10981881"/>
             <a:ext cx="3353705" cy="3353705"/>
           </a:xfrm>
           <a:prstGeom prst="rect">
@@ -6899,7 +6828,7 @@
         </p:blipFill>
         <p:spPr>
           <a:xfrm>
-            <a:off x="15352289" y="25406238"/>
+            <a:off x="30101953" y="15001963"/>
             <a:ext cx="3353703" cy="3353704"/>
           </a:xfrm>
           <a:prstGeom prst="rect">
@@ -6907,6 +6836,552 @@
           </a:prstGeom>
         </p:spPr>
       </p:pic>
+      <p:sp>
+        <p:nvSpPr>
+          <p:cNvPr id="38" name="Text Box 40">
+            <a:extLst>
+              <a:ext uri="{FF2B5EF4-FFF2-40B4-BE49-F238E27FC236}">
+                <a16:creationId xmlns:a16="http://schemas.microsoft.com/office/drawing/2014/main" id="{E74EA2DD-8F50-B64A-A174-434F2BB08ED7}"/>
+              </a:ext>
+            </a:extLst>
+          </p:cNvPr>
+          <p:cNvSpPr txBox="1">
+            <a:spLocks noChangeArrowheads="1"/>
+          </p:cNvSpPr>
+          <p:nvPr/>
+        </p:nvSpPr>
+        <p:spPr bwMode="auto">
+          <a:xfrm>
+            <a:off x="33620107" y="18830074"/>
+            <a:ext cx="9909371" cy="1679553"/>
+          </a:xfrm>
+          <a:prstGeom prst="rect">
+            <a:avLst/>
+          </a:prstGeom>
+          <a:noFill/>
+          <a:ln>
+            <a:noFill/>
+          </a:ln>
+          <a:extLst>
+            <a:ext uri="{909E8E84-426E-40dd-AFC4-6F175D3DCCD1}">
+              <a14:hiddenFill xmlns:a14="http://schemas.microsoft.com/office/drawing/2010/main" xmlns="">
+                <a:solidFill>
+                  <a:srgbClr val="FFFFFF"/>
+                </a:solidFill>
+              </a14:hiddenFill>
+            </a:ext>
+            <a:ext uri="{91240B29-F687-4f45-9708-019B960494DF}">
+              <a14:hiddenLine xmlns:a14="http://schemas.microsoft.com/office/drawing/2010/main" xmlns="" w="9525">
+                <a:solidFill>
+                  <a:srgbClr val="000000"/>
+                </a:solidFill>
+                <a:miter lim="800000"/>
+                <a:headEnd/>
+                <a:tailEnd/>
+              </a14:hiddenLine>
+            </a:ext>
+          </a:extLst>
+        </p:spPr>
+        <p:txBody>
+          <a:bodyPr wrap="square" lIns="444109" tIns="222055" rIns="444109" bIns="222055">
+            <a:spAutoFit/>
+          </a:bodyPr>
+          <a:lstStyle>
+            <a:lvl1pPr defTabSz="4440238">
+              <a:spcBef>
+                <a:spcPct val="20000"/>
+              </a:spcBef>
+              <a:buChar char="•"/>
+              <a:defRPr sz="15600">
+                <a:solidFill>
+                  <a:schemeClr val="tx1"/>
+                </a:solidFill>
+                <a:latin typeface="Arial" charset="0"/>
+                <a:ea typeface="Arial" charset="0"/>
+                <a:cs typeface="Arial" charset="0"/>
+              </a:defRPr>
+            </a:lvl1pPr>
+            <a:lvl2pPr marL="742950" indent="-285750" defTabSz="4440238">
+              <a:spcBef>
+                <a:spcPct val="20000"/>
+              </a:spcBef>
+              <a:buChar char="–"/>
+              <a:defRPr sz="13600">
+                <a:solidFill>
+                  <a:schemeClr val="tx1"/>
+                </a:solidFill>
+                <a:latin typeface="Arial" charset="0"/>
+                <a:ea typeface="Arial" charset="0"/>
+                <a:cs typeface="Arial" charset="0"/>
+              </a:defRPr>
+            </a:lvl2pPr>
+            <a:lvl3pPr marL="1143000" indent="-228600" defTabSz="4440238">
+              <a:spcBef>
+                <a:spcPct val="20000"/>
+              </a:spcBef>
+              <a:buChar char="•"/>
+              <a:defRPr sz="11700">
+                <a:solidFill>
+                  <a:schemeClr val="tx1"/>
+                </a:solidFill>
+                <a:latin typeface="Arial" charset="0"/>
+                <a:ea typeface="Arial" charset="0"/>
+                <a:cs typeface="Arial" charset="0"/>
+              </a:defRPr>
+            </a:lvl3pPr>
+            <a:lvl4pPr marL="1600200" indent="-228600" defTabSz="4440238">
+              <a:spcBef>
+                <a:spcPct val="20000"/>
+              </a:spcBef>
+              <a:buChar char="–"/>
+              <a:defRPr sz="9700">
+                <a:solidFill>
+                  <a:schemeClr val="tx1"/>
+                </a:solidFill>
+                <a:latin typeface="Arial" charset="0"/>
+                <a:ea typeface="Arial" charset="0"/>
+                <a:cs typeface="Arial" charset="0"/>
+              </a:defRPr>
+            </a:lvl4pPr>
+            <a:lvl5pPr marL="2057400" indent="-228600" defTabSz="4440238">
+              <a:spcBef>
+                <a:spcPct val="20000"/>
+              </a:spcBef>
+              <a:buChar char="»"/>
+              <a:defRPr sz="9700">
+                <a:solidFill>
+                  <a:schemeClr val="tx1"/>
+                </a:solidFill>
+                <a:latin typeface="Arial" charset="0"/>
+                <a:ea typeface="Arial" charset="0"/>
+                <a:cs typeface="Arial" charset="0"/>
+              </a:defRPr>
+            </a:lvl5pPr>
+            <a:lvl6pPr marL="2514600" indent="-228600" defTabSz="4440238" eaLnBrk="0" fontAlgn="base" hangingPunct="0">
+              <a:spcBef>
+                <a:spcPct val="20000"/>
+              </a:spcBef>
+              <a:spcAft>
+                <a:spcPct val="0"/>
+              </a:spcAft>
+              <a:buChar char="»"/>
+              <a:defRPr sz="9700">
+                <a:solidFill>
+                  <a:schemeClr val="tx1"/>
+                </a:solidFill>
+                <a:latin typeface="Arial" charset="0"/>
+                <a:ea typeface="Arial" charset="0"/>
+                <a:cs typeface="Arial" charset="0"/>
+              </a:defRPr>
+            </a:lvl6pPr>
+            <a:lvl7pPr marL="2971800" indent="-228600" defTabSz="4440238" eaLnBrk="0" fontAlgn="base" hangingPunct="0">
+              <a:spcBef>
+                <a:spcPct val="20000"/>
+              </a:spcBef>
+              <a:spcAft>
+                <a:spcPct val="0"/>
+              </a:spcAft>
+              <a:buChar char="»"/>
+              <a:defRPr sz="9700">
+                <a:solidFill>
+                  <a:schemeClr val="tx1"/>
+                </a:solidFill>
+                <a:latin typeface="Arial" charset="0"/>
+                <a:ea typeface="Arial" charset="0"/>
+                <a:cs typeface="Arial" charset="0"/>
+              </a:defRPr>
+            </a:lvl7pPr>
+            <a:lvl8pPr marL="3429000" indent="-228600" defTabSz="4440238" eaLnBrk="0" fontAlgn="base" hangingPunct="0">
+              <a:spcBef>
+                <a:spcPct val="20000"/>
+              </a:spcBef>
+              <a:spcAft>
+                <a:spcPct val="0"/>
+              </a:spcAft>
+              <a:buChar char="»"/>
+              <a:defRPr sz="9700">
+                <a:solidFill>
+                  <a:schemeClr val="tx1"/>
+                </a:solidFill>
+                <a:latin typeface="Arial" charset="0"/>
+                <a:ea typeface="Arial" charset="0"/>
+                <a:cs typeface="Arial" charset="0"/>
+              </a:defRPr>
+            </a:lvl8pPr>
+            <a:lvl9pPr marL="3886200" indent="-228600" defTabSz="4440238" eaLnBrk="0" fontAlgn="base" hangingPunct="0">
+              <a:spcBef>
+                <a:spcPct val="20000"/>
+              </a:spcBef>
+              <a:spcAft>
+                <a:spcPct val="0"/>
+              </a:spcAft>
+              <a:buChar char="»"/>
+              <a:defRPr sz="9700">
+                <a:solidFill>
+                  <a:schemeClr val="tx1"/>
+                </a:solidFill>
+                <a:latin typeface="Arial" charset="0"/>
+                <a:ea typeface="Arial" charset="0"/>
+                <a:cs typeface="Arial" charset="0"/>
+              </a:defRPr>
+            </a:lvl9pPr>
+          </a:lstStyle>
+          <a:p>
+            <a:pPr algn="ctr" eaLnBrk="1" hangingPunct="1">
+              <a:spcBef>
+                <a:spcPct val="0"/>
+              </a:spcBef>
+              <a:buFontTx/>
+              <a:buNone/>
+            </a:pPr>
+            <a:r>
+              <a:rPr lang="en-US" sz="4000" b="1" dirty="0"/>
+              <a:t>Audio Codec</a:t>
+            </a:r>
+          </a:p>
+          <a:p>
+            <a:pPr algn="just" eaLnBrk="1" hangingPunct="1">
+              <a:spcBef>
+                <a:spcPct val="0"/>
+              </a:spcBef>
+              <a:buFontTx/>
+              <a:buNone/>
+            </a:pPr>
+            <a:r>
+              <a:rPr lang="en-US" sz="4000" dirty="0" err="1"/>
+              <a:t>Descirption</a:t>
+            </a:r>
+            <a:endParaRPr lang="en-US" sz="4000" dirty="0"/>
+          </a:p>
+        </p:txBody>
+      </p:sp>
+      <p:sp>
+        <p:nvSpPr>
+          <p:cNvPr id="41" name="Text Box 40">
+            <a:extLst>
+              <a:ext uri="{FF2B5EF4-FFF2-40B4-BE49-F238E27FC236}">
+                <a16:creationId xmlns:a16="http://schemas.microsoft.com/office/drawing/2014/main" id="{706611C6-9E08-EF45-A6EE-390C461A16D9}"/>
+              </a:ext>
+            </a:extLst>
+          </p:cNvPr>
+          <p:cNvSpPr txBox="1">
+            <a:spLocks noChangeArrowheads="1"/>
+          </p:cNvSpPr>
+          <p:nvPr/>
+        </p:nvSpPr>
+        <p:spPr bwMode="auto">
+          <a:xfrm>
+            <a:off x="33702984" y="23027826"/>
+            <a:ext cx="9909371" cy="1679553"/>
+          </a:xfrm>
+          <a:prstGeom prst="rect">
+            <a:avLst/>
+          </a:prstGeom>
+          <a:noFill/>
+          <a:ln>
+            <a:noFill/>
+          </a:ln>
+          <a:extLst>
+            <a:ext uri="{909E8E84-426E-40dd-AFC4-6F175D3DCCD1}">
+              <a14:hiddenFill xmlns:a14="http://schemas.microsoft.com/office/drawing/2010/main" xmlns="">
+                <a:solidFill>
+                  <a:srgbClr val="FFFFFF"/>
+                </a:solidFill>
+              </a14:hiddenFill>
+            </a:ext>
+            <a:ext uri="{91240B29-F687-4f45-9708-019B960494DF}">
+              <a14:hiddenLine xmlns:a14="http://schemas.microsoft.com/office/drawing/2010/main" xmlns="" w="9525">
+                <a:solidFill>
+                  <a:srgbClr val="000000"/>
+                </a:solidFill>
+                <a:miter lim="800000"/>
+                <a:headEnd/>
+                <a:tailEnd/>
+              </a14:hiddenLine>
+            </a:ext>
+          </a:extLst>
+        </p:spPr>
+        <p:txBody>
+          <a:bodyPr wrap="square" lIns="444109" tIns="222055" rIns="444109" bIns="222055">
+            <a:spAutoFit/>
+          </a:bodyPr>
+          <a:lstStyle>
+            <a:lvl1pPr defTabSz="4440238">
+              <a:spcBef>
+                <a:spcPct val="20000"/>
+              </a:spcBef>
+              <a:buChar char="•"/>
+              <a:defRPr sz="15600">
+                <a:solidFill>
+                  <a:schemeClr val="tx1"/>
+                </a:solidFill>
+                <a:latin typeface="Arial" charset="0"/>
+                <a:ea typeface="Arial" charset="0"/>
+                <a:cs typeface="Arial" charset="0"/>
+              </a:defRPr>
+            </a:lvl1pPr>
+            <a:lvl2pPr marL="742950" indent="-285750" defTabSz="4440238">
+              <a:spcBef>
+                <a:spcPct val="20000"/>
+              </a:spcBef>
+              <a:buChar char="–"/>
+              <a:defRPr sz="13600">
+                <a:solidFill>
+                  <a:schemeClr val="tx1"/>
+                </a:solidFill>
+                <a:latin typeface="Arial" charset="0"/>
+                <a:ea typeface="Arial" charset="0"/>
+                <a:cs typeface="Arial" charset="0"/>
+              </a:defRPr>
+            </a:lvl2pPr>
+            <a:lvl3pPr marL="1143000" indent="-228600" defTabSz="4440238">
+              <a:spcBef>
+                <a:spcPct val="20000"/>
+              </a:spcBef>
+              <a:buChar char="•"/>
+              <a:defRPr sz="11700">
+                <a:solidFill>
+                  <a:schemeClr val="tx1"/>
+                </a:solidFill>
+                <a:latin typeface="Arial" charset="0"/>
+                <a:ea typeface="Arial" charset="0"/>
+                <a:cs typeface="Arial" charset="0"/>
+              </a:defRPr>
+            </a:lvl3pPr>
+            <a:lvl4pPr marL="1600200" indent="-228600" defTabSz="4440238">
+              <a:spcBef>
+                <a:spcPct val="20000"/>
+              </a:spcBef>
+              <a:buChar char="–"/>
+              <a:defRPr sz="9700">
+                <a:solidFill>
+                  <a:schemeClr val="tx1"/>
+                </a:solidFill>
+                <a:latin typeface="Arial" charset="0"/>
+                <a:ea typeface="Arial" charset="0"/>
+                <a:cs typeface="Arial" charset="0"/>
+              </a:defRPr>
+            </a:lvl4pPr>
+            <a:lvl5pPr marL="2057400" indent="-228600" defTabSz="4440238">
+              <a:spcBef>
+                <a:spcPct val="20000"/>
+              </a:spcBef>
+              <a:buChar char="»"/>
+              <a:defRPr sz="9700">
+                <a:solidFill>
+                  <a:schemeClr val="tx1"/>
+                </a:solidFill>
+                <a:latin typeface="Arial" charset="0"/>
+                <a:ea typeface="Arial" charset="0"/>
+                <a:cs typeface="Arial" charset="0"/>
+              </a:defRPr>
+            </a:lvl5pPr>
+            <a:lvl6pPr marL="2514600" indent="-228600" defTabSz="4440238" eaLnBrk="0" fontAlgn="base" hangingPunct="0">
+              <a:spcBef>
+                <a:spcPct val="20000"/>
+              </a:spcBef>
+              <a:spcAft>
+                <a:spcPct val="0"/>
+              </a:spcAft>
+              <a:buChar char="»"/>
+              <a:defRPr sz="9700">
+                <a:solidFill>
+                  <a:schemeClr val="tx1"/>
+                </a:solidFill>
+                <a:latin typeface="Arial" charset="0"/>
+                <a:ea typeface="Arial" charset="0"/>
+                <a:cs typeface="Arial" charset="0"/>
+              </a:defRPr>
+            </a:lvl6pPr>
+            <a:lvl7pPr marL="2971800" indent="-228600" defTabSz="4440238" eaLnBrk="0" fontAlgn="base" hangingPunct="0">
+              <a:spcBef>
+                <a:spcPct val="20000"/>
+              </a:spcBef>
+              <a:spcAft>
+                <a:spcPct val="0"/>
+              </a:spcAft>
+              <a:buChar char="»"/>
+              <a:defRPr sz="9700">
+                <a:solidFill>
+                  <a:schemeClr val="tx1"/>
+                </a:solidFill>
+                <a:latin typeface="Arial" charset="0"/>
+                <a:ea typeface="Arial" charset="0"/>
+                <a:cs typeface="Arial" charset="0"/>
+              </a:defRPr>
+            </a:lvl7pPr>
+            <a:lvl8pPr marL="3429000" indent="-228600" defTabSz="4440238" eaLnBrk="0" fontAlgn="base" hangingPunct="0">
+              <a:spcBef>
+                <a:spcPct val="20000"/>
+              </a:spcBef>
+              <a:spcAft>
+                <a:spcPct val="0"/>
+              </a:spcAft>
+              <a:buChar char="»"/>
+              <a:defRPr sz="9700">
+                <a:solidFill>
+                  <a:schemeClr val="tx1"/>
+                </a:solidFill>
+                <a:latin typeface="Arial" charset="0"/>
+                <a:ea typeface="Arial" charset="0"/>
+                <a:cs typeface="Arial" charset="0"/>
+              </a:defRPr>
+            </a:lvl8pPr>
+            <a:lvl9pPr marL="3886200" indent="-228600" defTabSz="4440238" eaLnBrk="0" fontAlgn="base" hangingPunct="0">
+              <a:spcBef>
+                <a:spcPct val="20000"/>
+              </a:spcBef>
+              <a:spcAft>
+                <a:spcPct val="0"/>
+              </a:spcAft>
+              <a:buChar char="»"/>
+              <a:defRPr sz="9700">
+                <a:solidFill>
+                  <a:schemeClr val="tx1"/>
+                </a:solidFill>
+                <a:latin typeface="Arial" charset="0"/>
+                <a:ea typeface="Arial" charset="0"/>
+                <a:cs typeface="Arial" charset="0"/>
+              </a:defRPr>
+            </a:lvl9pPr>
+          </a:lstStyle>
+          <a:p>
+            <a:pPr algn="ctr" eaLnBrk="1" hangingPunct="1">
+              <a:spcBef>
+                <a:spcPct val="0"/>
+              </a:spcBef>
+              <a:buFontTx/>
+              <a:buNone/>
+            </a:pPr>
+            <a:r>
+              <a:rPr lang="en-US" sz="4000" b="1" dirty="0"/>
+              <a:t>Speaker System</a:t>
+            </a:r>
+          </a:p>
+          <a:p>
+            <a:pPr algn="just" eaLnBrk="1" hangingPunct="1">
+              <a:spcBef>
+                <a:spcPct val="0"/>
+              </a:spcBef>
+              <a:buFontTx/>
+              <a:buNone/>
+            </a:pPr>
+            <a:r>
+              <a:rPr lang="en-US" sz="4000" dirty="0" err="1"/>
+              <a:t>Descirption</a:t>
+            </a:r>
+            <a:endParaRPr lang="en-US" sz="4000" dirty="0"/>
+          </a:p>
+        </p:txBody>
+      </p:sp>
+      <p:pic>
+        <p:nvPicPr>
+          <p:cNvPr id="43" name="Picture 42">
+            <a:extLst>
+              <a:ext uri="{FF2B5EF4-FFF2-40B4-BE49-F238E27FC236}">
+                <a16:creationId xmlns:a16="http://schemas.microsoft.com/office/drawing/2014/main" id="{603A31BD-592A-EC42-A407-038F8EB5326F}"/>
+              </a:ext>
+            </a:extLst>
+          </p:cNvPr>
+          <p:cNvPicPr>
+            <a:picLocks noChangeAspect="1"/>
+          </p:cNvPicPr>
+          <p:nvPr/>
+        </p:nvPicPr>
+        <p:blipFill>
+          <a:blip r:embed="rId8">
+            <a:extLst>
+              <a:ext uri="{28A0092B-C50C-407E-A947-70E740481C1C}">
+                <a14:useLocalDpi xmlns:a14="http://schemas.microsoft.com/office/drawing/2010/main" val="0"/>
+              </a:ext>
+            </a:extLst>
+          </a:blip>
+          <a:stretch>
+            <a:fillRect/>
+          </a:stretch>
+        </p:blipFill>
+        <p:spPr>
+          <a:xfrm>
+            <a:off x="30099000" y="18935096"/>
+            <a:ext cx="3353703" cy="3353704"/>
+          </a:xfrm>
+          <a:prstGeom prst="rect">
+            <a:avLst/>
+          </a:prstGeom>
+        </p:spPr>
+      </p:pic>
+      <p:pic>
+        <p:nvPicPr>
+          <p:cNvPr id="45" name="Picture 44">
+            <a:extLst>
+              <a:ext uri="{FF2B5EF4-FFF2-40B4-BE49-F238E27FC236}">
+                <a16:creationId xmlns:a16="http://schemas.microsoft.com/office/drawing/2014/main" id="{1DF8F5DD-35FE-9543-92A5-75A5FCCE46F3}"/>
+              </a:ext>
+            </a:extLst>
+          </p:cNvPr>
+          <p:cNvPicPr>
+            <a:picLocks noChangeAspect="1"/>
+          </p:cNvPicPr>
+          <p:nvPr/>
+        </p:nvPicPr>
+        <p:blipFill>
+          <a:blip r:embed="rId8">
+            <a:extLst>
+              <a:ext uri="{28A0092B-C50C-407E-A947-70E740481C1C}">
+                <a14:useLocalDpi xmlns:a14="http://schemas.microsoft.com/office/drawing/2010/main" val="0"/>
+              </a:ext>
+            </a:extLst>
+          </a:blip>
+          <a:stretch>
+            <a:fillRect/>
+          </a:stretch>
+        </p:blipFill>
+        <p:spPr>
+          <a:xfrm>
+            <a:off x="29982690" y="22868229"/>
+            <a:ext cx="3353703" cy="3353704"/>
+          </a:xfrm>
+          <a:prstGeom prst="rect">
+            <a:avLst/>
+          </a:prstGeom>
+        </p:spPr>
+      </p:pic>
+      <p:sp>
+        <p:nvSpPr>
+          <p:cNvPr id="47" name="TextBox 46">
+            <a:extLst>
+              <a:ext uri="{FF2B5EF4-FFF2-40B4-BE49-F238E27FC236}">
+                <a16:creationId xmlns:a16="http://schemas.microsoft.com/office/drawing/2014/main" id="{1A7C3F5A-0D12-C64E-95D3-BB85001AA4D2}"/>
+              </a:ext>
+            </a:extLst>
+          </p:cNvPr>
+          <p:cNvSpPr txBox="1"/>
+          <p:nvPr/>
+        </p:nvSpPr>
+        <p:spPr>
+          <a:xfrm>
+            <a:off x="15049500" y="25714655"/>
+            <a:ext cx="13716000" cy="707886"/>
+          </a:xfrm>
+          <a:prstGeom prst="rect">
+            <a:avLst/>
+          </a:prstGeom>
+          <a:noFill/>
+        </p:spPr>
+        <p:txBody>
+          <a:bodyPr wrap="square" rtlCol="0">
+            <a:spAutoFit/>
+          </a:bodyPr>
+          <a:lstStyle/>
+          <a:p>
+            <a:pPr algn="just"/>
+            <a:r>
+              <a:rPr lang="en-US" sz="4000" dirty="0"/>
+              <a:t>Caption and/or text (preferably bullet points)</a:t>
+            </a:r>
+          </a:p>
+        </p:txBody>
+      </p:sp>
     </p:spTree>
   </p:cSld>
   <p:clrMapOvr>
@@ -6916,56 +7391,150 @@
 </file>
 
 <file path=ppt/theme/theme1.xml><?xml version="1.0" encoding="utf-8"?>
-<a:theme xmlns:a="http://schemas.openxmlformats.org/drawingml/2006/main" name="Default Design">
+<a:theme xmlns:a="http://schemas.openxmlformats.org/drawingml/2006/main" name="Office Theme">
   <a:themeElements>
-    <a:clrScheme name="Default Design 1">
+    <a:clrScheme name="Office">
       <a:dk1>
-        <a:srgbClr val="000000"/>
+        <a:sysClr val="windowText" lastClr="000000"/>
       </a:dk1>
       <a:lt1>
-        <a:srgbClr val="FFFFFF"/>
+        <a:sysClr val="window" lastClr="FFFFFF"/>
       </a:lt1>
       <a:dk2>
-        <a:srgbClr val="000000"/>
+        <a:srgbClr val="44546A"/>
       </a:dk2>
       <a:lt2>
-        <a:srgbClr val="808080"/>
+        <a:srgbClr val="E7E6E6"/>
       </a:lt2>
       <a:accent1>
-        <a:srgbClr val="BBE0E3"/>
+        <a:srgbClr val="4472C4"/>
       </a:accent1>
       <a:accent2>
-        <a:srgbClr val="333399"/>
+        <a:srgbClr val="ED7D31"/>
       </a:accent2>
       <a:accent3>
-        <a:srgbClr val="FFFFFF"/>
+        <a:srgbClr val="A5A5A5"/>
       </a:accent3>
       <a:accent4>
-        <a:srgbClr val="000000"/>
+        <a:srgbClr val="FFC000"/>
       </a:accent4>
       <a:accent5>
-        <a:srgbClr val="DAEDEF"/>
+        <a:srgbClr val="5B9BD5"/>
       </a:accent5>
       <a:accent6>
-        <a:srgbClr val="2D2D8A"/>
+        <a:srgbClr val="70AD47"/>
       </a:accent6>
       <a:hlink>
-        <a:srgbClr val="009999"/>
+        <a:srgbClr val="0563C1"/>
       </a:hlink>
       <a:folHlink>
-        <a:srgbClr val="99CC00"/>
+        <a:srgbClr val="954F72"/>
       </a:folHlink>
     </a:clrScheme>
-    <a:fontScheme name="Default Design">
+    <a:fontScheme name="Office">
       <a:majorFont>
-        <a:latin typeface="Arial"/>
+        <a:latin typeface="Calibri Light" panose="020F0302020204030204"/>
         <a:ea typeface=""/>
-        <a:cs typeface="Arial"/>
+        <a:cs typeface=""/>
+        <a:font script="Jpan" typeface="游ゴシック Light"/>
+        <a:font script="Hang" typeface="맑은 고딕"/>
+        <a:font script="Hans" typeface="等线 Light"/>
+        <a:font script="Hant" typeface="新細明體"/>
+        <a:font script="Arab" typeface="Times New Roman"/>
+        <a:font script="Hebr" typeface="Times New Roman"/>
+        <a:font script="Thai" typeface="Angsana New"/>
+        <a:font script="Ethi" typeface="Nyala"/>
+        <a:font script="Beng" typeface="Vrinda"/>
+        <a:font script="Gujr" typeface="Shruti"/>
+        <a:font script="Khmr" typeface="MoolBoran"/>
+        <a:font script="Knda" typeface="Tunga"/>
+        <a:font script="Guru" typeface="Raavi"/>
+        <a:font script="Cans" typeface="Euphemia"/>
+        <a:font script="Cher" typeface="Plantagenet Cherokee"/>
+        <a:font script="Yiii" typeface="Microsoft Yi Baiti"/>
+        <a:font script="Tibt" typeface="Microsoft Himalaya"/>
+        <a:font script="Thaa" typeface="MV Boli"/>
+        <a:font script="Deva" typeface="Mangal"/>
+        <a:font script="Telu" typeface="Gautami"/>
+        <a:font script="Taml" typeface="Latha"/>
+        <a:font script="Syrc" typeface="Estrangelo Edessa"/>
+        <a:font script="Orya" typeface="Kalinga"/>
+        <a:font script="Mlym" typeface="Kartika"/>
+        <a:font script="Laoo" typeface="DokChampa"/>
+        <a:font script="Sinh" typeface="Iskoola Pota"/>
+        <a:font script="Mong" typeface="Mongolian Baiti"/>
+        <a:font script="Viet" typeface="Times New Roman"/>
+        <a:font script="Uigh" typeface="Microsoft Uighur"/>
+        <a:font script="Geor" typeface="Sylfaen"/>
+        <a:font script="Armn" typeface="Arial"/>
+        <a:font script="Bugi" typeface="Leelawadee UI"/>
+        <a:font script="Bopo" typeface="Microsoft JhengHei"/>
+        <a:font script="Java" typeface="Javanese Text"/>
+        <a:font script="Lisu" typeface="Segoe UI"/>
+        <a:font script="Mymr" typeface="Myanmar Text"/>
+        <a:font script="Nkoo" typeface="Ebrima"/>
+        <a:font script="Olck" typeface="Nirmala UI"/>
+        <a:font script="Osma" typeface="Ebrima"/>
+        <a:font script="Phag" typeface="Phagspa"/>
+        <a:font script="Syrn" typeface="Estrangelo Edessa"/>
+        <a:font script="Syrj" typeface="Estrangelo Edessa"/>
+        <a:font script="Syre" typeface="Estrangelo Edessa"/>
+        <a:font script="Sora" typeface="Nirmala UI"/>
+        <a:font script="Tale" typeface="Microsoft Tai Le"/>
+        <a:font script="Talu" typeface="Microsoft New Tai Lue"/>
+        <a:font script="Tfng" typeface="Ebrima"/>
       </a:majorFont>
       <a:minorFont>
-        <a:latin typeface="Arial"/>
+        <a:latin typeface="Calibri" panose="020F0502020204030204"/>
         <a:ea typeface=""/>
-        <a:cs typeface="Arial"/>
+        <a:cs typeface=""/>
+        <a:font script="Jpan" typeface="游ゴシック"/>
+        <a:font script="Hang" typeface="맑은 고딕"/>
+        <a:font script="Hans" typeface="等线"/>
+        <a:font script="Hant" typeface="新細明體"/>
+        <a:font script="Arab" typeface="Arial"/>
+        <a:font script="Hebr" typeface="Arial"/>
+        <a:font script="Thai" typeface="Cordia New"/>
+        <a:font script="Ethi" typeface="Nyala"/>
+        <a:font script="Beng" typeface="Vrinda"/>
+        <a:font script="Gujr" typeface="Shruti"/>
+        <a:font script="Khmr" typeface="DaunPenh"/>
+        <a:font script="Knda" typeface="Tunga"/>
+        <a:font script="Guru" typeface="Raavi"/>
+        <a:font script="Cans" typeface="Euphemia"/>
+        <a:font script="Cher" typeface="Plantagenet Cherokee"/>
+        <a:font script="Yiii" typeface="Microsoft Yi Baiti"/>
+        <a:font script="Tibt" typeface="Microsoft Himalaya"/>
+        <a:font script="Thaa" typeface="MV Boli"/>
+        <a:font script="Deva" typeface="Mangal"/>
+        <a:font script="Telu" typeface="Gautami"/>
+        <a:font script="Taml" typeface="Latha"/>
+        <a:font script="Syrc" typeface="Estrangelo Edessa"/>
+        <a:font script="Orya" typeface="Kalinga"/>
+        <a:font script="Mlym" typeface="Kartika"/>
+        <a:font script="Laoo" typeface="DokChampa"/>
+        <a:font script="Sinh" typeface="Iskoola Pota"/>
+        <a:font script="Mong" typeface="Mongolian Baiti"/>
+        <a:font script="Viet" typeface="Arial"/>
+        <a:font script="Uigh" typeface="Microsoft Uighur"/>
+        <a:font script="Geor" typeface="Sylfaen"/>
+        <a:font script="Armn" typeface="Arial"/>
+        <a:font script="Bugi" typeface="Leelawadee UI"/>
+        <a:font script="Bopo" typeface="Microsoft JhengHei"/>
+        <a:font script="Java" typeface="Javanese Text"/>
+        <a:font script="Lisu" typeface="Segoe UI"/>
+        <a:font script="Mymr" typeface="Myanmar Text"/>
+        <a:font script="Nkoo" typeface="Ebrima"/>
+        <a:font script="Olck" typeface="Nirmala UI"/>
+        <a:font script="Osma" typeface="Ebrima"/>
+        <a:font script="Phag" typeface="Phagspa"/>
+        <a:font script="Syrn" typeface="Estrangelo Edessa"/>
+        <a:font script="Syrj" typeface="Estrangelo Edessa"/>
+        <a:font script="Syre" typeface="Estrangelo Edessa"/>
+        <a:font script="Sora" typeface="Nirmala UI"/>
+        <a:font script="Tale" typeface="Microsoft Tai Le"/>
+        <a:font script="Talu" typeface="Microsoft New Tai Lue"/>
+        <a:font script="Tfng" typeface="Ebrima"/>
       </a:minorFont>
     </a:fontScheme>
     <a:fmtScheme name="Office">
@@ -6977,786 +7546,142 @@
           <a:gsLst>
             <a:gs pos="0">
               <a:schemeClr val="phClr">
-                <a:tint val="50000"/>
-                <a:satMod val="300000"/>
+                <a:lumMod val="110000"/>
+                <a:satMod val="105000"/>
+                <a:tint val="67000"/>
               </a:schemeClr>
             </a:gs>
-            <a:gs pos="35000">
+            <a:gs pos="50000">
               <a:schemeClr val="phClr">
-                <a:tint val="37000"/>
-                <a:satMod val="300000"/>
+                <a:lumMod val="105000"/>
+                <a:satMod val="103000"/>
+                <a:tint val="73000"/>
               </a:schemeClr>
             </a:gs>
             <a:gs pos="100000">
               <a:schemeClr val="phClr">
-                <a:tint val="15000"/>
-                <a:satMod val="350000"/>
+                <a:lumMod val="105000"/>
+                <a:satMod val="109000"/>
+                <a:tint val="81000"/>
               </a:schemeClr>
             </a:gs>
           </a:gsLst>
-          <a:lin ang="16200000" scaled="1"/>
+          <a:lin ang="5400000" scaled="0"/>
         </a:gradFill>
         <a:gradFill rotWithShape="1">
           <a:gsLst>
             <a:gs pos="0">
               <a:schemeClr val="phClr">
-                <a:shade val="51000"/>
-                <a:satMod val="130000"/>
+                <a:satMod val="103000"/>
+                <a:lumMod val="102000"/>
+                <a:tint val="94000"/>
               </a:schemeClr>
             </a:gs>
-            <a:gs pos="80000">
+            <a:gs pos="50000">
               <a:schemeClr val="phClr">
-                <a:shade val="93000"/>
-                <a:satMod val="130000"/>
+                <a:satMod val="110000"/>
+                <a:lumMod val="100000"/>
+                <a:shade val="100000"/>
               </a:schemeClr>
             </a:gs>
             <a:gs pos="100000">
               <a:schemeClr val="phClr">
-                <a:shade val="94000"/>
-                <a:satMod val="135000"/>
+                <a:lumMod val="99000"/>
+                <a:satMod val="120000"/>
+                <a:shade val="78000"/>
               </a:schemeClr>
             </a:gs>
           </a:gsLst>
-          <a:lin ang="16200000" scaled="0"/>
+          <a:lin ang="5400000" scaled="0"/>
         </a:gradFill>
       </a:fillStyleLst>
       <a:lnStyleLst>
-        <a:ln w="9525" cap="flat" cmpd="sng" algn="ctr">
-          <a:solidFill>
-            <a:schemeClr val="phClr">
-              <a:shade val="95000"/>
-              <a:satMod val="105000"/>
-            </a:schemeClr>
-          </a:solidFill>
-          <a:prstDash val="solid"/>
-        </a:ln>
-        <a:ln w="25400" cap="flat" cmpd="sng" algn="ctr">
+        <a:ln w="6350" cap="flat" cmpd="sng" algn="ctr">
           <a:solidFill>
             <a:schemeClr val="phClr"/>
           </a:solidFill>
           <a:prstDash val="solid"/>
+          <a:miter lim="800000"/>
         </a:ln>
-        <a:ln w="38100" cap="flat" cmpd="sng" algn="ctr">
+        <a:ln w="12700" cap="flat" cmpd="sng" algn="ctr">
           <a:solidFill>
             <a:schemeClr val="phClr"/>
           </a:solidFill>
           <a:prstDash val="solid"/>
+          <a:miter lim="800000"/>
+        </a:ln>
+        <a:ln w="19050" cap="flat" cmpd="sng" algn="ctr">
+          <a:solidFill>
+            <a:schemeClr val="phClr"/>
+          </a:solidFill>
+          <a:prstDash val="solid"/>
+          <a:miter lim="800000"/>
         </a:ln>
       </a:lnStyleLst>
       <a:effectStyleLst>
         <a:effectStyle>
+          <a:effectLst/>
+        </a:effectStyle>
+        <a:effectStyle>
+          <a:effectLst/>
+        </a:effectStyle>
+        <a:effectStyle>
           <a:effectLst>
-            <a:outerShdw blurRad="40000" dist="20000" dir="5400000" rotWithShape="0">
+            <a:outerShdw blurRad="57150" dist="19050" dir="5400000" algn="ctr" rotWithShape="0">
               <a:srgbClr val="000000">
-                <a:alpha val="38000"/>
+                <a:alpha val="63000"/>
               </a:srgbClr>
             </a:outerShdw>
           </a:effectLst>
-        </a:effectStyle>
-        <a:effectStyle>
-          <a:effectLst>
-            <a:outerShdw blurRad="40000" dist="23000" dir="5400000" rotWithShape="0">
-              <a:srgbClr val="000000">
-                <a:alpha val="35000"/>
-              </a:srgbClr>
-            </a:outerShdw>
-          </a:effectLst>
-        </a:effectStyle>
-        <a:effectStyle>
-          <a:effectLst>
-            <a:outerShdw blurRad="40000" dist="23000" dir="5400000" rotWithShape="0">
-              <a:srgbClr val="000000">
-                <a:alpha val="35000"/>
-              </a:srgbClr>
-            </a:outerShdw>
-          </a:effectLst>
-          <a:scene3d>
-            <a:camera prst="orthographicFront">
-              <a:rot lat="0" lon="0" rev="0"/>
-            </a:camera>
-            <a:lightRig rig="threePt" dir="t">
-              <a:rot lat="0" lon="0" rev="1200000"/>
-            </a:lightRig>
-          </a:scene3d>
-          <a:sp3d>
-            <a:bevelT w="63500" h="25400"/>
-          </a:sp3d>
         </a:effectStyle>
       </a:effectStyleLst>
       <a:bgFillStyleLst>
         <a:solidFill>
           <a:schemeClr val="phClr"/>
         </a:solidFill>
+        <a:solidFill>
+          <a:schemeClr val="phClr">
+            <a:tint val="95000"/>
+            <a:satMod val="170000"/>
+          </a:schemeClr>
+        </a:solidFill>
         <a:gradFill rotWithShape="1">
           <a:gsLst>
             <a:gs pos="0">
               <a:schemeClr val="phClr">
-                <a:tint val="40000"/>
-                <a:satMod val="350000"/>
+                <a:tint val="93000"/>
+                <a:satMod val="150000"/>
+                <a:shade val="98000"/>
+                <a:lumMod val="102000"/>
               </a:schemeClr>
             </a:gs>
-            <a:gs pos="40000">
+            <a:gs pos="50000">
               <a:schemeClr val="phClr">
-                <a:tint val="45000"/>
-                <a:shade val="99000"/>
-                <a:satMod val="350000"/>
+                <a:tint val="98000"/>
+                <a:satMod val="130000"/>
+                <a:shade val="90000"/>
+                <a:lumMod val="103000"/>
               </a:schemeClr>
             </a:gs>
             <a:gs pos="100000">
               <a:schemeClr val="phClr">
-                <a:shade val="20000"/>
-                <a:satMod val="255000"/>
+                <a:shade val="63000"/>
+                <a:satMod val="120000"/>
               </a:schemeClr>
             </a:gs>
           </a:gsLst>
-          <a:path path="circle">
-            <a:fillToRect l="50000" t="-80000" r="50000" b="180000"/>
-          </a:path>
-        </a:gradFill>
-        <a:gradFill rotWithShape="1">
-          <a:gsLst>
-            <a:gs pos="0">
-              <a:schemeClr val="phClr">
-                <a:tint val="80000"/>
-                <a:satMod val="300000"/>
-              </a:schemeClr>
-            </a:gs>
-            <a:gs pos="100000">
-              <a:schemeClr val="phClr">
-                <a:shade val="30000"/>
-                <a:satMod val="200000"/>
-              </a:schemeClr>
-            </a:gs>
-          </a:gsLst>
-          <a:path path="circle">
-            <a:fillToRect l="50000" t="50000" r="50000" b="50000"/>
-          </a:path>
+          <a:lin ang="5400000" scaled="0"/>
         </a:gradFill>
       </a:bgFillStyleLst>
     </a:fmtScheme>
   </a:themeElements>
-  <a:objectDefaults>
-    <a:spDef>
-      <a:spPr bwMode="auto">
-        <a:xfrm>
-          <a:off x="0" y="0"/>
-          <a:ext cx="1" cy="1"/>
-        </a:xfrm>
-        <a:custGeom>
-          <a:avLst/>
-          <a:gdLst/>
-          <a:ahLst/>
-          <a:cxnLst/>
-          <a:rect l="0" t="0" r="0" b="0"/>
-          <a:pathLst/>
-        </a:custGeom>
-        <a:solidFill>
-          <a:schemeClr val="accent1"/>
-        </a:solidFill>
-        <a:ln w="9525" cap="flat" cmpd="sng" algn="ctr">
-          <a:solidFill>
-            <a:schemeClr val="tx1"/>
-          </a:solidFill>
-          <a:prstDash val="solid"/>
-          <a:round/>
-          <a:headEnd type="none" w="med" len="med"/>
-          <a:tailEnd type="none" w="med" len="med"/>
-        </a:ln>
-        <a:effectLst/>
-      </a:spPr>
-      <a:bodyPr vert="horz" wrap="square" lIns="91440" tIns="45720" rIns="91440" bIns="45720" numCol="1" anchor="t" anchorCtr="0" compatLnSpc="1">
-        <a:prstTxWarp prst="textNoShape">
-          <a:avLst/>
-        </a:prstTxWarp>
-      </a:bodyPr>
-      <a:lstStyle>
-        <a:defPPr marL="0" marR="0" indent="0" algn="l" defTabSz="4440238" rtl="0" eaLnBrk="1" fontAlgn="base" latinLnBrk="0" hangingPunct="1">
-          <a:lnSpc>
-            <a:spcPct val="100000"/>
-          </a:lnSpc>
-          <a:spcBef>
-            <a:spcPct val="0"/>
-          </a:spcBef>
-          <a:spcAft>
-            <a:spcPct val="0"/>
-          </a:spcAft>
-          <a:buClrTx/>
-          <a:buSzTx/>
-          <a:buFontTx/>
-          <a:buNone/>
-          <a:tabLst/>
-          <a:defRPr kumimoji="0" lang="en-US" sz="8800" b="0" i="0" u="none" strike="noStrike" cap="none" normalizeH="0" baseline="0" smtClean="0">
-            <a:ln>
-              <a:noFill/>
-            </a:ln>
-            <a:solidFill>
-              <a:schemeClr val="tx1"/>
-            </a:solidFill>
-            <a:effectLst/>
-            <a:latin typeface="Arial" charset="0"/>
-            <a:cs typeface="Arial" charset="0"/>
-          </a:defRPr>
-        </a:defPPr>
-      </a:lstStyle>
-    </a:spDef>
-    <a:lnDef>
-      <a:spPr bwMode="auto">
-        <a:xfrm>
-          <a:off x="0" y="0"/>
-          <a:ext cx="1" cy="1"/>
-        </a:xfrm>
-        <a:custGeom>
-          <a:avLst/>
-          <a:gdLst/>
-          <a:ahLst/>
-          <a:cxnLst/>
-          <a:rect l="0" t="0" r="0" b="0"/>
-          <a:pathLst/>
-        </a:custGeom>
-        <a:solidFill>
-          <a:schemeClr val="accent1"/>
-        </a:solidFill>
-        <a:ln w="9525" cap="flat" cmpd="sng" algn="ctr">
-          <a:solidFill>
-            <a:schemeClr val="tx1"/>
-          </a:solidFill>
-          <a:prstDash val="solid"/>
-          <a:round/>
-          <a:headEnd type="none" w="med" len="med"/>
-          <a:tailEnd type="none" w="med" len="med"/>
-        </a:ln>
-        <a:effectLst/>
-      </a:spPr>
-      <a:bodyPr vert="horz" wrap="square" lIns="91440" tIns="45720" rIns="91440" bIns="45720" numCol="1" anchor="t" anchorCtr="0" compatLnSpc="1">
-        <a:prstTxWarp prst="textNoShape">
-          <a:avLst/>
-        </a:prstTxWarp>
-      </a:bodyPr>
-      <a:lstStyle>
-        <a:defPPr marL="0" marR="0" indent="0" algn="l" defTabSz="4440238" rtl="0" eaLnBrk="1" fontAlgn="base" latinLnBrk="0" hangingPunct="1">
-          <a:lnSpc>
-            <a:spcPct val="100000"/>
-          </a:lnSpc>
-          <a:spcBef>
-            <a:spcPct val="0"/>
-          </a:spcBef>
-          <a:spcAft>
-            <a:spcPct val="0"/>
-          </a:spcAft>
-          <a:buClrTx/>
-          <a:buSzTx/>
-          <a:buFontTx/>
-          <a:buNone/>
-          <a:tabLst/>
-          <a:defRPr kumimoji="0" lang="en-US" sz="8800" b="0" i="0" u="none" strike="noStrike" cap="none" normalizeH="0" baseline="0" smtClean="0">
-            <a:ln>
-              <a:noFill/>
-            </a:ln>
-            <a:solidFill>
-              <a:schemeClr val="tx1"/>
-            </a:solidFill>
-            <a:effectLst/>
-            <a:latin typeface="Arial" charset="0"/>
-            <a:cs typeface="Arial" charset="0"/>
-          </a:defRPr>
-        </a:defPPr>
-      </a:lstStyle>
-    </a:lnDef>
-  </a:objectDefaults>
-  <a:extraClrSchemeLst>
-    <a:extraClrScheme>
-      <a:clrScheme name="Default Design 1">
-        <a:dk1>
-          <a:srgbClr val="000000"/>
-        </a:dk1>
-        <a:lt1>
-          <a:srgbClr val="FFFFFF"/>
-        </a:lt1>
-        <a:dk2>
-          <a:srgbClr val="000000"/>
-        </a:dk2>
-        <a:lt2>
-          <a:srgbClr val="808080"/>
-        </a:lt2>
-        <a:accent1>
-          <a:srgbClr val="BBE0E3"/>
-        </a:accent1>
-        <a:accent2>
-          <a:srgbClr val="333399"/>
-        </a:accent2>
-        <a:accent3>
-          <a:srgbClr val="FFFFFF"/>
-        </a:accent3>
-        <a:accent4>
-          <a:srgbClr val="000000"/>
-        </a:accent4>
-        <a:accent5>
-          <a:srgbClr val="DAEDEF"/>
-        </a:accent5>
-        <a:accent6>
-          <a:srgbClr val="2D2D8A"/>
-        </a:accent6>
-        <a:hlink>
-          <a:srgbClr val="009999"/>
-        </a:hlink>
-        <a:folHlink>
-          <a:srgbClr val="99CC00"/>
-        </a:folHlink>
-      </a:clrScheme>
-      <a:clrMap bg1="lt1" tx1="dk1" bg2="lt2" tx2="dk2" accent1="accent1" accent2="accent2" accent3="accent3" accent4="accent4" accent5="accent5" accent6="accent6" hlink="hlink" folHlink="folHlink"/>
-    </a:extraClrScheme>
-    <a:extraClrScheme>
-      <a:clrScheme name="Default Design 2">
-        <a:dk1>
-          <a:srgbClr val="000000"/>
-        </a:dk1>
-        <a:lt1>
-          <a:srgbClr val="FFFFFF"/>
-        </a:lt1>
-        <a:dk2>
-          <a:srgbClr val="000000"/>
-        </a:dk2>
-        <a:lt2>
-          <a:srgbClr val="969696"/>
-        </a:lt2>
-        <a:accent1>
-          <a:srgbClr val="FBDF53"/>
-        </a:accent1>
-        <a:accent2>
-          <a:srgbClr val="FF9966"/>
-        </a:accent2>
-        <a:accent3>
-          <a:srgbClr val="FFFFFF"/>
-        </a:accent3>
-        <a:accent4>
-          <a:srgbClr val="000000"/>
-        </a:accent4>
-        <a:accent5>
-          <a:srgbClr val="FDECB3"/>
-        </a:accent5>
-        <a:accent6>
-          <a:srgbClr val="E78A5C"/>
-        </a:accent6>
-        <a:hlink>
-          <a:srgbClr val="CC3300"/>
-        </a:hlink>
-        <a:folHlink>
-          <a:srgbClr val="996600"/>
-        </a:folHlink>
-      </a:clrScheme>
-      <a:clrMap bg1="lt1" tx1="dk1" bg2="lt2" tx2="dk2" accent1="accent1" accent2="accent2" accent3="accent3" accent4="accent4" accent5="accent5" accent6="accent6" hlink="hlink" folHlink="folHlink"/>
-    </a:extraClrScheme>
-    <a:extraClrScheme>
-      <a:clrScheme name="Default Design 3">
-        <a:dk1>
-          <a:srgbClr val="000000"/>
-        </a:dk1>
-        <a:lt1>
-          <a:srgbClr val="FFFFFF"/>
-        </a:lt1>
-        <a:dk2>
-          <a:srgbClr val="000000"/>
-        </a:dk2>
-        <a:lt2>
-          <a:srgbClr val="808080"/>
-        </a:lt2>
-        <a:accent1>
-          <a:srgbClr val="99CCFF"/>
-        </a:accent1>
-        <a:accent2>
-          <a:srgbClr val="CCCCFF"/>
-        </a:accent2>
-        <a:accent3>
-          <a:srgbClr val="FFFFFF"/>
-        </a:accent3>
-        <a:accent4>
-          <a:srgbClr val="000000"/>
-        </a:accent4>
-        <a:accent5>
-          <a:srgbClr val="CAE2FF"/>
-        </a:accent5>
-        <a:accent6>
-          <a:srgbClr val="B9B9E7"/>
-        </a:accent6>
-        <a:hlink>
-          <a:srgbClr val="3333CC"/>
-        </a:hlink>
-        <a:folHlink>
-          <a:srgbClr val="AF67FF"/>
-        </a:folHlink>
-      </a:clrScheme>
-      <a:clrMap bg1="lt1" tx1="dk1" bg2="lt2" tx2="dk2" accent1="accent1" accent2="accent2" accent3="accent3" accent4="accent4" accent5="accent5" accent6="accent6" hlink="hlink" folHlink="folHlink"/>
-    </a:extraClrScheme>
-    <a:extraClrScheme>
-      <a:clrScheme name="Default Design 4">
-        <a:dk1>
-          <a:srgbClr val="000000"/>
-        </a:dk1>
-        <a:lt1>
-          <a:srgbClr val="DEF6F1"/>
-        </a:lt1>
-        <a:dk2>
-          <a:srgbClr val="000000"/>
-        </a:dk2>
-        <a:lt2>
-          <a:srgbClr val="969696"/>
-        </a:lt2>
-        <a:accent1>
-          <a:srgbClr val="FFFFFF"/>
-        </a:accent1>
-        <a:accent2>
-          <a:srgbClr val="8DC6FF"/>
-        </a:accent2>
-        <a:accent3>
-          <a:srgbClr val="ECFAF7"/>
-        </a:accent3>
-        <a:accent4>
-          <a:srgbClr val="000000"/>
-        </a:accent4>
-        <a:accent5>
-          <a:srgbClr val="FFFFFF"/>
-        </a:accent5>
-        <a:accent6>
-          <a:srgbClr val="7FB3E7"/>
-        </a:accent6>
-        <a:hlink>
-          <a:srgbClr val="0066CC"/>
-        </a:hlink>
-        <a:folHlink>
-          <a:srgbClr val="00A800"/>
-        </a:folHlink>
-      </a:clrScheme>
-      <a:clrMap bg1="lt1" tx1="dk1" bg2="lt2" tx2="dk2" accent1="accent1" accent2="accent2" accent3="accent3" accent4="accent4" accent5="accent5" accent6="accent6" hlink="hlink" folHlink="folHlink"/>
-    </a:extraClrScheme>
-    <a:extraClrScheme>
-      <a:clrScheme name="Default Design 5">
-        <a:dk1>
-          <a:srgbClr val="000000"/>
-        </a:dk1>
-        <a:lt1>
-          <a:srgbClr val="FFFFD9"/>
-        </a:lt1>
-        <a:dk2>
-          <a:srgbClr val="000000"/>
-        </a:dk2>
-        <a:lt2>
-          <a:srgbClr val="777777"/>
-        </a:lt2>
-        <a:accent1>
-          <a:srgbClr val="FFFFF7"/>
-        </a:accent1>
-        <a:accent2>
-          <a:srgbClr val="33CCCC"/>
-        </a:accent2>
-        <a:accent3>
-          <a:srgbClr val="FFFFE9"/>
-        </a:accent3>
-        <a:accent4>
-          <a:srgbClr val="000000"/>
-        </a:accent4>
-        <a:accent5>
-          <a:srgbClr val="FFFFFA"/>
-        </a:accent5>
-        <a:accent6>
-          <a:srgbClr val="2DB9B9"/>
-        </a:accent6>
-        <a:hlink>
-          <a:srgbClr val="FF5050"/>
-        </a:hlink>
-        <a:folHlink>
-          <a:srgbClr val="FF9900"/>
-        </a:folHlink>
-      </a:clrScheme>
-      <a:clrMap bg1="lt1" tx1="dk1" bg2="lt2" tx2="dk2" accent1="accent1" accent2="accent2" accent3="accent3" accent4="accent4" accent5="accent5" accent6="accent6" hlink="hlink" folHlink="folHlink"/>
-    </a:extraClrScheme>
-    <a:extraClrScheme>
-      <a:clrScheme name="Default Design 6">
-        <a:dk1>
-          <a:srgbClr val="005A58"/>
-        </a:dk1>
-        <a:lt1>
-          <a:srgbClr val="FFFFFF"/>
-        </a:lt1>
-        <a:dk2>
-          <a:srgbClr val="008080"/>
-        </a:dk2>
-        <a:lt2>
-          <a:srgbClr val="FFFF99"/>
-        </a:lt2>
-        <a:accent1>
-          <a:srgbClr val="006462"/>
-        </a:accent1>
-        <a:accent2>
-          <a:srgbClr val="6D6FC7"/>
-        </a:accent2>
-        <a:accent3>
-          <a:srgbClr val="AAC0C0"/>
-        </a:accent3>
-        <a:accent4>
-          <a:srgbClr val="DADADA"/>
-        </a:accent4>
-        <a:accent5>
-          <a:srgbClr val="AAB8B7"/>
-        </a:accent5>
-        <a:accent6>
-          <a:srgbClr val="6264B4"/>
-        </a:accent6>
-        <a:hlink>
-          <a:srgbClr val="00FFFF"/>
-        </a:hlink>
-        <a:folHlink>
-          <a:srgbClr val="00FF00"/>
-        </a:folHlink>
-      </a:clrScheme>
-      <a:clrMap bg1="dk2" tx1="lt1" bg2="dk1" tx2="lt2" accent1="accent1" accent2="accent2" accent3="accent3" accent4="accent4" accent5="accent5" accent6="accent6" hlink="hlink" folHlink="folHlink"/>
-    </a:extraClrScheme>
-    <a:extraClrScheme>
-      <a:clrScheme name="Default Design 7">
-        <a:dk1>
-          <a:srgbClr val="5C1F00"/>
-        </a:dk1>
-        <a:lt1>
-          <a:srgbClr val="FFFFFF"/>
-        </a:lt1>
-        <a:dk2>
-          <a:srgbClr val="800000"/>
-        </a:dk2>
-        <a:lt2>
-          <a:srgbClr val="DFD293"/>
-        </a:lt2>
-        <a:accent1>
-          <a:srgbClr val="CC3300"/>
-        </a:accent1>
-        <a:accent2>
-          <a:srgbClr val="BE7960"/>
-        </a:accent2>
-        <a:accent3>
-          <a:srgbClr val="C0AAAA"/>
-        </a:accent3>
-        <a:accent4>
-          <a:srgbClr val="DADADA"/>
-        </a:accent4>
-        <a:accent5>
-          <a:srgbClr val="E2ADAA"/>
-        </a:accent5>
-        <a:accent6>
-          <a:srgbClr val="AC6D56"/>
-        </a:accent6>
-        <a:hlink>
-          <a:srgbClr val="FFFF99"/>
-        </a:hlink>
-        <a:folHlink>
-          <a:srgbClr val="D3A219"/>
-        </a:folHlink>
-      </a:clrScheme>
-      <a:clrMap bg1="dk2" tx1="lt1" bg2="dk1" tx2="lt2" accent1="accent1" accent2="accent2" accent3="accent3" accent4="accent4" accent5="accent5" accent6="accent6" hlink="hlink" folHlink="folHlink"/>
-    </a:extraClrScheme>
-    <a:extraClrScheme>
-      <a:clrScheme name="Default Design 8">
-        <a:dk1>
-          <a:srgbClr val="003366"/>
-        </a:dk1>
-        <a:lt1>
-          <a:srgbClr val="FFFFFF"/>
-        </a:lt1>
-        <a:dk2>
-          <a:srgbClr val="000099"/>
-        </a:dk2>
-        <a:lt2>
-          <a:srgbClr val="CCFFFF"/>
-        </a:lt2>
-        <a:accent1>
-          <a:srgbClr val="3366CC"/>
-        </a:accent1>
-        <a:accent2>
-          <a:srgbClr val="00B000"/>
-        </a:accent2>
-        <a:accent3>
-          <a:srgbClr val="AAAACA"/>
-        </a:accent3>
-        <a:accent4>
-          <a:srgbClr val="DADADA"/>
-        </a:accent4>
-        <a:accent5>
-          <a:srgbClr val="ADB8E2"/>
-        </a:accent5>
-        <a:accent6>
-          <a:srgbClr val="009F00"/>
-        </a:accent6>
-        <a:hlink>
-          <a:srgbClr val="66CCFF"/>
-        </a:hlink>
-        <a:folHlink>
-          <a:srgbClr val="FFE701"/>
-        </a:folHlink>
-      </a:clrScheme>
-      <a:clrMap bg1="dk2" tx1="lt1" bg2="dk1" tx2="lt2" accent1="accent1" accent2="accent2" accent3="accent3" accent4="accent4" accent5="accent5" accent6="accent6" hlink="hlink" folHlink="folHlink"/>
-    </a:extraClrScheme>
-    <a:extraClrScheme>
-      <a:clrScheme name="Default Design 9">
-        <a:dk1>
-          <a:srgbClr val="336699"/>
-        </a:dk1>
-        <a:lt1>
-          <a:srgbClr val="FFFFFF"/>
-        </a:lt1>
-        <a:dk2>
-          <a:srgbClr val="000000"/>
-        </a:dk2>
-        <a:lt2>
-          <a:srgbClr val="E3EBF1"/>
-        </a:lt2>
-        <a:accent1>
-          <a:srgbClr val="003399"/>
-        </a:accent1>
-        <a:accent2>
-          <a:srgbClr val="468A4B"/>
-        </a:accent2>
-        <a:accent3>
-          <a:srgbClr val="AAAAAA"/>
-        </a:accent3>
-        <a:accent4>
-          <a:srgbClr val="DADADA"/>
-        </a:accent4>
-        <a:accent5>
-          <a:srgbClr val="AAADCA"/>
-        </a:accent5>
-        <a:accent6>
-          <a:srgbClr val="3F7D43"/>
-        </a:accent6>
-        <a:hlink>
-          <a:srgbClr val="66CCFF"/>
-        </a:hlink>
-        <a:folHlink>
-          <a:srgbClr val="F0E500"/>
-        </a:folHlink>
-      </a:clrScheme>
-      <a:clrMap bg1="dk2" tx1="lt1" bg2="dk1" tx2="lt2" accent1="accent1" accent2="accent2" accent3="accent3" accent4="accent4" accent5="accent5" accent6="accent6" hlink="hlink" folHlink="folHlink"/>
-    </a:extraClrScheme>
-    <a:extraClrScheme>
-      <a:clrScheme name="Default Design 10">
-        <a:dk1>
-          <a:srgbClr val="777777"/>
-        </a:dk1>
-        <a:lt1>
-          <a:srgbClr val="FFFFFF"/>
-        </a:lt1>
-        <a:dk2>
-          <a:srgbClr val="686B5D"/>
-        </a:dk2>
-        <a:lt2>
-          <a:srgbClr val="D1D1CB"/>
-        </a:lt2>
-        <a:accent1>
-          <a:srgbClr val="909082"/>
-        </a:accent1>
-        <a:accent2>
-          <a:srgbClr val="809EA8"/>
-        </a:accent2>
-        <a:accent3>
-          <a:srgbClr val="B9BAB6"/>
-        </a:accent3>
-        <a:accent4>
-          <a:srgbClr val="DADADA"/>
-        </a:accent4>
-        <a:accent5>
-          <a:srgbClr val="C6C6C1"/>
-        </a:accent5>
-        <a:accent6>
-          <a:srgbClr val="738F98"/>
-        </a:accent6>
-        <a:hlink>
-          <a:srgbClr val="FFCC66"/>
-        </a:hlink>
-        <a:folHlink>
-          <a:srgbClr val="E9DCB9"/>
-        </a:folHlink>
-      </a:clrScheme>
-      <a:clrMap bg1="dk2" tx1="lt1" bg2="dk1" tx2="lt2" accent1="accent1" accent2="accent2" accent3="accent3" accent4="accent4" accent5="accent5" accent6="accent6" hlink="hlink" folHlink="folHlink"/>
-    </a:extraClrScheme>
-    <a:extraClrScheme>
-      <a:clrScheme name="Default Design 11">
-        <a:dk1>
-          <a:srgbClr val="3E3E5C"/>
-        </a:dk1>
-        <a:lt1>
-          <a:srgbClr val="FFFFFF"/>
-        </a:lt1>
-        <a:dk2>
-          <a:srgbClr val="666699"/>
-        </a:dk2>
-        <a:lt2>
-          <a:srgbClr val="FFFFFF"/>
-        </a:lt2>
-        <a:accent1>
-          <a:srgbClr val="60597B"/>
-        </a:accent1>
-        <a:accent2>
-          <a:srgbClr val="6666FF"/>
-        </a:accent2>
-        <a:accent3>
-          <a:srgbClr val="B8B8CA"/>
-        </a:accent3>
-        <a:accent4>
-          <a:srgbClr val="DADADA"/>
-        </a:accent4>
-        <a:accent5>
-          <a:srgbClr val="B6B5BF"/>
-        </a:accent5>
-        <a:accent6>
-          <a:srgbClr val="5C5CE7"/>
-        </a:accent6>
-        <a:hlink>
-          <a:srgbClr val="99CCFF"/>
-        </a:hlink>
-        <a:folHlink>
-          <a:srgbClr val="FFFF99"/>
-        </a:folHlink>
-      </a:clrScheme>
-      <a:clrMap bg1="dk2" tx1="lt1" bg2="dk1" tx2="lt2" accent1="accent1" accent2="accent2" accent3="accent3" accent4="accent4" accent5="accent5" accent6="accent6" hlink="hlink" folHlink="folHlink"/>
-    </a:extraClrScheme>
-    <a:extraClrScheme>
-      <a:clrScheme name="Default Design 12">
-        <a:dk1>
-          <a:srgbClr val="2D2015"/>
-        </a:dk1>
-        <a:lt1>
-          <a:srgbClr val="FFFFFF"/>
-        </a:lt1>
-        <a:dk2>
-          <a:srgbClr val="523E26"/>
-        </a:dk2>
-        <a:lt2>
-          <a:srgbClr val="DFC08D"/>
-        </a:lt2>
-        <a:accent1>
-          <a:srgbClr val="8C7B70"/>
-        </a:accent1>
-        <a:accent2>
-          <a:srgbClr val="8F5F2F"/>
-        </a:accent2>
-        <a:accent3>
-          <a:srgbClr val="B3AFAC"/>
-        </a:accent3>
-        <a:accent4>
-          <a:srgbClr val="DADADA"/>
-        </a:accent4>
-        <a:accent5>
-          <a:srgbClr val="C5BFBB"/>
-        </a:accent5>
-        <a:accent6>
-          <a:srgbClr val="81552A"/>
-        </a:accent6>
-        <a:hlink>
-          <a:srgbClr val="CCB400"/>
-        </a:hlink>
-        <a:folHlink>
-          <a:srgbClr val="8C9EA0"/>
-        </a:folHlink>
-      </a:clrScheme>
-      <a:clrMap bg1="dk2" tx1="lt1" bg2="dk1" tx2="lt2" accent1="accent1" accent2="accent2" accent3="accent3" accent4="accent4" accent5="accent5" accent6="accent6" hlink="hlink" folHlink="folHlink"/>
-    </a:extraClrScheme>
-  </a:extraClrSchemeLst>
+  <a:objectDefaults/>
+  <a:extraClrSchemeLst/>
+  <a:extLst>
+    <a:ext uri="{05A4C25C-085E-4340-85A3-A5531E510DB2}">
+      <thm15:themeFamily xmlns:thm15="http://schemas.microsoft.com/office/thememl/2012/main" name="Office Theme" id="{62F939B6-93AF-4DB8-9C6B-D6C7DFDC589F}" vid="{4A3C46E8-61CC-4603-A589-7422A47A8E4A}"/>
+    </a:ext>
+  </a:extLst>
 </a:theme>
 </file>
 
